--- a/content/a-section/a-sec4/presentation/Advanced Section #4_ Recurrent Neural Networks_ Exploding, Vanishing Gradients & Reservoir Computing.pptx
+++ b/content/a-section/a-sec4/presentation/Advanced Section #4_ Recurrent Neural Networks_ Exploding, Vanishing Gradients & Reservoir Computing.pptx
@@ -59,7 +59,6 @@
     <p:sldId id="304" r:id="rId54"/>
     <p:sldId id="305" r:id="rId55"/>
     <p:sldId id="306" r:id="rId56"/>
-    <p:sldId id="307" r:id="rId57"/>
   </p:sldIdLst>
   <p:sldSz cy="5143500" cx="9144000"/>
   <p:notesSz cx="6858000" cy="9144000"/>
@@ -3231,7 +3230,7 @@
       </p:grpSpPr>
       <p:sp>
         <p:nvSpPr>
-          <p:cNvPr id="325" name="Google Shape;325;g51cd74bbda_0_439:notes"/>
+          <p:cNvPr id="325" name="Google Shape;325;g51cd74bbda_0_462:notes"/>
           <p:cNvSpPr/>
           <p:nvPr>
             <p:ph idx="2" type="sldImg"/>
@@ -3266,7 +3265,7 @@
       </p:sp>
       <p:sp>
         <p:nvSpPr>
-          <p:cNvPr id="326" name="Google Shape;326;g51cd74bbda_0_439:notes"/>
+          <p:cNvPr id="326" name="Google Shape;326;g51cd74bbda_0_462:notes"/>
           <p:cNvSpPr txBox="1"/>
           <p:nvPr>
             <p:ph idx="1" type="body"/>
@@ -3316,7 +3315,7 @@
   <p:cSld>
     <p:spTree>
       <p:nvGrpSpPr>
-        <p:cNvPr id="334" name="Shape 334"/>
+        <p:cNvPr id="336" name="Shape 336"/>
         <p:cNvGrpSpPr/>
         <p:nvPr/>
       </p:nvGrpSpPr>
@@ -3330,7 +3329,7 @@
       </p:grpSpPr>
       <p:sp>
         <p:nvSpPr>
-          <p:cNvPr id="335" name="Google Shape;335;g51cd74bbda_0_462:notes"/>
+          <p:cNvPr id="337" name="Google Shape;337;g51cd74bbda_0_451:notes"/>
           <p:cNvSpPr/>
           <p:nvPr>
             <p:ph idx="2" type="sldImg"/>
@@ -3365,7 +3364,7 @@
       </p:sp>
       <p:sp>
         <p:nvSpPr>
-          <p:cNvPr id="336" name="Google Shape;336;g51cd74bbda_0_462:notes"/>
+          <p:cNvPr id="338" name="Google Shape;338;g51cd74bbda_0_451:notes"/>
           <p:cNvSpPr txBox="1"/>
           <p:nvPr>
             <p:ph idx="1" type="body"/>
@@ -3415,7 +3414,7 @@
   <p:cSld>
     <p:spTree>
       <p:nvGrpSpPr>
-        <p:cNvPr id="346" name="Shape 346"/>
+        <p:cNvPr id="350" name="Shape 350"/>
         <p:cNvGrpSpPr/>
         <p:nvPr/>
       </p:nvGrpSpPr>
@@ -3429,7 +3428,7 @@
       </p:grpSpPr>
       <p:sp>
         <p:nvSpPr>
-          <p:cNvPr id="347" name="Google Shape;347;g51cd74bbda_0_451:notes"/>
+          <p:cNvPr id="351" name="Google Shape;351;g51cd74bbda_0_483:notes"/>
           <p:cNvSpPr/>
           <p:nvPr>
             <p:ph idx="2" type="sldImg"/>
@@ -3464,7 +3463,7 @@
       </p:sp>
       <p:sp>
         <p:nvSpPr>
-          <p:cNvPr id="348" name="Google Shape;348;g51cd74bbda_0_451:notes"/>
+          <p:cNvPr id="352" name="Google Shape;352;g51cd74bbda_0_483:notes"/>
           <p:cNvSpPr txBox="1"/>
           <p:nvPr>
             <p:ph idx="1" type="body"/>
@@ -3514,7 +3513,7 @@
   <p:cSld>
     <p:spTree>
       <p:nvGrpSpPr>
-        <p:cNvPr id="360" name="Shape 360"/>
+        <p:cNvPr id="364" name="Shape 364"/>
         <p:cNvGrpSpPr/>
         <p:nvPr/>
       </p:nvGrpSpPr>
@@ -3528,7 +3527,7 @@
       </p:grpSpPr>
       <p:sp>
         <p:nvSpPr>
-          <p:cNvPr id="361" name="Google Shape;361;g51cd74bbda_0_483:notes"/>
+          <p:cNvPr id="365" name="Google Shape;365;g51cd74bbda_0_495:notes"/>
           <p:cNvSpPr/>
           <p:nvPr>
             <p:ph idx="2" type="sldImg"/>
@@ -3563,7 +3562,7 @@
       </p:sp>
       <p:sp>
         <p:nvSpPr>
-          <p:cNvPr id="362" name="Google Shape;362;g51cd74bbda_0_483:notes"/>
+          <p:cNvPr id="366" name="Google Shape;366;g51cd74bbda_0_495:notes"/>
           <p:cNvSpPr txBox="1"/>
           <p:nvPr>
             <p:ph idx="1" type="body"/>
@@ -3613,7 +3612,7 @@
   <p:cSld>
     <p:spTree>
       <p:nvGrpSpPr>
-        <p:cNvPr id="374" name="Shape 374"/>
+        <p:cNvPr id="377" name="Shape 377"/>
         <p:cNvGrpSpPr/>
         <p:nvPr/>
       </p:nvGrpSpPr>
@@ -3627,7 +3626,7 @@
       </p:grpSpPr>
       <p:sp>
         <p:nvSpPr>
-          <p:cNvPr id="375" name="Google Shape;375;g51cd74bbda_0_495:notes"/>
+          <p:cNvPr id="378" name="Google Shape;378;g51cd74bbda_0_521:notes"/>
           <p:cNvSpPr/>
           <p:nvPr>
             <p:ph idx="2" type="sldImg"/>
@@ -3662,7 +3661,7 @@
       </p:sp>
       <p:sp>
         <p:nvSpPr>
-          <p:cNvPr id="376" name="Google Shape;376;g51cd74bbda_0_495:notes"/>
+          <p:cNvPr id="379" name="Google Shape;379;g51cd74bbda_0_521:notes"/>
           <p:cNvSpPr txBox="1"/>
           <p:nvPr>
             <p:ph idx="1" type="body"/>
@@ -3712,7 +3711,7 @@
   <p:cSld>
     <p:spTree>
       <p:nvGrpSpPr>
-        <p:cNvPr id="387" name="Shape 387"/>
+        <p:cNvPr id="389" name="Shape 389"/>
         <p:cNvGrpSpPr/>
         <p:nvPr/>
       </p:nvGrpSpPr>
@@ -3726,7 +3725,7 @@
       </p:grpSpPr>
       <p:sp>
         <p:nvSpPr>
-          <p:cNvPr id="388" name="Google Shape;388;g51cd74bbda_0_521:notes"/>
+          <p:cNvPr id="390" name="Google Shape;390;g51cd74bbda_0_550:notes"/>
           <p:cNvSpPr/>
           <p:nvPr>
             <p:ph idx="2" type="sldImg"/>
@@ -3761,7 +3760,7 @@
       </p:sp>
       <p:sp>
         <p:nvSpPr>
-          <p:cNvPr id="389" name="Google Shape;389;g51cd74bbda_0_521:notes"/>
+          <p:cNvPr id="391" name="Google Shape;391;g51cd74bbda_0_550:notes"/>
           <p:cNvSpPr txBox="1"/>
           <p:nvPr>
             <p:ph idx="1" type="body"/>
@@ -3811,7 +3810,7 @@
   <p:cSld>
     <p:spTree>
       <p:nvGrpSpPr>
-        <p:cNvPr id="399" name="Shape 399"/>
+        <p:cNvPr id="395" name="Shape 395"/>
         <p:cNvGrpSpPr/>
         <p:nvPr/>
       </p:nvGrpSpPr>
@@ -3825,7 +3824,7 @@
       </p:grpSpPr>
       <p:sp>
         <p:nvSpPr>
-          <p:cNvPr id="400" name="Google Shape;400;g51cd74bbda_0_550:notes"/>
+          <p:cNvPr id="396" name="Google Shape;396;g51cd74bbda_0_539:notes"/>
           <p:cNvSpPr/>
           <p:nvPr>
             <p:ph idx="2" type="sldImg"/>
@@ -3860,7 +3859,7 @@
       </p:sp>
       <p:sp>
         <p:nvSpPr>
-          <p:cNvPr id="401" name="Google Shape;401;g51cd74bbda_0_550:notes"/>
+          <p:cNvPr id="397" name="Google Shape;397;g51cd74bbda_0_539:notes"/>
           <p:cNvSpPr txBox="1"/>
           <p:nvPr>
             <p:ph idx="1" type="body"/>
@@ -3910,7 +3909,7 @@
   <p:cSld>
     <p:spTree>
       <p:nvGrpSpPr>
-        <p:cNvPr id="405" name="Shape 405"/>
+        <p:cNvPr id="406" name="Shape 406"/>
         <p:cNvGrpSpPr/>
         <p:nvPr/>
       </p:nvGrpSpPr>
@@ -3924,7 +3923,7 @@
       </p:grpSpPr>
       <p:sp>
         <p:nvSpPr>
-          <p:cNvPr id="406" name="Google Shape;406;g51cd74bbda_0_539:notes"/>
+          <p:cNvPr id="407" name="Google Shape;407;g51cd74bbda_0_509:notes"/>
           <p:cNvSpPr/>
           <p:nvPr>
             <p:ph idx="2" type="sldImg"/>
@@ -3959,7 +3958,7 @@
       </p:sp>
       <p:sp>
         <p:nvSpPr>
-          <p:cNvPr id="407" name="Google Shape;407;g51cd74bbda_0_539:notes"/>
+          <p:cNvPr id="408" name="Google Shape;408;g51cd74bbda_0_509:notes"/>
           <p:cNvSpPr txBox="1"/>
           <p:nvPr>
             <p:ph idx="1" type="body"/>
@@ -4122,7 +4121,7 @@
       </p:grpSpPr>
       <p:sp>
         <p:nvSpPr>
-          <p:cNvPr id="417" name="Google Shape;417;g51cd74bbda_0_509:notes"/>
+          <p:cNvPr id="417" name="Google Shape;417;g51cd74bbda_0_555:notes"/>
           <p:cNvSpPr/>
           <p:nvPr>
             <p:ph idx="2" type="sldImg"/>
@@ -4157,7 +4156,7 @@
       </p:sp>
       <p:sp>
         <p:nvSpPr>
-          <p:cNvPr id="418" name="Google Shape;418;g51cd74bbda_0_509:notes"/>
+          <p:cNvPr id="418" name="Google Shape;418;g51cd74bbda_0_555:notes"/>
           <p:cNvSpPr txBox="1"/>
           <p:nvPr>
             <p:ph idx="1" type="body"/>
@@ -4207,7 +4206,7 @@
   <p:cSld>
     <p:spTree>
       <p:nvGrpSpPr>
-        <p:cNvPr id="426" name="Shape 426"/>
+        <p:cNvPr id="427" name="Shape 427"/>
         <p:cNvGrpSpPr/>
         <p:nvPr/>
       </p:nvGrpSpPr>
@@ -4221,7 +4220,7 @@
       </p:grpSpPr>
       <p:sp>
         <p:nvSpPr>
-          <p:cNvPr id="427" name="Google Shape;427;g51cd74bbda_0_555:notes"/>
+          <p:cNvPr id="428" name="Google Shape;428;g51cd74bbda_0_572:notes"/>
           <p:cNvSpPr/>
           <p:nvPr>
             <p:ph idx="2" type="sldImg"/>
@@ -4256,7 +4255,7 @@
       </p:sp>
       <p:sp>
         <p:nvSpPr>
-          <p:cNvPr id="428" name="Google Shape;428;g51cd74bbda_0_555:notes"/>
+          <p:cNvPr id="429" name="Google Shape;429;g51cd74bbda_0_572:notes"/>
           <p:cNvSpPr txBox="1"/>
           <p:nvPr>
             <p:ph idx="1" type="body"/>
@@ -4306,7 +4305,7 @@
   <p:cSld>
     <p:spTree>
       <p:nvGrpSpPr>
-        <p:cNvPr id="437" name="Shape 437"/>
+        <p:cNvPr id="438" name="Shape 438"/>
         <p:cNvGrpSpPr/>
         <p:nvPr/>
       </p:nvGrpSpPr>
@@ -4320,7 +4319,7 @@
       </p:grpSpPr>
       <p:sp>
         <p:nvSpPr>
-          <p:cNvPr id="438" name="Google Shape;438;g51cd74bbda_0_572:notes"/>
+          <p:cNvPr id="439" name="Google Shape;439;g51cd74bbda_0_642:notes"/>
           <p:cNvSpPr/>
           <p:nvPr>
             <p:ph idx="2" type="sldImg"/>
@@ -4355,7 +4354,7 @@
       </p:sp>
       <p:sp>
         <p:nvSpPr>
-          <p:cNvPr id="439" name="Google Shape;439;g51cd74bbda_0_572:notes"/>
+          <p:cNvPr id="440" name="Google Shape;440;g51cd74bbda_0_642:notes"/>
           <p:cNvSpPr txBox="1"/>
           <p:nvPr>
             <p:ph idx="1" type="body"/>
@@ -4405,7 +4404,7 @@
   <p:cSld>
     <p:spTree>
       <p:nvGrpSpPr>
-        <p:cNvPr id="448" name="Shape 448"/>
+        <p:cNvPr id="449" name="Shape 449"/>
         <p:cNvGrpSpPr/>
         <p:nvPr/>
       </p:nvGrpSpPr>
@@ -4419,7 +4418,7 @@
       </p:grpSpPr>
       <p:sp>
         <p:nvSpPr>
-          <p:cNvPr id="449" name="Google Shape;449;g51cd74bbda_0_642:notes"/>
+          <p:cNvPr id="450" name="Google Shape;450;g51cd74bbda_0_633:notes"/>
           <p:cNvSpPr/>
           <p:nvPr>
             <p:ph idx="2" type="sldImg"/>
@@ -4454,7 +4453,7 @@
       </p:sp>
       <p:sp>
         <p:nvSpPr>
-          <p:cNvPr id="450" name="Google Shape;450;g51cd74bbda_0_642:notes"/>
+          <p:cNvPr id="451" name="Google Shape;451;g51cd74bbda_0_633:notes"/>
           <p:cNvSpPr txBox="1"/>
           <p:nvPr>
             <p:ph idx="1" type="body"/>
@@ -4504,7 +4503,7 @@
   <p:cSld>
     <p:spTree>
       <p:nvGrpSpPr>
-        <p:cNvPr id="459" name="Shape 459"/>
+        <p:cNvPr id="460" name="Shape 460"/>
         <p:cNvGrpSpPr/>
         <p:nvPr/>
       </p:nvGrpSpPr>
@@ -4518,7 +4517,7 @@
       </p:grpSpPr>
       <p:sp>
         <p:nvSpPr>
-          <p:cNvPr id="460" name="Google Shape;460;g51cd74bbda_0_633:notes"/>
+          <p:cNvPr id="461" name="Google Shape;461;g51cd74bbda_0_653:notes"/>
           <p:cNvSpPr/>
           <p:nvPr>
             <p:ph idx="2" type="sldImg"/>
@@ -4553,7 +4552,7 @@
       </p:sp>
       <p:sp>
         <p:nvSpPr>
-          <p:cNvPr id="461" name="Google Shape;461;g51cd74bbda_0_633:notes"/>
+          <p:cNvPr id="462" name="Google Shape;462;g51cd74bbda_0_653:notes"/>
           <p:cNvSpPr txBox="1"/>
           <p:nvPr>
             <p:ph idx="1" type="body"/>
@@ -4603,7 +4602,7 @@
   <p:cSld>
     <p:spTree>
       <p:nvGrpSpPr>
-        <p:cNvPr id="470" name="Shape 470"/>
+        <p:cNvPr id="471" name="Shape 471"/>
         <p:cNvGrpSpPr/>
         <p:nvPr/>
       </p:nvGrpSpPr>
@@ -4617,7 +4616,7 @@
       </p:grpSpPr>
       <p:sp>
         <p:nvSpPr>
-          <p:cNvPr id="471" name="Google Shape;471;g51cd74bbda_0_653:notes"/>
+          <p:cNvPr id="472" name="Google Shape;472;g51cd74bbda_0_662:notes"/>
           <p:cNvSpPr/>
           <p:nvPr>
             <p:ph idx="2" type="sldImg"/>
@@ -4652,7 +4651,7 @@
       </p:sp>
       <p:sp>
         <p:nvSpPr>
-          <p:cNvPr id="472" name="Google Shape;472;g51cd74bbda_0_653:notes"/>
+          <p:cNvPr id="473" name="Google Shape;473;g51cd74bbda_0_662:notes"/>
           <p:cNvSpPr txBox="1"/>
           <p:nvPr>
             <p:ph idx="1" type="body"/>
@@ -4702,7 +4701,7 @@
   <p:cSld>
     <p:spTree>
       <p:nvGrpSpPr>
-        <p:cNvPr id="481" name="Shape 481"/>
+        <p:cNvPr id="482" name="Shape 482"/>
         <p:cNvGrpSpPr/>
         <p:nvPr/>
       </p:nvGrpSpPr>
@@ -4716,7 +4715,7 @@
       </p:grpSpPr>
       <p:sp>
         <p:nvSpPr>
-          <p:cNvPr id="482" name="Google Shape;482;g51cd74bbda_0_662:notes"/>
+          <p:cNvPr id="483" name="Google Shape;483;g51cd74bbda_0_671:notes"/>
           <p:cNvSpPr/>
           <p:nvPr>
             <p:ph idx="2" type="sldImg"/>
@@ -4751,7 +4750,7 @@
       </p:sp>
       <p:sp>
         <p:nvSpPr>
-          <p:cNvPr id="483" name="Google Shape;483;g51cd74bbda_0_662:notes"/>
+          <p:cNvPr id="484" name="Google Shape;484;g51cd74bbda_0_671:notes"/>
           <p:cNvSpPr txBox="1"/>
           <p:nvPr>
             <p:ph idx="1" type="body"/>
@@ -4815,7 +4814,7 @@
       </p:grpSpPr>
       <p:sp>
         <p:nvSpPr>
-          <p:cNvPr id="493" name="Google Shape;493;g51cd74bbda_0_671:notes"/>
+          <p:cNvPr id="493" name="Google Shape;493;g51cd74bbda_0_388:notes"/>
           <p:cNvSpPr/>
           <p:nvPr>
             <p:ph idx="2" type="sldImg"/>
@@ -4850,7 +4849,7 @@
       </p:sp>
       <p:sp>
         <p:nvSpPr>
-          <p:cNvPr id="494" name="Google Shape;494;g51cd74bbda_0_671:notes"/>
+          <p:cNvPr id="494" name="Google Shape;494;g51cd74bbda_0_388:notes"/>
           <p:cNvSpPr txBox="1"/>
           <p:nvPr>
             <p:ph idx="1" type="body"/>
@@ -4900,7 +4899,7 @@
   <p:cSld>
     <p:spTree>
       <p:nvGrpSpPr>
-        <p:cNvPr id="502" name="Shape 502"/>
+        <p:cNvPr id="498" name="Shape 498"/>
         <p:cNvGrpSpPr/>
         <p:nvPr/>
       </p:nvGrpSpPr>
@@ -4914,7 +4913,7 @@
       </p:grpSpPr>
       <p:sp>
         <p:nvSpPr>
-          <p:cNvPr id="503" name="Google Shape;503;g51cd74bbda_0_388:notes"/>
+          <p:cNvPr id="499" name="Google Shape;499;g51cd74bbda_0_583:notes"/>
           <p:cNvSpPr/>
           <p:nvPr>
             <p:ph idx="2" type="sldImg"/>
@@ -4949,7 +4948,7 @@
       </p:sp>
       <p:sp>
         <p:nvSpPr>
-          <p:cNvPr id="504" name="Google Shape;504;g51cd74bbda_0_388:notes"/>
+          <p:cNvPr id="500" name="Google Shape;500;g51cd74bbda_0_583:notes"/>
           <p:cNvSpPr txBox="1"/>
           <p:nvPr>
             <p:ph idx="1" type="body"/>
@@ -4999,7 +4998,7 @@
   <p:cSld>
     <p:spTree>
       <p:nvGrpSpPr>
-        <p:cNvPr id="508" name="Shape 508"/>
+        <p:cNvPr id="507" name="Shape 507"/>
         <p:cNvGrpSpPr/>
         <p:nvPr/>
       </p:nvGrpSpPr>
@@ -5013,7 +5012,7 @@
       </p:grpSpPr>
       <p:sp>
         <p:nvSpPr>
-          <p:cNvPr id="509" name="Google Shape;509;g51cd74bbda_0_583:notes"/>
+          <p:cNvPr id="508" name="Google Shape;508;g51cd74bbda_0_593:notes"/>
           <p:cNvSpPr/>
           <p:nvPr>
             <p:ph idx="2" type="sldImg"/>
@@ -5048,7 +5047,7 @@
       </p:sp>
       <p:sp>
         <p:nvSpPr>
-          <p:cNvPr id="510" name="Google Shape;510;g51cd74bbda_0_583:notes"/>
+          <p:cNvPr id="509" name="Google Shape;509;g51cd74bbda_0_593:notes"/>
           <p:cNvSpPr txBox="1"/>
           <p:nvPr>
             <p:ph idx="1" type="body"/>
@@ -5198,7 +5197,7 @@
   <p:cSld>
     <p:spTree>
       <p:nvGrpSpPr>
-        <p:cNvPr id="517" name="Shape 517"/>
+        <p:cNvPr id="514" name="Shape 514"/>
         <p:cNvGrpSpPr/>
         <p:nvPr/>
       </p:nvGrpSpPr>
@@ -5212,7 +5211,7 @@
       </p:grpSpPr>
       <p:sp>
         <p:nvSpPr>
-          <p:cNvPr id="518" name="Google Shape;518;g51cd74bbda_0_593:notes"/>
+          <p:cNvPr id="515" name="Google Shape;515;g51cd74bbda_0_432:notes"/>
           <p:cNvSpPr/>
           <p:nvPr>
             <p:ph idx="2" type="sldImg"/>
@@ -5247,7 +5246,7 @@
       </p:sp>
       <p:sp>
         <p:nvSpPr>
-          <p:cNvPr id="519" name="Google Shape;519;g51cd74bbda_0_593:notes"/>
+          <p:cNvPr id="516" name="Google Shape;516;g51cd74bbda_0_432:notes"/>
           <p:cNvSpPr txBox="1"/>
           <p:nvPr>
             <p:ph idx="1" type="body"/>
@@ -5297,7 +5296,7 @@
   <p:cSld>
     <p:spTree>
       <p:nvGrpSpPr>
-        <p:cNvPr id="524" name="Shape 524"/>
+        <p:cNvPr id="521" name="Shape 521"/>
         <p:cNvGrpSpPr/>
         <p:nvPr/>
       </p:nvGrpSpPr>
@@ -5311,7 +5310,7 @@
       </p:grpSpPr>
       <p:sp>
         <p:nvSpPr>
-          <p:cNvPr id="525" name="Google Shape;525;g51cd74bbda_0_432:notes"/>
+          <p:cNvPr id="522" name="Google Shape;522;g51cd74bbda_0_606:notes"/>
           <p:cNvSpPr/>
           <p:nvPr>
             <p:ph idx="2" type="sldImg"/>
@@ -5346,106 +5345,7 @@
       </p:sp>
       <p:sp>
         <p:nvSpPr>
-          <p:cNvPr id="526" name="Google Shape;526;g51cd74bbda_0_432:notes"/>
-          <p:cNvSpPr txBox="1"/>
-          <p:nvPr>
-            <p:ph idx="1" type="body"/>
-          </p:nvPr>
-        </p:nvSpPr>
-        <p:spPr>
-          <a:xfrm>
-            <a:off x="685800" y="4343400"/>
-            <a:ext cx="5486400" cy="4114800"/>
-          </a:xfrm>
-          <a:prstGeom prst="rect">
-            <a:avLst/>
-          </a:prstGeom>
-        </p:spPr>
-        <p:txBody>
-          <a:bodyPr anchorCtr="0" anchor="t" bIns="91425" lIns="91425" spcFirstLastPara="1" rIns="91425" wrap="square" tIns="91425">
-            <a:noAutofit/>
-          </a:bodyPr>
-          <a:lstStyle/>
-          <a:p>
-            <a:pPr indent="0" lvl="0" marL="0" rtl="0" algn="l">
-              <a:spcBef>
-                <a:spcPts val="0"/>
-              </a:spcBef>
-              <a:spcAft>
-                <a:spcPts val="0"/>
-              </a:spcAft>
-              <a:buNone/>
-            </a:pPr>
-            <a:r>
-              <a:t/>
-            </a:r>
-            <a:endParaRPr/>
-          </a:p>
-        </p:txBody>
-      </p:sp>
-    </p:spTree>
-  </p:cSld>
-  <p:clrMapOvr>
-    <a:masterClrMapping/>
-  </p:clrMapOvr>
-</p:notes>
-</file>
-
-<file path=ppt/notesSlides/notesSlide52.xml><?xml version="1.0" encoding="utf-8"?>
-<p:notes xmlns:a="http://schemas.openxmlformats.org/drawingml/2006/main" xmlns:r="http://schemas.openxmlformats.org/officeDocument/2006/relationships" xmlns:mc="http://schemas.openxmlformats.org/markup-compatibility/2006" xmlns:mv="urn:schemas-microsoft-com:mac:vml" xmlns:p="http://schemas.openxmlformats.org/presentationml/2006/main" xmlns:c="http://schemas.openxmlformats.org/drawingml/2006/chart" xmlns:dgm="http://schemas.openxmlformats.org/drawingml/2006/diagram" xmlns:o="urn:schemas-microsoft-com:office:office" xmlns:v="urn:schemas-microsoft-com:vml" xmlns:pvml="urn:schemas-microsoft-com:office:powerpoint" xmlns:com="http://schemas.openxmlformats.org/drawingml/2006/compatibility" xmlns:p14="http://schemas.microsoft.com/office/powerpoint/2010/main" xmlns:p15="http://schemas.microsoft.com/office/powerpoint/2012/main" showMasterPhAnim="0" showMasterSp="0">
-  <p:cSld>
-    <p:spTree>
-      <p:nvGrpSpPr>
-        <p:cNvPr id="531" name="Shape 531"/>
-        <p:cNvGrpSpPr/>
-        <p:nvPr/>
-      </p:nvGrpSpPr>
-      <p:grpSpPr>
-        <a:xfrm>
-          <a:off x="0" y="0"/>
-          <a:ext cx="0" cy="0"/>
-          <a:chOff x="0" y="0"/>
-          <a:chExt cx="0" cy="0"/>
-        </a:xfrm>
-      </p:grpSpPr>
-      <p:sp>
-        <p:nvSpPr>
-          <p:cNvPr id="532" name="Google Shape;532;g51cd74bbda_0_606:notes"/>
-          <p:cNvSpPr/>
-          <p:nvPr>
-            <p:ph idx="2" type="sldImg"/>
-          </p:nvPr>
-        </p:nvSpPr>
-        <p:spPr>
-          <a:xfrm>
-            <a:off x="381300" y="685800"/>
-            <a:ext cx="6096000" cy="3429000"/>
-          </a:xfrm>
-          <a:custGeom>
-            <a:rect b="b" l="l" r="r" t="t"/>
-            <a:pathLst>
-              <a:path extrusionOk="0" h="120000" w="120000">
-                <a:moveTo>
-                  <a:pt x="0" y="0"/>
-                </a:moveTo>
-                <a:lnTo>
-                  <a:pt x="120000" y="0"/>
-                </a:lnTo>
-                <a:lnTo>
-                  <a:pt x="120000" y="120000"/>
-                </a:lnTo>
-                <a:lnTo>
-                  <a:pt x="0" y="120000"/>
-                </a:lnTo>
-                <a:close/>
-              </a:path>
-            </a:pathLst>
-          </a:custGeom>
-        </p:spPr>
-      </p:sp>
-      <p:sp>
-        <p:nvSpPr>
-          <p:cNvPr id="533" name="Google Shape;533;g51cd74bbda_0_606:notes"/>
+          <p:cNvPr id="523" name="Google Shape;523;g51cd74bbda_0_606:notes"/>
           <p:cNvSpPr txBox="1"/>
           <p:nvPr>
             <p:ph idx="1" type="body"/>
@@ -16745,7 +16645,7 @@
 </file>
 
 <file path=ppt/slides/slide32.xml><?xml version="1.0" encoding="utf-8"?>
-<p:sld xmlns:a="http://schemas.openxmlformats.org/drawingml/2006/main" xmlns:r="http://schemas.openxmlformats.org/officeDocument/2006/relationships" xmlns:mc="http://schemas.openxmlformats.org/markup-compatibility/2006" xmlns:mv="urn:schemas-microsoft-com:mac:vml" xmlns:p="http://schemas.openxmlformats.org/presentationml/2006/main" xmlns:c="http://schemas.openxmlformats.org/drawingml/2006/chart" xmlns:dgm="http://schemas.openxmlformats.org/drawingml/2006/diagram" xmlns:o="urn:schemas-microsoft-com:office:office" xmlns:v="urn:schemas-microsoft-com:vml" xmlns:pvml="urn:schemas-microsoft-com:office:powerpoint" xmlns:com="http://schemas.openxmlformats.org/drawingml/2006/compatibility" xmlns:p14="http://schemas.microsoft.com/office/powerpoint/2010/main" xmlns:p15="http://schemas.microsoft.com/office/powerpoint/2012/main" show="0">
+<p:sld xmlns:a="http://schemas.openxmlformats.org/drawingml/2006/main" xmlns:r="http://schemas.openxmlformats.org/officeDocument/2006/relationships" xmlns:mc="http://schemas.openxmlformats.org/markup-compatibility/2006" xmlns:mv="urn:schemas-microsoft-com:mac:vml" xmlns:p="http://schemas.openxmlformats.org/presentationml/2006/main" xmlns:c="http://schemas.openxmlformats.org/drawingml/2006/chart" xmlns:dgm="http://schemas.openxmlformats.org/drawingml/2006/diagram" xmlns:o="urn:schemas-microsoft-com:office:office" xmlns:v="urn:schemas-microsoft-com:vml" xmlns:pvml="urn:schemas-microsoft-com:office:powerpoint" xmlns:com="http://schemas.openxmlformats.org/drawingml/2006/compatibility" xmlns:p14="http://schemas.microsoft.com/office/powerpoint/2010/main" xmlns:p15="http://schemas.microsoft.com/office/powerpoint/2012/main">
   <p:cSld>
     <p:spTree>
       <p:nvGrpSpPr>
@@ -16811,7 +16711,7 @@
         </p:nvSpPr>
         <p:spPr>
           <a:xfrm>
-            <a:off x="387900" y="1404425"/>
+            <a:off x="159300" y="794825"/>
             <a:ext cx="8520600" cy="3066600"/>
           </a:xfrm>
           <a:prstGeom prst="rect">
@@ -16824,12 +16724,34 @@
           </a:bodyPr>
           <a:lstStyle/>
           <a:p>
+            <a:pPr indent="0" lvl="0" marL="0" marR="0" rtl="0" algn="l">
+              <a:lnSpc>
+                <a:spcPct val="115000"/>
+              </a:lnSpc>
+              <a:spcBef>
+                <a:spcPts val="0"/>
+              </a:spcBef>
+              <a:spcAft>
+                <a:spcPts val="0"/>
+              </a:spcAft>
+              <a:buNone/>
+            </a:pPr>
+            <a:r>
+              <a:t/>
+            </a:r>
+            <a:endParaRPr sz="2000">
+              <a:solidFill>
+                <a:srgbClr val="000000"/>
+              </a:solidFill>
+            </a:endParaRPr>
+          </a:p>
+          <a:p>
             <a:pPr indent="-355600" lvl="0" marL="457200" marR="0" rtl="0" algn="l">
               <a:lnSpc>
                 <a:spcPct val="115000"/>
               </a:lnSpc>
               <a:spcBef>
-                <a:spcPts val="0"/>
+                <a:spcPts val="1600"/>
               </a:spcBef>
               <a:spcAft>
                 <a:spcPts val="0"/>
@@ -16838,7 +16760,6 @@
                 <a:srgbClr val="000000"/>
               </a:buClr>
               <a:buSzPts val="2000"/>
-              <a:buFont typeface="Arial"/>
               <a:buChar char="●"/>
             </a:pPr>
             <a:r>
@@ -16847,7 +16768,7 @@
                   <a:srgbClr val="000000"/>
                 </a:solidFill>
               </a:rPr>
-              <a:t>Looking for a functional relationship: 	</a:t>
+              <a:t>M given inputs: </a:t>
             </a:r>
             <a:br>
               <a:rPr lang="en" sz="2000">
@@ -16885,7 +16806,7 @@
                   <a:srgbClr val="000000"/>
                 </a:solidFill>
               </a:rPr>
-              <a:t>M given inputs: </a:t>
+              <a:t>P desired outputs:</a:t>
             </a:r>
             <a:br>
               <a:rPr lang="en" sz="2000">
@@ -16923,7 +16844,7 @@
                   <a:srgbClr val="000000"/>
                 </a:solidFill>
               </a:rPr>
-              <a:t>P desired outputs:</a:t>
+              <a:t>In the training period T with training set: </a:t>
             </a:r>
             <a:br>
               <a:rPr lang="en" sz="2000">
@@ -16939,29 +16860,83 @@
             </a:endParaRPr>
           </a:p>
           <a:p>
-            <a:pPr indent="-355600" lvl="0" marL="457200" marR="0" rtl="0" algn="l">
+            <a:pPr indent="-355600" lvl="0" marL="457200" rtl="0" algn="l">
+              <a:spcBef>
+                <a:spcPts val="0"/>
+              </a:spcBef>
+              <a:spcAft>
+                <a:spcPts val="0"/>
+              </a:spcAft>
+              <a:buClr>
+                <a:schemeClr val="dk1"/>
+              </a:buClr>
+              <a:buSzPts val="2000"/>
+              <a:buChar char="●"/>
+            </a:pPr>
+            <a:r>
+              <a:rPr lang="en" sz="2000">
+                <a:solidFill>
+                  <a:schemeClr val="dk1"/>
+                </a:solidFill>
+              </a:rPr>
+              <a:t>Suppose a reservoir with N hidden recurrent states</a:t>
+            </a:r>
+            <a:br>
+              <a:rPr lang="en" sz="2000">
+                <a:solidFill>
+                  <a:schemeClr val="dk1"/>
+                </a:solidFill>
+              </a:rPr>
+            </a:br>
+            <a:endParaRPr sz="2000">
+              <a:solidFill>
+                <a:schemeClr val="dk1"/>
+              </a:solidFill>
+            </a:endParaRPr>
+          </a:p>
+          <a:p>
+            <a:pPr indent="-355600" lvl="0" marL="457200" rtl="0" algn="l">
+              <a:spcBef>
+                <a:spcPts val="0"/>
+              </a:spcBef>
+              <a:spcAft>
+                <a:spcPts val="0"/>
+              </a:spcAft>
+              <a:buClr>
+                <a:schemeClr val="dk1"/>
+              </a:buClr>
+              <a:buSzPts val="2000"/>
+              <a:buChar char="●"/>
+            </a:pPr>
+            <a:r>
+              <a:rPr lang="en" sz="2000">
+                <a:solidFill>
+                  <a:schemeClr val="dk1"/>
+                </a:solidFill>
+              </a:rPr>
+              <a:t>Looking for a functional relationship: 	</a:t>
+            </a:r>
+            <a:endParaRPr sz="2000">
+              <a:solidFill>
+                <a:schemeClr val="dk1"/>
+              </a:solidFill>
+            </a:endParaRPr>
+          </a:p>
+          <a:p>
+            <a:pPr indent="0" lvl="0" marL="457200" marR="0" rtl="0" algn="l">
               <a:lnSpc>
                 <a:spcPct val="115000"/>
               </a:lnSpc>
               <a:spcBef>
-                <a:spcPts val="0"/>
-              </a:spcBef>
-              <a:spcAft>
-                <a:spcPts val="0"/>
-              </a:spcAft>
-              <a:buClr>
-                <a:srgbClr val="000000"/>
-              </a:buClr>
-              <a:buSzPts val="2000"/>
-              <a:buChar char="●"/>
-            </a:pPr>
-            <a:r>
-              <a:rPr lang="en" sz="2000">
-                <a:solidFill>
-                  <a:srgbClr val="000000"/>
-                </a:solidFill>
-              </a:rPr>
-              <a:t>In the training period T with training set: </a:t>
+                <a:spcPts val="1600"/>
+              </a:spcBef>
+              <a:spcAft>
+                <a:spcPts val="1600"/>
+              </a:spcAft>
+              <a:buNone/>
+            </a:pPr>
+            <a:r>
+              <a:t/>
             </a:r>
             <a:endParaRPr sz="2000">
               <a:solidFill>
@@ -16987,7 +16962,7 @@
         </p:blipFill>
         <p:spPr>
           <a:xfrm>
-            <a:off x="3402788" y="2124824"/>
+            <a:off x="3174188" y="1362824"/>
             <a:ext cx="1471049" cy="360550"/>
           </a:xfrm>
           <a:prstGeom prst="rect">
@@ -17015,7 +16990,7 @@
         </p:blipFill>
         <p:spPr>
           <a:xfrm>
-            <a:off x="5808782" y="3540188"/>
+            <a:off x="5580182" y="2787947"/>
             <a:ext cx="1940174" cy="375275"/>
           </a:xfrm>
           <a:prstGeom prst="rect">
@@ -17043,8 +17018,8 @@
         </p:blipFill>
         <p:spPr>
           <a:xfrm>
-            <a:off x="3402772" y="2850250"/>
-            <a:ext cx="1471078" cy="375275"/>
+            <a:off x="6706181" y="3476222"/>
+            <a:ext cx="1517950" cy="396350"/>
           </a:xfrm>
           <a:prstGeom prst="rect">
             <a:avLst/>
@@ -17071,7 +17046,63 @@
         </p:blipFill>
         <p:spPr>
           <a:xfrm>
-            <a:off x="5521375" y="1497966"/>
+            <a:off x="4901200" y="600175"/>
+            <a:ext cx="4093626" cy="1649450"/>
+          </a:xfrm>
+          <a:prstGeom prst="rect">
+            <a:avLst/>
+          </a:prstGeom>
+          <a:noFill/>
+          <a:ln>
+            <a:noFill/>
+          </a:ln>
+        </p:spPr>
+      </p:pic>
+      <p:pic>
+        <p:nvPicPr>
+          <p:cNvPr id="334" name="Google Shape;334;p44"/>
+          <p:cNvPicPr preferRelativeResize="0"/>
+          <p:nvPr/>
+        </p:nvPicPr>
+        <p:blipFill>
+          <a:blip r:embed="rId7">
+            <a:alphaModFix/>
+          </a:blip>
+          <a:stretch>
+            <a:fillRect/>
+          </a:stretch>
+        </p:blipFill>
+        <p:spPr>
+          <a:xfrm>
+            <a:off x="3174172" y="2088250"/>
+            <a:ext cx="1471078" cy="375275"/>
+          </a:xfrm>
+          <a:prstGeom prst="rect">
+            <a:avLst/>
+          </a:prstGeom>
+          <a:noFill/>
+          <a:ln>
+            <a:noFill/>
+          </a:ln>
+        </p:spPr>
+      </p:pic>
+      <p:pic>
+        <p:nvPicPr>
+          <p:cNvPr id="335" name="Google Shape;335;p44"/>
+          <p:cNvPicPr preferRelativeResize="0"/>
+          <p:nvPr/>
+        </p:nvPicPr>
+        <p:blipFill>
+          <a:blip r:embed="rId8">
+            <a:alphaModFix/>
+          </a:blip>
+          <a:stretch>
+            <a:fillRect/>
+          </a:stretch>
+        </p:blipFill>
+        <p:spPr>
+          <a:xfrm>
+            <a:off x="5368975" y="4241166"/>
             <a:ext cx="932175" cy="299900"/>
           </a:xfrm>
           <a:prstGeom prst="rect">
@@ -17096,7 +17127,7 @@
   <p:cSld>
     <p:spTree>
       <p:nvGrpSpPr>
-        <p:cNvPr id="337" name="Shape 337"/>
+        <p:cNvPr id="339" name="Shape 339"/>
         <p:cNvGrpSpPr/>
         <p:nvPr/>
       </p:nvGrpSpPr>
@@ -17110,7 +17141,7 @@
       </p:grpSpPr>
       <p:sp>
         <p:nvSpPr>
-          <p:cNvPr id="338" name="Google Shape;338;p45"/>
+          <p:cNvPr id="340" name="Google Shape;340;p45"/>
           <p:cNvSpPr txBox="1"/>
           <p:nvPr>
             <p:ph type="title"/>
@@ -17118,7 +17149,7 @@
         </p:nvSpPr>
         <p:spPr>
           <a:xfrm>
-            <a:off x="311700" y="292625"/>
+            <a:off x="311700" y="216425"/>
             <a:ext cx="8520600" cy="572700"/>
           </a:xfrm>
           <a:prstGeom prst="rect">
@@ -17142,7 +17173,7 @@
             </a:pPr>
             <a:r>
               <a:rPr lang="en"/>
-              <a:t>RC formulation</a:t>
+              <a:t>Weights and connections</a:t>
             </a:r>
             <a:endParaRPr/>
           </a:p>
@@ -17150,485 +17181,7 @@
       </p:sp>
       <p:sp>
         <p:nvSpPr>
-          <p:cNvPr id="339" name="Google Shape;339;p45"/>
-          <p:cNvSpPr txBox="1"/>
-          <p:nvPr>
-            <p:ph idx="1" type="body"/>
-          </p:nvPr>
-        </p:nvSpPr>
-        <p:spPr>
-          <a:xfrm>
-            <a:off x="159300" y="794825"/>
-            <a:ext cx="8520600" cy="3066600"/>
-          </a:xfrm>
-          <a:prstGeom prst="rect">
-            <a:avLst/>
-          </a:prstGeom>
-        </p:spPr>
-        <p:txBody>
-          <a:bodyPr anchorCtr="0" anchor="t" bIns="91425" lIns="91425" spcFirstLastPara="1" rIns="91425" wrap="square" tIns="91425">
-            <a:noAutofit/>
-          </a:bodyPr>
-          <a:lstStyle/>
-          <a:p>
-            <a:pPr indent="0" lvl="0" marL="0" marR="0" rtl="0" algn="l">
-              <a:lnSpc>
-                <a:spcPct val="115000"/>
-              </a:lnSpc>
-              <a:spcBef>
-                <a:spcPts val="0"/>
-              </a:spcBef>
-              <a:spcAft>
-                <a:spcPts val="0"/>
-              </a:spcAft>
-              <a:buNone/>
-            </a:pPr>
-            <a:r>
-              <a:t/>
-            </a:r>
-            <a:endParaRPr sz="2000">
-              <a:solidFill>
-                <a:srgbClr val="000000"/>
-              </a:solidFill>
-            </a:endParaRPr>
-          </a:p>
-          <a:p>
-            <a:pPr indent="-355600" lvl="0" marL="457200" marR="0" rtl="0" algn="l">
-              <a:lnSpc>
-                <a:spcPct val="115000"/>
-              </a:lnSpc>
-              <a:spcBef>
-                <a:spcPts val="1600"/>
-              </a:spcBef>
-              <a:spcAft>
-                <a:spcPts val="0"/>
-              </a:spcAft>
-              <a:buClr>
-                <a:srgbClr val="000000"/>
-              </a:buClr>
-              <a:buSzPts val="2000"/>
-              <a:buChar char="●"/>
-            </a:pPr>
-            <a:r>
-              <a:rPr lang="en" sz="2000">
-                <a:solidFill>
-                  <a:srgbClr val="000000"/>
-                </a:solidFill>
-              </a:rPr>
-              <a:t>M given inputs: </a:t>
-            </a:r>
-            <a:br>
-              <a:rPr lang="en" sz="2000">
-                <a:solidFill>
-                  <a:srgbClr val="000000"/>
-                </a:solidFill>
-              </a:rPr>
-            </a:br>
-            <a:endParaRPr sz="2000">
-              <a:solidFill>
-                <a:srgbClr val="000000"/>
-              </a:solidFill>
-            </a:endParaRPr>
-          </a:p>
-          <a:p>
-            <a:pPr indent="-355600" lvl="0" marL="457200" marR="0" rtl="0" algn="l">
-              <a:lnSpc>
-                <a:spcPct val="115000"/>
-              </a:lnSpc>
-              <a:spcBef>
-                <a:spcPts val="0"/>
-              </a:spcBef>
-              <a:spcAft>
-                <a:spcPts val="0"/>
-              </a:spcAft>
-              <a:buClr>
-                <a:srgbClr val="000000"/>
-              </a:buClr>
-              <a:buSzPts val="2000"/>
-              <a:buChar char="●"/>
-            </a:pPr>
-            <a:r>
-              <a:rPr lang="en" sz="2000">
-                <a:solidFill>
-                  <a:srgbClr val="000000"/>
-                </a:solidFill>
-              </a:rPr>
-              <a:t>P desired outputs:</a:t>
-            </a:r>
-            <a:br>
-              <a:rPr lang="en" sz="2000">
-                <a:solidFill>
-                  <a:srgbClr val="000000"/>
-                </a:solidFill>
-              </a:rPr>
-            </a:br>
-            <a:endParaRPr sz="2000">
-              <a:solidFill>
-                <a:srgbClr val="000000"/>
-              </a:solidFill>
-            </a:endParaRPr>
-          </a:p>
-          <a:p>
-            <a:pPr indent="-355600" lvl="0" marL="457200" marR="0" rtl="0" algn="l">
-              <a:lnSpc>
-                <a:spcPct val="115000"/>
-              </a:lnSpc>
-              <a:spcBef>
-                <a:spcPts val="0"/>
-              </a:spcBef>
-              <a:spcAft>
-                <a:spcPts val="0"/>
-              </a:spcAft>
-              <a:buClr>
-                <a:srgbClr val="000000"/>
-              </a:buClr>
-              <a:buSzPts val="2000"/>
-              <a:buChar char="●"/>
-            </a:pPr>
-            <a:r>
-              <a:rPr lang="en" sz="2000">
-                <a:solidFill>
-                  <a:srgbClr val="000000"/>
-                </a:solidFill>
-              </a:rPr>
-              <a:t>In the training period T with training set: </a:t>
-            </a:r>
-            <a:br>
-              <a:rPr lang="en" sz="2000">
-                <a:solidFill>
-                  <a:srgbClr val="000000"/>
-                </a:solidFill>
-              </a:rPr>
-            </a:br>
-            <a:endParaRPr sz="2000">
-              <a:solidFill>
-                <a:srgbClr val="000000"/>
-              </a:solidFill>
-            </a:endParaRPr>
-          </a:p>
-          <a:p>
-            <a:pPr indent="-355600" lvl="0" marL="457200" rtl="0" algn="l">
-              <a:spcBef>
-                <a:spcPts val="0"/>
-              </a:spcBef>
-              <a:spcAft>
-                <a:spcPts val="0"/>
-              </a:spcAft>
-              <a:buClr>
-                <a:schemeClr val="dk1"/>
-              </a:buClr>
-              <a:buSzPts val="2000"/>
-              <a:buChar char="●"/>
-            </a:pPr>
-            <a:r>
-              <a:rPr lang="en" sz="2000">
-                <a:solidFill>
-                  <a:schemeClr val="dk1"/>
-                </a:solidFill>
-              </a:rPr>
-              <a:t>Suppose a reservoir with N hidden recurrent states</a:t>
-            </a:r>
-            <a:br>
-              <a:rPr lang="en" sz="2000">
-                <a:solidFill>
-                  <a:schemeClr val="dk1"/>
-                </a:solidFill>
-              </a:rPr>
-            </a:br>
-            <a:endParaRPr sz="2000">
-              <a:solidFill>
-                <a:schemeClr val="dk1"/>
-              </a:solidFill>
-            </a:endParaRPr>
-          </a:p>
-          <a:p>
-            <a:pPr indent="-355600" lvl="0" marL="457200" rtl="0" algn="l">
-              <a:spcBef>
-                <a:spcPts val="0"/>
-              </a:spcBef>
-              <a:spcAft>
-                <a:spcPts val="0"/>
-              </a:spcAft>
-              <a:buClr>
-                <a:schemeClr val="dk1"/>
-              </a:buClr>
-              <a:buSzPts val="2000"/>
-              <a:buChar char="●"/>
-            </a:pPr>
-            <a:r>
-              <a:rPr lang="en" sz="2000">
-                <a:solidFill>
-                  <a:schemeClr val="dk1"/>
-                </a:solidFill>
-              </a:rPr>
-              <a:t>Looking for a functional relationship: 	</a:t>
-            </a:r>
-            <a:endParaRPr sz="2000">
-              <a:solidFill>
-                <a:schemeClr val="dk1"/>
-              </a:solidFill>
-            </a:endParaRPr>
-          </a:p>
-          <a:p>
-            <a:pPr indent="0" lvl="0" marL="457200" marR="0" rtl="0" algn="l">
-              <a:lnSpc>
-                <a:spcPct val="115000"/>
-              </a:lnSpc>
-              <a:spcBef>
-                <a:spcPts val="1600"/>
-              </a:spcBef>
-              <a:spcAft>
-                <a:spcPts val="1600"/>
-              </a:spcAft>
-              <a:buNone/>
-            </a:pPr>
-            <a:r>
-              <a:t/>
-            </a:r>
-            <a:endParaRPr sz="2000">
-              <a:solidFill>
-                <a:srgbClr val="000000"/>
-              </a:solidFill>
-            </a:endParaRPr>
-          </a:p>
-        </p:txBody>
-      </p:sp>
-      <p:pic>
-        <p:nvPicPr>
-          <p:cNvPr id="340" name="Google Shape;340;p45"/>
-          <p:cNvPicPr preferRelativeResize="0"/>
-          <p:nvPr/>
-        </p:nvPicPr>
-        <p:blipFill>
-          <a:blip r:embed="rId3">
-            <a:alphaModFix/>
-          </a:blip>
-          <a:stretch>
-            <a:fillRect/>
-          </a:stretch>
-        </p:blipFill>
-        <p:spPr>
-          <a:xfrm>
-            <a:off x="3174188" y="1362824"/>
-            <a:ext cx="1471049" cy="360550"/>
-          </a:xfrm>
-          <a:prstGeom prst="rect">
-            <a:avLst/>
-          </a:prstGeom>
-          <a:noFill/>
-          <a:ln>
-            <a:noFill/>
-          </a:ln>
-        </p:spPr>
-      </p:pic>
-      <p:pic>
-        <p:nvPicPr>
           <p:cNvPr id="341" name="Google Shape;341;p45"/>
-          <p:cNvPicPr preferRelativeResize="0"/>
-          <p:nvPr/>
-        </p:nvPicPr>
-        <p:blipFill>
-          <a:blip r:embed="rId4">
-            <a:alphaModFix/>
-          </a:blip>
-          <a:stretch>
-            <a:fillRect/>
-          </a:stretch>
-        </p:blipFill>
-        <p:spPr>
-          <a:xfrm>
-            <a:off x="5580182" y="2787947"/>
-            <a:ext cx="1940174" cy="375275"/>
-          </a:xfrm>
-          <a:prstGeom prst="rect">
-            <a:avLst/>
-          </a:prstGeom>
-          <a:noFill/>
-          <a:ln>
-            <a:noFill/>
-          </a:ln>
-        </p:spPr>
-      </p:pic>
-      <p:pic>
-        <p:nvPicPr>
-          <p:cNvPr id="342" name="Google Shape;342;p45"/>
-          <p:cNvPicPr preferRelativeResize="0"/>
-          <p:nvPr/>
-        </p:nvPicPr>
-        <p:blipFill>
-          <a:blip r:embed="rId5">
-            <a:alphaModFix/>
-          </a:blip>
-          <a:stretch>
-            <a:fillRect/>
-          </a:stretch>
-        </p:blipFill>
-        <p:spPr>
-          <a:xfrm>
-            <a:off x="6706181" y="3476222"/>
-            <a:ext cx="1517950" cy="396350"/>
-          </a:xfrm>
-          <a:prstGeom prst="rect">
-            <a:avLst/>
-          </a:prstGeom>
-          <a:noFill/>
-          <a:ln>
-            <a:noFill/>
-          </a:ln>
-        </p:spPr>
-      </p:pic>
-      <p:pic>
-        <p:nvPicPr>
-          <p:cNvPr id="343" name="Google Shape;343;p45"/>
-          <p:cNvPicPr preferRelativeResize="0"/>
-          <p:nvPr/>
-        </p:nvPicPr>
-        <p:blipFill>
-          <a:blip r:embed="rId6">
-            <a:alphaModFix/>
-          </a:blip>
-          <a:stretch>
-            <a:fillRect/>
-          </a:stretch>
-        </p:blipFill>
-        <p:spPr>
-          <a:xfrm>
-            <a:off x="4901200" y="600175"/>
-            <a:ext cx="4093626" cy="1649450"/>
-          </a:xfrm>
-          <a:prstGeom prst="rect">
-            <a:avLst/>
-          </a:prstGeom>
-          <a:noFill/>
-          <a:ln>
-            <a:noFill/>
-          </a:ln>
-        </p:spPr>
-      </p:pic>
-      <p:pic>
-        <p:nvPicPr>
-          <p:cNvPr id="344" name="Google Shape;344;p45"/>
-          <p:cNvPicPr preferRelativeResize="0"/>
-          <p:nvPr/>
-        </p:nvPicPr>
-        <p:blipFill>
-          <a:blip r:embed="rId7">
-            <a:alphaModFix/>
-          </a:blip>
-          <a:stretch>
-            <a:fillRect/>
-          </a:stretch>
-        </p:blipFill>
-        <p:spPr>
-          <a:xfrm>
-            <a:off x="3174172" y="2088250"/>
-            <a:ext cx="1471078" cy="375275"/>
-          </a:xfrm>
-          <a:prstGeom prst="rect">
-            <a:avLst/>
-          </a:prstGeom>
-          <a:noFill/>
-          <a:ln>
-            <a:noFill/>
-          </a:ln>
-        </p:spPr>
-      </p:pic>
-      <p:pic>
-        <p:nvPicPr>
-          <p:cNvPr id="345" name="Google Shape;345;p45"/>
-          <p:cNvPicPr preferRelativeResize="0"/>
-          <p:nvPr/>
-        </p:nvPicPr>
-        <p:blipFill>
-          <a:blip r:embed="rId8">
-            <a:alphaModFix/>
-          </a:blip>
-          <a:stretch>
-            <a:fillRect/>
-          </a:stretch>
-        </p:blipFill>
-        <p:spPr>
-          <a:xfrm>
-            <a:off x="5368975" y="4241166"/>
-            <a:ext cx="932175" cy="299900"/>
-          </a:xfrm>
-          <a:prstGeom prst="rect">
-            <a:avLst/>
-          </a:prstGeom>
-          <a:noFill/>
-          <a:ln>
-            <a:noFill/>
-          </a:ln>
-        </p:spPr>
-      </p:pic>
-    </p:spTree>
-  </p:cSld>
-  <p:clrMapOvr>
-    <a:masterClrMapping/>
-  </p:clrMapOvr>
-</p:sld>
-</file>
-
-<file path=ppt/slides/slide34.xml><?xml version="1.0" encoding="utf-8"?>
-<p:sld xmlns:a="http://schemas.openxmlformats.org/drawingml/2006/main" xmlns:r="http://schemas.openxmlformats.org/officeDocument/2006/relationships" xmlns:mc="http://schemas.openxmlformats.org/markup-compatibility/2006" xmlns:mv="urn:schemas-microsoft-com:mac:vml" xmlns:p="http://schemas.openxmlformats.org/presentationml/2006/main" xmlns:c="http://schemas.openxmlformats.org/drawingml/2006/chart" xmlns:dgm="http://schemas.openxmlformats.org/drawingml/2006/diagram" xmlns:o="urn:schemas-microsoft-com:office:office" xmlns:v="urn:schemas-microsoft-com:vml" xmlns:pvml="urn:schemas-microsoft-com:office:powerpoint" xmlns:com="http://schemas.openxmlformats.org/drawingml/2006/compatibility" xmlns:p14="http://schemas.microsoft.com/office/powerpoint/2010/main" xmlns:p15="http://schemas.microsoft.com/office/powerpoint/2012/main">
-  <p:cSld>
-    <p:spTree>
-      <p:nvGrpSpPr>
-        <p:cNvPr id="349" name="Shape 349"/>
-        <p:cNvGrpSpPr/>
-        <p:nvPr/>
-      </p:nvGrpSpPr>
-      <p:grpSpPr>
-        <a:xfrm>
-          <a:off x="0" y="0"/>
-          <a:ext cx="0" cy="0"/>
-          <a:chOff x="0" y="0"/>
-          <a:chExt cx="0" cy="0"/>
-        </a:xfrm>
-      </p:grpSpPr>
-      <p:sp>
-        <p:nvSpPr>
-          <p:cNvPr id="350" name="Google Shape;350;p46"/>
-          <p:cNvSpPr txBox="1"/>
-          <p:nvPr>
-            <p:ph type="title"/>
-          </p:nvPr>
-        </p:nvSpPr>
-        <p:spPr>
-          <a:xfrm>
-            <a:off x="311700" y="216425"/>
-            <a:ext cx="8520600" cy="572700"/>
-          </a:xfrm>
-          <a:prstGeom prst="rect">
-            <a:avLst/>
-          </a:prstGeom>
-        </p:spPr>
-        <p:txBody>
-          <a:bodyPr anchorCtr="0" anchor="t" bIns="91425" lIns="91425" spcFirstLastPara="1" rIns="91425" wrap="square" tIns="91425">
-            <a:noAutofit/>
-          </a:bodyPr>
-          <a:lstStyle/>
-          <a:p>
-            <a:pPr indent="0" lvl="0" marL="0" rtl="0" algn="l">
-              <a:spcBef>
-                <a:spcPts val="0"/>
-              </a:spcBef>
-              <a:spcAft>
-                <a:spcPts val="0"/>
-              </a:spcAft>
-              <a:buNone/>
-            </a:pPr>
-            <a:r>
-              <a:rPr lang="en"/>
-              <a:t>Weights and connections</a:t>
-            </a:r>
-            <a:endParaRPr/>
-          </a:p>
-        </p:txBody>
-      </p:sp>
-      <p:sp>
-        <p:nvSpPr>
-          <p:cNvPr id="351" name="Google Shape;351;p46"/>
           <p:cNvSpPr txBox="1"/>
           <p:nvPr>
             <p:ph idx="1" type="body"/>
@@ -17760,7 +17313,7 @@
       </p:sp>
       <p:pic>
         <p:nvPicPr>
-          <p:cNvPr id="352" name="Google Shape;352;p46"/>
+          <p:cNvPr id="342" name="Google Shape;342;p45"/>
           <p:cNvPicPr preferRelativeResize="0"/>
           <p:nvPr/>
         </p:nvPicPr>
@@ -17788,7 +17341,7 @@
       </p:pic>
       <p:pic>
         <p:nvPicPr>
-          <p:cNvPr id="353" name="Google Shape;353;p46"/>
+          <p:cNvPr id="343" name="Google Shape;343;p45"/>
           <p:cNvPicPr preferRelativeResize="0"/>
           <p:nvPr/>
         </p:nvPicPr>
@@ -17816,7 +17369,7 @@
       </p:pic>
       <p:pic>
         <p:nvPicPr>
-          <p:cNvPr id="354" name="Google Shape;354;p46"/>
+          <p:cNvPr id="344" name="Google Shape;344;p45"/>
           <p:cNvPicPr preferRelativeResize="0"/>
           <p:nvPr/>
         </p:nvPicPr>
@@ -17844,7 +17397,7 @@
       </p:pic>
       <p:pic>
         <p:nvPicPr>
-          <p:cNvPr id="355" name="Google Shape;355;p46"/>
+          <p:cNvPr id="345" name="Google Shape;345;p45"/>
           <p:cNvPicPr preferRelativeResize="0"/>
           <p:nvPr/>
         </p:nvPicPr>
@@ -17872,7 +17425,7 @@
       </p:pic>
       <p:pic>
         <p:nvPicPr>
-          <p:cNvPr id="356" name="Google Shape;356;p46"/>
+          <p:cNvPr id="346" name="Google Shape;346;p45"/>
           <p:cNvPicPr preferRelativeResize="0"/>
           <p:nvPr/>
         </p:nvPicPr>
@@ -17900,7 +17453,7 @@
       </p:pic>
       <p:pic>
         <p:nvPicPr>
-          <p:cNvPr id="357" name="Google Shape;357;p46"/>
+          <p:cNvPr id="347" name="Google Shape;347;p45"/>
           <p:cNvPicPr preferRelativeResize="0"/>
           <p:nvPr/>
         </p:nvPicPr>
@@ -17928,7 +17481,7 @@
       </p:pic>
       <p:pic>
         <p:nvPicPr>
-          <p:cNvPr id="358" name="Google Shape;358;p46"/>
+          <p:cNvPr id="348" name="Google Shape;348;p45"/>
           <p:cNvPicPr preferRelativeResize="0"/>
           <p:nvPr/>
         </p:nvPicPr>
@@ -17956,7 +17509,7 @@
       </p:pic>
       <p:sp>
         <p:nvSpPr>
-          <p:cNvPr id="359" name="Google Shape;359;p46"/>
+          <p:cNvPr id="349" name="Google Shape;349;p45"/>
           <p:cNvSpPr/>
           <p:nvPr/>
         </p:nvSpPr>
@@ -18005,12 +17558,12 @@
 </p:sld>
 </file>
 
-<file path=ppt/slides/slide35.xml><?xml version="1.0" encoding="utf-8"?>
+<file path=ppt/slides/slide34.xml><?xml version="1.0" encoding="utf-8"?>
 <p:sld xmlns:a="http://schemas.openxmlformats.org/drawingml/2006/main" xmlns:r="http://schemas.openxmlformats.org/officeDocument/2006/relationships" xmlns:mc="http://schemas.openxmlformats.org/markup-compatibility/2006" xmlns:mv="urn:schemas-microsoft-com:mac:vml" xmlns:p="http://schemas.openxmlformats.org/presentationml/2006/main" xmlns:c="http://schemas.openxmlformats.org/drawingml/2006/chart" xmlns:dgm="http://schemas.openxmlformats.org/drawingml/2006/diagram" xmlns:o="urn:schemas-microsoft-com:office:office" xmlns:v="urn:schemas-microsoft-com:vml" xmlns:pvml="urn:schemas-microsoft-com:office:powerpoint" xmlns:com="http://schemas.openxmlformats.org/drawingml/2006/compatibility" xmlns:p14="http://schemas.microsoft.com/office/powerpoint/2010/main" xmlns:p15="http://schemas.microsoft.com/office/powerpoint/2012/main">
   <p:cSld>
     <p:spTree>
       <p:nvGrpSpPr>
-        <p:cNvPr id="363" name="Shape 363"/>
+        <p:cNvPr id="353" name="Shape 353"/>
         <p:cNvGrpSpPr/>
         <p:nvPr/>
       </p:nvGrpSpPr>
@@ -18024,7 +17577,7 @@
       </p:grpSpPr>
       <p:sp>
         <p:nvSpPr>
-          <p:cNvPr id="364" name="Google Shape;364;p47"/>
+          <p:cNvPr id="354" name="Google Shape;354;p46"/>
           <p:cNvSpPr txBox="1"/>
           <p:nvPr>
             <p:ph type="title"/>
@@ -18064,7 +17617,7 @@
       </p:sp>
       <p:sp>
         <p:nvSpPr>
-          <p:cNvPr id="365" name="Google Shape;365;p47"/>
+          <p:cNvPr id="355" name="Google Shape;355;p46"/>
           <p:cNvSpPr txBox="1"/>
           <p:nvPr>
             <p:ph idx="1" type="body"/>
@@ -18196,7 +17749,7 @@
       </p:sp>
       <p:pic>
         <p:nvPicPr>
-          <p:cNvPr id="366" name="Google Shape;366;p47"/>
+          <p:cNvPr id="356" name="Google Shape;356;p46"/>
           <p:cNvPicPr preferRelativeResize="0"/>
           <p:nvPr/>
         </p:nvPicPr>
@@ -18224,7 +17777,7 @@
       </p:pic>
       <p:pic>
         <p:nvPicPr>
-          <p:cNvPr id="367" name="Google Shape;367;p47"/>
+          <p:cNvPr id="357" name="Google Shape;357;p46"/>
           <p:cNvPicPr preferRelativeResize="0"/>
           <p:nvPr/>
         </p:nvPicPr>
@@ -18252,7 +17805,7 @@
       </p:pic>
       <p:pic>
         <p:nvPicPr>
-          <p:cNvPr id="368" name="Google Shape;368;p47"/>
+          <p:cNvPr id="358" name="Google Shape;358;p46"/>
           <p:cNvPicPr preferRelativeResize="0"/>
           <p:nvPr/>
         </p:nvPicPr>
@@ -18280,7 +17833,7 @@
       </p:pic>
       <p:pic>
         <p:nvPicPr>
-          <p:cNvPr id="369" name="Google Shape;369;p47"/>
+          <p:cNvPr id="359" name="Google Shape;359;p46"/>
           <p:cNvPicPr preferRelativeResize="0"/>
           <p:nvPr/>
         </p:nvPicPr>
@@ -18308,7 +17861,7 @@
       </p:pic>
       <p:pic>
         <p:nvPicPr>
-          <p:cNvPr id="370" name="Google Shape;370;p47"/>
+          <p:cNvPr id="360" name="Google Shape;360;p46"/>
           <p:cNvPicPr preferRelativeResize="0"/>
           <p:nvPr/>
         </p:nvPicPr>
@@ -18336,7 +17889,7 @@
       </p:pic>
       <p:pic>
         <p:nvPicPr>
-          <p:cNvPr id="371" name="Google Shape;371;p47"/>
+          <p:cNvPr id="361" name="Google Shape;361;p46"/>
           <p:cNvPicPr preferRelativeResize="0"/>
           <p:nvPr/>
         </p:nvPicPr>
@@ -18364,7 +17917,7 @@
       </p:pic>
       <p:pic>
         <p:nvPicPr>
-          <p:cNvPr id="372" name="Google Shape;372;p47"/>
+          <p:cNvPr id="362" name="Google Shape;362;p46"/>
           <p:cNvPicPr preferRelativeResize="0"/>
           <p:nvPr/>
         </p:nvPicPr>
@@ -18392,7 +17945,7 @@
       </p:pic>
       <p:sp>
         <p:nvSpPr>
-          <p:cNvPr id="373" name="Google Shape;373;p47"/>
+          <p:cNvPr id="363" name="Google Shape;363;p46"/>
           <p:cNvSpPr/>
           <p:nvPr/>
         </p:nvSpPr>
@@ -18441,12 +17994,12 @@
 </p:sld>
 </file>
 
-<file path=ppt/slides/slide36.xml><?xml version="1.0" encoding="utf-8"?>
+<file path=ppt/slides/slide35.xml><?xml version="1.0" encoding="utf-8"?>
 <p:sld xmlns:a="http://schemas.openxmlformats.org/drawingml/2006/main" xmlns:r="http://schemas.openxmlformats.org/officeDocument/2006/relationships" xmlns:mc="http://schemas.openxmlformats.org/markup-compatibility/2006" xmlns:mv="urn:schemas-microsoft-com:mac:vml" xmlns:p="http://schemas.openxmlformats.org/presentationml/2006/main" xmlns:c="http://schemas.openxmlformats.org/drawingml/2006/chart" xmlns:dgm="http://schemas.openxmlformats.org/drawingml/2006/diagram" xmlns:o="urn:schemas-microsoft-com:office:office" xmlns:v="urn:schemas-microsoft-com:vml" xmlns:pvml="urn:schemas-microsoft-com:office:powerpoint" xmlns:com="http://schemas.openxmlformats.org/drawingml/2006/compatibility" xmlns:p14="http://schemas.microsoft.com/office/powerpoint/2010/main" xmlns:p15="http://schemas.microsoft.com/office/powerpoint/2012/main">
   <p:cSld>
     <p:spTree>
       <p:nvGrpSpPr>
-        <p:cNvPr id="377" name="Shape 377"/>
+        <p:cNvPr id="367" name="Shape 367"/>
         <p:cNvGrpSpPr/>
         <p:nvPr/>
       </p:nvGrpSpPr>
@@ -18460,7 +18013,7 @@
       </p:grpSpPr>
       <p:sp>
         <p:nvSpPr>
-          <p:cNvPr id="378" name="Google Shape;378;p48"/>
+          <p:cNvPr id="368" name="Google Shape;368;p47"/>
           <p:cNvSpPr txBox="1"/>
           <p:nvPr>
             <p:ph type="title"/>
@@ -18500,7 +18053,7 @@
       </p:sp>
       <p:sp>
         <p:nvSpPr>
-          <p:cNvPr id="379" name="Google Shape;379;p48"/>
+          <p:cNvPr id="369" name="Google Shape;369;p47"/>
           <p:cNvSpPr txBox="1"/>
           <p:nvPr>
             <p:ph idx="1" type="body"/>
@@ -18632,7 +18185,7 @@
       </p:sp>
       <p:pic>
         <p:nvPicPr>
-          <p:cNvPr id="380" name="Google Shape;380;p48"/>
+          <p:cNvPr id="370" name="Google Shape;370;p47"/>
           <p:cNvPicPr preferRelativeResize="0"/>
           <p:nvPr/>
         </p:nvPicPr>
@@ -18660,7 +18213,7 @@
       </p:pic>
       <p:pic>
         <p:nvPicPr>
-          <p:cNvPr id="381" name="Google Shape;381;p48"/>
+          <p:cNvPr id="371" name="Google Shape;371;p47"/>
           <p:cNvPicPr preferRelativeResize="0"/>
           <p:nvPr/>
         </p:nvPicPr>
@@ -18688,7 +18241,7 @@
       </p:pic>
       <p:pic>
         <p:nvPicPr>
-          <p:cNvPr id="382" name="Google Shape;382;p48"/>
+          <p:cNvPr id="372" name="Google Shape;372;p47"/>
           <p:cNvPicPr preferRelativeResize="0"/>
           <p:nvPr/>
         </p:nvPicPr>
@@ -18716,7 +18269,7 @@
       </p:pic>
       <p:pic>
         <p:nvPicPr>
-          <p:cNvPr id="383" name="Google Shape;383;p48"/>
+          <p:cNvPr id="373" name="Google Shape;373;p47"/>
           <p:cNvPicPr preferRelativeResize="0"/>
           <p:nvPr/>
         </p:nvPicPr>
@@ -18744,7 +18297,7 @@
       </p:pic>
       <p:pic>
         <p:nvPicPr>
-          <p:cNvPr id="384" name="Google Shape;384;p48"/>
+          <p:cNvPr id="374" name="Google Shape;374;p47"/>
           <p:cNvPicPr preferRelativeResize="0"/>
           <p:nvPr/>
         </p:nvPicPr>
@@ -18772,7 +18325,7 @@
       </p:pic>
       <p:pic>
         <p:nvPicPr>
-          <p:cNvPr id="385" name="Google Shape;385;p48"/>
+          <p:cNvPr id="375" name="Google Shape;375;p47"/>
           <p:cNvPicPr preferRelativeResize="0"/>
           <p:nvPr/>
         </p:nvPicPr>
@@ -18800,7 +18353,7 @@
       </p:pic>
       <p:pic>
         <p:nvPicPr>
-          <p:cNvPr id="386" name="Google Shape;386;p48"/>
+          <p:cNvPr id="376" name="Google Shape;376;p47"/>
           <p:cNvPicPr preferRelativeResize="0"/>
           <p:nvPr/>
         </p:nvPicPr>
@@ -18834,12 +18387,12 @@
 </p:sld>
 </file>
 
-<file path=ppt/slides/slide37.xml><?xml version="1.0" encoding="utf-8"?>
+<file path=ppt/slides/slide36.xml><?xml version="1.0" encoding="utf-8"?>
 <p:sld xmlns:a="http://schemas.openxmlformats.org/drawingml/2006/main" xmlns:r="http://schemas.openxmlformats.org/officeDocument/2006/relationships" xmlns:mc="http://schemas.openxmlformats.org/markup-compatibility/2006" xmlns:mv="urn:schemas-microsoft-com:mac:vml" xmlns:p="http://schemas.openxmlformats.org/presentationml/2006/main" xmlns:c="http://schemas.openxmlformats.org/drawingml/2006/chart" xmlns:dgm="http://schemas.openxmlformats.org/drawingml/2006/diagram" xmlns:o="urn:schemas-microsoft-com:office:office" xmlns:v="urn:schemas-microsoft-com:vml" xmlns:pvml="urn:schemas-microsoft-com:office:powerpoint" xmlns:com="http://schemas.openxmlformats.org/drawingml/2006/compatibility" xmlns:p14="http://schemas.microsoft.com/office/powerpoint/2010/main" xmlns:p15="http://schemas.microsoft.com/office/powerpoint/2012/main">
   <p:cSld>
     <p:spTree>
       <p:nvGrpSpPr>
-        <p:cNvPr id="390" name="Shape 390"/>
+        <p:cNvPr id="380" name="Shape 380"/>
         <p:cNvGrpSpPr/>
         <p:nvPr/>
       </p:nvGrpSpPr>
@@ -18853,7 +18406,7 @@
       </p:grpSpPr>
       <p:sp>
         <p:nvSpPr>
-          <p:cNvPr id="391" name="Google Shape;391;p49"/>
+          <p:cNvPr id="381" name="Google Shape;381;p48"/>
           <p:cNvSpPr txBox="1"/>
           <p:nvPr>
             <p:ph type="title"/>
@@ -18893,7 +18446,7 @@
       </p:sp>
       <p:sp>
         <p:nvSpPr>
-          <p:cNvPr id="392" name="Google Shape;392;p49"/>
+          <p:cNvPr id="382" name="Google Shape;382;p48"/>
           <p:cNvSpPr txBox="1"/>
           <p:nvPr>
             <p:ph idx="1" type="body"/>
@@ -19025,7 +18578,7 @@
       </p:sp>
       <p:pic>
         <p:nvPicPr>
-          <p:cNvPr id="393" name="Google Shape;393;p49"/>
+          <p:cNvPr id="383" name="Google Shape;383;p48"/>
           <p:cNvPicPr preferRelativeResize="0"/>
           <p:nvPr/>
         </p:nvPicPr>
@@ -19053,7 +18606,7 @@
       </p:pic>
       <p:pic>
         <p:nvPicPr>
-          <p:cNvPr id="394" name="Google Shape;394;p49"/>
+          <p:cNvPr id="384" name="Google Shape;384;p48"/>
           <p:cNvPicPr preferRelativeResize="0"/>
           <p:nvPr/>
         </p:nvPicPr>
@@ -19081,7 +18634,7 @@
       </p:pic>
       <p:pic>
         <p:nvPicPr>
-          <p:cNvPr id="395" name="Google Shape;395;p49"/>
+          <p:cNvPr id="385" name="Google Shape;385;p48"/>
           <p:cNvPicPr preferRelativeResize="0"/>
           <p:nvPr/>
         </p:nvPicPr>
@@ -19109,7 +18662,7 @@
       </p:pic>
       <p:pic>
         <p:nvPicPr>
-          <p:cNvPr id="396" name="Google Shape;396;p49"/>
+          <p:cNvPr id="386" name="Google Shape;386;p48"/>
           <p:cNvPicPr preferRelativeResize="0"/>
           <p:nvPr/>
         </p:nvPicPr>
@@ -19137,7 +18690,7 @@
       </p:pic>
       <p:pic>
         <p:nvPicPr>
-          <p:cNvPr id="397" name="Google Shape;397;p49"/>
+          <p:cNvPr id="387" name="Google Shape;387;p48"/>
           <p:cNvPicPr preferRelativeResize="0"/>
           <p:nvPr/>
         </p:nvPicPr>
@@ -19165,7 +18718,7 @@
       </p:pic>
       <p:pic>
         <p:nvPicPr>
-          <p:cNvPr id="398" name="Google Shape;398;p49"/>
+          <p:cNvPr id="388" name="Google Shape;388;p48"/>
           <p:cNvPicPr preferRelativeResize="0"/>
           <p:nvPr/>
         </p:nvPicPr>
@@ -19191,6 +18744,183 @@
           </a:ln>
         </p:spPr>
       </p:pic>
+    </p:spTree>
+  </p:cSld>
+  <p:clrMapOvr>
+    <a:masterClrMapping/>
+  </p:clrMapOvr>
+</p:sld>
+</file>
+
+<file path=ppt/slides/slide37.xml><?xml version="1.0" encoding="utf-8"?>
+<p:sld xmlns:a="http://schemas.openxmlformats.org/drawingml/2006/main" xmlns:r="http://schemas.openxmlformats.org/officeDocument/2006/relationships" xmlns:mc="http://schemas.openxmlformats.org/markup-compatibility/2006" xmlns:mv="urn:schemas-microsoft-com:mac:vml" xmlns:p="http://schemas.openxmlformats.org/presentationml/2006/main" xmlns:c="http://schemas.openxmlformats.org/drawingml/2006/chart" xmlns:dgm="http://schemas.openxmlformats.org/drawingml/2006/diagram" xmlns:o="urn:schemas-microsoft-com:office:office" xmlns:v="urn:schemas-microsoft-com:vml" xmlns:pvml="urn:schemas-microsoft-com:office:powerpoint" xmlns:com="http://schemas.openxmlformats.org/drawingml/2006/compatibility" xmlns:p14="http://schemas.microsoft.com/office/powerpoint/2010/main" xmlns:p15="http://schemas.microsoft.com/office/powerpoint/2012/main">
+  <p:cSld>
+    <p:spTree>
+      <p:nvGrpSpPr>
+        <p:cNvPr id="392" name="Shape 392"/>
+        <p:cNvGrpSpPr/>
+        <p:nvPr/>
+      </p:nvGrpSpPr>
+      <p:grpSpPr>
+        <a:xfrm>
+          <a:off x="0" y="0"/>
+          <a:ext cx="0" cy="0"/>
+          <a:chOff x="0" y="0"/>
+          <a:chExt cx="0" cy="0"/>
+        </a:xfrm>
+      </p:grpSpPr>
+      <p:sp>
+        <p:nvSpPr>
+          <p:cNvPr id="393" name="Google Shape;393;p49"/>
+          <p:cNvSpPr txBox="1"/>
+          <p:nvPr>
+            <p:ph type="title"/>
+          </p:nvPr>
+        </p:nvSpPr>
+        <p:spPr>
+          <a:xfrm>
+            <a:off x="311700" y="445025"/>
+            <a:ext cx="8520600" cy="572700"/>
+          </a:xfrm>
+          <a:prstGeom prst="rect">
+            <a:avLst/>
+          </a:prstGeom>
+        </p:spPr>
+        <p:txBody>
+          <a:bodyPr anchorCtr="0" anchor="t" bIns="91425" lIns="91425" spcFirstLastPara="1" rIns="91425" wrap="square" tIns="91425">
+            <a:noAutofit/>
+          </a:bodyPr>
+          <a:lstStyle/>
+          <a:p>
+            <a:pPr indent="0" lvl="0" marL="0" rtl="0" algn="l">
+              <a:spcBef>
+                <a:spcPts val="0"/>
+              </a:spcBef>
+              <a:spcAft>
+                <a:spcPts val="0"/>
+              </a:spcAft>
+              <a:buNone/>
+            </a:pPr>
+            <a:r>
+              <a:rPr lang="en"/>
+              <a:t>Heuristic choice of weights</a:t>
+            </a:r>
+            <a:endParaRPr/>
+          </a:p>
+        </p:txBody>
+      </p:sp>
+      <p:sp>
+        <p:nvSpPr>
+          <p:cNvPr id="394" name="Google Shape;394;p49"/>
+          <p:cNvSpPr txBox="1"/>
+          <p:nvPr>
+            <p:ph idx="1" type="body"/>
+          </p:nvPr>
+        </p:nvSpPr>
+        <p:spPr>
+          <a:xfrm>
+            <a:off x="311700" y="1634600"/>
+            <a:ext cx="8520600" cy="2934300"/>
+          </a:xfrm>
+          <a:prstGeom prst="rect">
+            <a:avLst/>
+          </a:prstGeom>
+        </p:spPr>
+        <p:txBody>
+          <a:bodyPr anchorCtr="0" anchor="t" bIns="91425" lIns="91425" spcFirstLastPara="1" rIns="91425" wrap="square" tIns="91425">
+            <a:noAutofit/>
+          </a:bodyPr>
+          <a:lstStyle/>
+          <a:p>
+            <a:pPr indent="0" lvl="0" marL="0" rtl="0" algn="l">
+              <a:spcBef>
+                <a:spcPts val="0"/>
+              </a:spcBef>
+              <a:spcAft>
+                <a:spcPts val="0"/>
+              </a:spcAft>
+              <a:buNone/>
+            </a:pPr>
+            <a:r>
+              <a:rPr lang="en" sz="2000">
+                <a:solidFill>
+                  <a:srgbClr val="000000"/>
+                </a:solidFill>
+              </a:rPr>
+              <a:t>The input and recurrent weights are </a:t>
+            </a:r>
+            <a:r>
+              <a:rPr lang="en" sz="2000">
+                <a:solidFill>
+                  <a:srgbClr val="000000"/>
+                </a:solidFill>
+              </a:rPr>
+              <a:t>initialized</a:t>
+            </a:r>
+            <a:r>
+              <a:rPr lang="en" sz="2000">
+                <a:solidFill>
+                  <a:srgbClr val="000000"/>
+                </a:solidFill>
+              </a:rPr>
+              <a:t> randomly and then are fixed</a:t>
+            </a:r>
+            <a:endParaRPr sz="2000">
+              <a:solidFill>
+                <a:srgbClr val="000000"/>
+              </a:solidFill>
+            </a:endParaRPr>
+          </a:p>
+          <a:p>
+            <a:pPr indent="0" lvl="0" marL="0" rtl="0" algn="l">
+              <a:spcBef>
+                <a:spcPts val="1600"/>
+              </a:spcBef>
+              <a:spcAft>
+                <a:spcPts val="0"/>
+              </a:spcAft>
+              <a:buNone/>
+            </a:pPr>
+            <a:r>
+              <a:rPr lang="en" sz="2000">
+                <a:solidFill>
+                  <a:srgbClr val="000000"/>
+                </a:solidFill>
+              </a:rPr>
+              <a:t>So, we are not training them… boosting the training</a:t>
+            </a:r>
+            <a:endParaRPr sz="2000">
+              <a:solidFill>
+                <a:srgbClr val="000000"/>
+              </a:solidFill>
+            </a:endParaRPr>
+          </a:p>
+          <a:p>
+            <a:pPr indent="0" lvl="0" marL="0" rtl="0" algn="l">
+              <a:spcBef>
+                <a:spcPts val="1600"/>
+              </a:spcBef>
+              <a:spcAft>
+                <a:spcPts val="1600"/>
+              </a:spcAft>
+              <a:buNone/>
+            </a:pPr>
+            <a:r>
+              <a:rPr lang="en" sz="2000">
+                <a:solidFill>
+                  <a:srgbClr val="000000"/>
+                </a:solidFill>
+              </a:rPr>
+              <a:t>How should we fix them to optimize the prediction? Later… </a:t>
+            </a:r>
+            <a:endParaRPr sz="2000">
+              <a:solidFill>
+                <a:srgbClr val="000000"/>
+              </a:solidFill>
+            </a:endParaRPr>
+          </a:p>
+        </p:txBody>
+      </p:sp>
     </p:spTree>
   </p:cSld>
   <p:clrMapOvr>
@@ -19204,7 +18934,7 @@
   <p:cSld>
     <p:spTree>
       <p:nvGrpSpPr>
-        <p:cNvPr id="402" name="Shape 402"/>
+        <p:cNvPr id="398" name="Shape 398"/>
         <p:cNvGrpSpPr/>
         <p:nvPr/>
       </p:nvGrpSpPr>
@@ -19218,7 +18948,7 @@
       </p:grpSpPr>
       <p:sp>
         <p:nvSpPr>
-          <p:cNvPr id="403" name="Google Shape;403;p50"/>
+          <p:cNvPr id="399" name="Google Shape;399;p50"/>
           <p:cNvSpPr txBox="1"/>
           <p:nvPr>
             <p:ph type="title"/>
@@ -19226,7 +18956,7 @@
         </p:nvSpPr>
         <p:spPr>
           <a:xfrm>
-            <a:off x="311700" y="445025"/>
+            <a:off x="311700" y="292625"/>
             <a:ext cx="8520600" cy="572700"/>
           </a:xfrm>
           <a:prstGeom prst="rect">
@@ -19250,7 +18980,7 @@
             </a:pPr>
             <a:r>
               <a:rPr lang="en"/>
-              <a:t>Heuristic choice of weights</a:t>
+              <a:t>Dynamics of hidden states</a:t>
             </a:r>
             <a:endParaRPr/>
           </a:p>
@@ -19258,7 +18988,7 @@
       </p:sp>
       <p:sp>
         <p:nvSpPr>
-          <p:cNvPr id="404" name="Google Shape;404;p50"/>
+          <p:cNvPr id="400" name="Google Shape;400;p50"/>
           <p:cNvSpPr txBox="1"/>
           <p:nvPr>
             <p:ph idx="1" type="body"/>
@@ -19266,8 +18996,8 @@
         </p:nvSpPr>
         <p:spPr>
           <a:xfrm>
-            <a:off x="311700" y="1634600"/>
-            <a:ext cx="8520600" cy="2934300"/>
+            <a:off x="311700" y="1152475"/>
+            <a:ext cx="8520600" cy="572700"/>
           </a:xfrm>
           <a:prstGeom prst="rect">
             <a:avLst/>
@@ -19284,7 +19014,7 @@
                 <a:spcPts val="0"/>
               </a:spcBef>
               <a:spcAft>
-                <a:spcPts val="0"/>
+                <a:spcPts val="1600"/>
               </a:spcAft>
               <a:buNone/>
             </a:pPr>
@@ -19294,23 +19024,62 @@
                   <a:srgbClr val="000000"/>
                 </a:solidFill>
               </a:rPr>
-              <a:t>The input and recurrent weights are </a:t>
-            </a:r>
+              <a:t>The hidden states evolve dynamically in time as:</a:t>
+            </a:r>
+            <a:endParaRPr sz="2000">
+              <a:solidFill>
+                <a:srgbClr val="000000"/>
+              </a:solidFill>
+            </a:endParaRPr>
+          </a:p>
+        </p:txBody>
+      </p:sp>
+      <p:sp>
+        <p:nvSpPr>
+          <p:cNvPr id="401" name="Google Shape;401;p50"/>
+          <p:cNvSpPr txBox="1"/>
+          <p:nvPr>
+            <p:ph idx="1" type="body"/>
+          </p:nvPr>
+        </p:nvSpPr>
+        <p:spPr>
+          <a:xfrm>
+            <a:off x="311700" y="3133675"/>
+            <a:ext cx="8520600" cy="572700"/>
+          </a:xfrm>
+          <a:prstGeom prst="rect">
+            <a:avLst/>
+          </a:prstGeom>
+        </p:spPr>
+        <p:txBody>
+          <a:bodyPr anchorCtr="0" anchor="t" bIns="91425" lIns="91425" spcFirstLastPara="1" rIns="91425" wrap="square" tIns="91425">
+            <a:noAutofit/>
+          </a:bodyPr>
+          <a:lstStyle/>
+          <a:p>
+            <a:pPr indent="-355600" lvl="0" marL="457200" rtl="0" algn="l">
+              <a:lnSpc>
+                <a:spcPct val="150000"/>
+              </a:lnSpc>
+              <a:spcBef>
+                <a:spcPts val="0"/>
+              </a:spcBef>
+              <a:spcAft>
+                <a:spcPts val="0"/>
+              </a:spcAft>
+              <a:buClr>
+                <a:srgbClr val="000000"/>
+              </a:buClr>
+              <a:buSzPts val="2000"/>
+              <a:buChar char="●"/>
+            </a:pPr>
             <a:r>
               <a:rPr lang="en" sz="2000">
                 <a:solidFill>
                   <a:srgbClr val="000000"/>
                 </a:solidFill>
               </a:rPr>
-              <a:t>initialized</a:t>
-            </a:r>
-            <a:r>
-              <a:rPr lang="en" sz="2000">
-                <a:solidFill>
-                  <a:srgbClr val="000000"/>
-                </a:solidFill>
-              </a:rPr>
-              <a:t> randomly and then are fixed</a:t>
+              <a:t>         the leakage rate, controls the speed of evolution (leaky unit)</a:t>
             </a:r>
             <a:endParaRPr sz="2000">
               <a:solidFill>
@@ -19319,22 +19088,29 @@
             </a:endParaRPr>
           </a:p>
           <a:p>
-            <a:pPr indent="0" lvl="0" marL="0" rtl="0" algn="l">
-              <a:spcBef>
-                <a:spcPts val="1600"/>
-              </a:spcBef>
-              <a:spcAft>
-                <a:spcPts val="0"/>
-              </a:spcAft>
-              <a:buNone/>
+            <a:pPr indent="-355600" lvl="0" marL="457200" rtl="0" algn="l">
+              <a:lnSpc>
+                <a:spcPct val="150000"/>
+              </a:lnSpc>
+              <a:spcBef>
+                <a:spcPts val="0"/>
+              </a:spcBef>
+              <a:spcAft>
+                <a:spcPts val="0"/>
+              </a:spcAft>
+              <a:buClr>
+                <a:srgbClr val="000000"/>
+              </a:buClr>
+              <a:buSzPts val="2000"/>
+              <a:buChar char="●"/>
             </a:pPr>
             <a:r>
               <a:rPr lang="en" sz="2000">
                 <a:solidFill>
-                  <a:srgbClr val="000000"/>
+                  <a:schemeClr val="dk1"/>
                 </a:solidFill>
               </a:rPr>
-              <a:t>So, we are not training them… boosting the training</a:t>
+              <a:t>          the activation function (usually tanh() and sigmoid)</a:t>
             </a:r>
             <a:endParaRPr sz="2000">
               <a:solidFill>
@@ -19342,32 +19118,135 @@
               </a:solidFill>
             </a:endParaRPr>
           </a:p>
+        </p:txBody>
+      </p:sp>
+      <p:pic>
+        <p:nvPicPr>
+          <p:cNvPr id="402" name="Google Shape;402;p50"/>
+          <p:cNvPicPr preferRelativeResize="0"/>
+          <p:nvPr/>
+        </p:nvPicPr>
+        <p:blipFill>
+          <a:blip r:embed="rId3">
+            <a:alphaModFix/>
+          </a:blip>
+          <a:stretch>
+            <a:fillRect/>
+          </a:stretch>
+        </p:blipFill>
+        <p:spPr>
+          <a:xfrm>
+            <a:off x="851300" y="3695757"/>
+            <a:ext cx="464025" cy="308125"/>
+          </a:xfrm>
+          <a:prstGeom prst="rect">
+            <a:avLst/>
+          </a:prstGeom>
+          <a:noFill/>
+          <a:ln>
+            <a:noFill/>
+          </a:ln>
+        </p:spPr>
+      </p:pic>
+      <p:pic>
+        <p:nvPicPr>
+          <p:cNvPr id="403" name="Google Shape;403;p50"/>
+          <p:cNvPicPr preferRelativeResize="0"/>
+          <p:nvPr/>
+        </p:nvPicPr>
+        <p:blipFill>
+          <a:blip r:embed="rId4">
+            <a:alphaModFix/>
+          </a:blip>
+          <a:stretch>
+            <a:fillRect/>
+          </a:stretch>
+        </p:blipFill>
+        <p:spPr>
+          <a:xfrm>
+            <a:off x="997418" y="3304775"/>
+            <a:ext cx="214300" cy="180025"/>
+          </a:xfrm>
+          <a:prstGeom prst="rect">
+            <a:avLst/>
+          </a:prstGeom>
+          <a:noFill/>
+          <a:ln>
+            <a:noFill/>
+          </a:ln>
+        </p:spPr>
+      </p:pic>
+      <p:sp>
+        <p:nvSpPr>
+          <p:cNvPr id="404" name="Google Shape;404;p50"/>
+          <p:cNvSpPr/>
+          <p:nvPr/>
+        </p:nvSpPr>
+        <p:spPr>
+          <a:xfrm>
+            <a:off x="187050" y="2996675"/>
+            <a:ext cx="8353500" cy="1707600"/>
+          </a:xfrm>
+          <a:prstGeom prst="rect">
+            <a:avLst/>
+          </a:prstGeom>
+          <a:solidFill>
+            <a:srgbClr val="FFFFFF"/>
+          </a:solidFill>
+          <a:ln>
+            <a:noFill/>
+          </a:ln>
+        </p:spPr>
+        <p:txBody>
+          <a:bodyPr anchorCtr="0" anchor="ctr" bIns="91425" lIns="91425" spcFirstLastPara="1" rIns="91425" wrap="square" tIns="91425">
+            <a:noAutofit/>
+          </a:bodyPr>
+          <a:lstStyle/>
           <a:p>
             <a:pPr indent="0" lvl="0" marL="0" rtl="0" algn="l">
               <a:spcBef>
-                <a:spcPts val="1600"/>
-              </a:spcBef>
-              <a:spcAft>
-                <a:spcPts val="1600"/>
-              </a:spcAft>
-              <a:buNone/>
-            </a:pPr>
-            <a:r>
-              <a:rPr lang="en" sz="2000">
-                <a:solidFill>
-                  <a:srgbClr val="000000"/>
-                </a:solidFill>
-              </a:rPr>
-              <a:t>How should we fix them to optimize the prediction? Later… </a:t>
-            </a:r>
-            <a:endParaRPr sz="2000">
-              <a:solidFill>
-                <a:srgbClr val="000000"/>
-              </a:solidFill>
-            </a:endParaRPr>
+                <a:spcPts val="0"/>
+              </a:spcBef>
+              <a:spcAft>
+                <a:spcPts val="0"/>
+              </a:spcAft>
+              <a:buNone/>
+            </a:pPr>
+            <a:r>
+              <a:t/>
+            </a:r>
+            <a:endParaRPr/>
           </a:p>
         </p:txBody>
       </p:sp>
+      <p:pic>
+        <p:nvPicPr>
+          <p:cNvPr id="405" name="Google Shape;405;p50"/>
+          <p:cNvPicPr preferRelativeResize="0"/>
+          <p:nvPr/>
+        </p:nvPicPr>
+        <p:blipFill>
+          <a:blip r:embed="rId5">
+            <a:alphaModFix/>
+          </a:blip>
+          <a:stretch>
+            <a:fillRect/>
+          </a:stretch>
+        </p:blipFill>
+        <p:spPr>
+          <a:xfrm>
+            <a:off x="327994" y="2060425"/>
+            <a:ext cx="8345054" cy="349275"/>
+          </a:xfrm>
+          <a:prstGeom prst="rect">
+            <a:avLst/>
+          </a:prstGeom>
+          <a:noFill/>
+          <a:ln>
+            <a:noFill/>
+          </a:ln>
+        </p:spPr>
+      </p:pic>
     </p:spTree>
   </p:cSld>
   <p:clrMapOvr>
@@ -19381,7 +19260,7 @@
   <p:cSld>
     <p:spTree>
       <p:nvGrpSpPr>
-        <p:cNvPr id="408" name="Shape 408"/>
+        <p:cNvPr id="409" name="Shape 409"/>
         <p:cNvGrpSpPr/>
         <p:nvPr/>
       </p:nvGrpSpPr>
@@ -19395,7 +19274,7 @@
       </p:grpSpPr>
       <p:sp>
         <p:nvSpPr>
-          <p:cNvPr id="409" name="Google Shape;409;p51"/>
+          <p:cNvPr id="410" name="Google Shape;410;p51"/>
           <p:cNvSpPr txBox="1"/>
           <p:nvPr>
             <p:ph type="title"/>
@@ -19435,7 +19314,7 @@
       </p:sp>
       <p:sp>
         <p:nvSpPr>
-          <p:cNvPr id="410" name="Google Shape;410;p51"/>
+          <p:cNvPr id="411" name="Google Shape;411;p51"/>
           <p:cNvSpPr txBox="1"/>
           <p:nvPr>
             <p:ph idx="1" type="body"/>
@@ -19472,92 +19351,6 @@
                 </a:solidFill>
               </a:rPr>
               <a:t>The hidden states evolve dynamically in time as:</a:t>
-            </a:r>
-            <a:endParaRPr sz="2000">
-              <a:solidFill>
-                <a:srgbClr val="000000"/>
-              </a:solidFill>
-            </a:endParaRPr>
-          </a:p>
-        </p:txBody>
-      </p:sp>
-      <p:sp>
-        <p:nvSpPr>
-          <p:cNvPr id="411" name="Google Shape;411;p51"/>
-          <p:cNvSpPr txBox="1"/>
-          <p:nvPr>
-            <p:ph idx="1" type="body"/>
-          </p:nvPr>
-        </p:nvSpPr>
-        <p:spPr>
-          <a:xfrm>
-            <a:off x="311700" y="3133675"/>
-            <a:ext cx="8520600" cy="572700"/>
-          </a:xfrm>
-          <a:prstGeom prst="rect">
-            <a:avLst/>
-          </a:prstGeom>
-        </p:spPr>
-        <p:txBody>
-          <a:bodyPr anchorCtr="0" anchor="t" bIns="91425" lIns="91425" spcFirstLastPara="1" rIns="91425" wrap="square" tIns="91425">
-            <a:noAutofit/>
-          </a:bodyPr>
-          <a:lstStyle/>
-          <a:p>
-            <a:pPr indent="-355600" lvl="0" marL="457200" rtl="0" algn="l">
-              <a:lnSpc>
-                <a:spcPct val="150000"/>
-              </a:lnSpc>
-              <a:spcBef>
-                <a:spcPts val="0"/>
-              </a:spcBef>
-              <a:spcAft>
-                <a:spcPts val="0"/>
-              </a:spcAft>
-              <a:buClr>
-                <a:srgbClr val="000000"/>
-              </a:buClr>
-              <a:buSzPts val="2000"/>
-              <a:buChar char="●"/>
-            </a:pPr>
-            <a:r>
-              <a:rPr lang="en" sz="2000">
-                <a:solidFill>
-                  <a:srgbClr val="000000"/>
-                </a:solidFill>
-              </a:rPr>
-              <a:t>         the leakage rate, controls the speed of evolution (leaky unit)</a:t>
-            </a:r>
-            <a:endParaRPr sz="2000">
-              <a:solidFill>
-                <a:srgbClr val="000000"/>
-              </a:solidFill>
-            </a:endParaRPr>
-          </a:p>
-          <a:p>
-            <a:pPr indent="-355600" lvl="0" marL="457200" rtl="0" algn="l">
-              <a:lnSpc>
-                <a:spcPct val="150000"/>
-              </a:lnSpc>
-              <a:spcBef>
-                <a:spcPts val="0"/>
-              </a:spcBef>
-              <a:spcAft>
-                <a:spcPts val="0"/>
-              </a:spcAft>
-              <a:buClr>
-                <a:srgbClr val="000000"/>
-              </a:buClr>
-              <a:buSzPts val="2000"/>
-              <a:buChar char="●"/>
-            </a:pPr>
-            <a:r>
-              <a:rPr lang="en" sz="2000">
-                <a:solidFill>
-                  <a:schemeClr val="dk1"/>
-                </a:solidFill>
-              </a:rPr>
-              <a:t>          the activation function (usually tanh() and sigmoid)</a:t>
             </a:r>
             <a:endParaRPr sz="2000">
               <a:solidFill>
@@ -19583,8 +19376,8 @@
         </p:blipFill>
         <p:spPr>
           <a:xfrm>
-            <a:off x="851300" y="3695757"/>
-            <a:ext cx="464025" cy="308125"/>
+            <a:off x="327994" y="2060425"/>
+            <a:ext cx="8345054" cy="349275"/>
           </a:xfrm>
           <a:prstGeom prst="rect">
             <a:avLst/>
@@ -19595,9 +19388,95 @@
           </a:ln>
         </p:spPr>
       </p:pic>
+      <p:sp>
+        <p:nvSpPr>
+          <p:cNvPr id="413" name="Google Shape;413;p51"/>
+          <p:cNvSpPr txBox="1"/>
+          <p:nvPr>
+            <p:ph idx="1" type="body"/>
+          </p:nvPr>
+        </p:nvSpPr>
+        <p:spPr>
+          <a:xfrm>
+            <a:off x="311700" y="3133675"/>
+            <a:ext cx="8520600" cy="572700"/>
+          </a:xfrm>
+          <a:prstGeom prst="rect">
+            <a:avLst/>
+          </a:prstGeom>
+        </p:spPr>
+        <p:txBody>
+          <a:bodyPr anchorCtr="0" anchor="t" bIns="91425" lIns="91425" spcFirstLastPara="1" rIns="91425" wrap="square" tIns="91425">
+            <a:noAutofit/>
+          </a:bodyPr>
+          <a:lstStyle/>
+          <a:p>
+            <a:pPr indent="-355600" lvl="0" marL="457200" rtl="0" algn="l">
+              <a:lnSpc>
+                <a:spcPct val="150000"/>
+              </a:lnSpc>
+              <a:spcBef>
+                <a:spcPts val="0"/>
+              </a:spcBef>
+              <a:spcAft>
+                <a:spcPts val="0"/>
+              </a:spcAft>
+              <a:buClr>
+                <a:srgbClr val="000000"/>
+              </a:buClr>
+              <a:buSzPts val="2000"/>
+              <a:buChar char="●"/>
+            </a:pPr>
+            <a:r>
+              <a:rPr lang="en" sz="2000">
+                <a:solidFill>
+                  <a:srgbClr val="000000"/>
+                </a:solidFill>
+              </a:rPr>
+              <a:t>         the leakage rate, controls the speed of evolution (leaky unit)</a:t>
+            </a:r>
+            <a:endParaRPr sz="2000">
+              <a:solidFill>
+                <a:srgbClr val="000000"/>
+              </a:solidFill>
+            </a:endParaRPr>
+          </a:p>
+          <a:p>
+            <a:pPr indent="-355600" lvl="0" marL="457200" rtl="0" algn="l">
+              <a:lnSpc>
+                <a:spcPct val="150000"/>
+              </a:lnSpc>
+              <a:spcBef>
+                <a:spcPts val="0"/>
+              </a:spcBef>
+              <a:spcAft>
+                <a:spcPts val="0"/>
+              </a:spcAft>
+              <a:buClr>
+                <a:srgbClr val="000000"/>
+              </a:buClr>
+              <a:buSzPts val="2000"/>
+              <a:buChar char="●"/>
+            </a:pPr>
+            <a:r>
+              <a:rPr lang="en" sz="2000">
+                <a:solidFill>
+                  <a:schemeClr val="dk1"/>
+                </a:solidFill>
+              </a:rPr>
+              <a:t>          the activation function (usually tanh() and sigmoid)</a:t>
+            </a:r>
+            <a:endParaRPr sz="2000">
+              <a:solidFill>
+                <a:srgbClr val="000000"/>
+              </a:solidFill>
+            </a:endParaRPr>
+          </a:p>
+        </p:txBody>
+      </p:sp>
       <p:pic>
         <p:nvPicPr>
-          <p:cNvPr id="413" name="Google Shape;413;p51"/>
+          <p:cNvPr id="414" name="Google Shape;414;p51"/>
           <p:cNvPicPr preferRelativeResize="0"/>
           <p:nvPr/>
         </p:nvPicPr>
@@ -19611,8 +19490,8 @@
         </p:blipFill>
         <p:spPr>
           <a:xfrm>
-            <a:off x="997418" y="3304775"/>
-            <a:ext cx="214300" cy="180025"/>
+            <a:off x="851300" y="3705515"/>
+            <a:ext cx="464025" cy="308125"/>
           </a:xfrm>
           <a:prstGeom prst="rect">
             <a:avLst/>
@@ -19623,49 +19502,6 @@
           </a:ln>
         </p:spPr>
       </p:pic>
-      <p:sp>
-        <p:nvSpPr>
-          <p:cNvPr id="414" name="Google Shape;414;p51"/>
-          <p:cNvSpPr/>
-          <p:nvPr/>
-        </p:nvSpPr>
-        <p:spPr>
-          <a:xfrm>
-            <a:off x="187050" y="2996675"/>
-            <a:ext cx="8353500" cy="1707600"/>
-          </a:xfrm>
-          <a:prstGeom prst="rect">
-            <a:avLst/>
-          </a:prstGeom>
-          <a:solidFill>
-            <a:srgbClr val="FFFFFF"/>
-          </a:solidFill>
-          <a:ln>
-            <a:noFill/>
-          </a:ln>
-        </p:spPr>
-        <p:txBody>
-          <a:bodyPr anchorCtr="0" anchor="ctr" bIns="91425" lIns="91425" spcFirstLastPara="1" rIns="91425" wrap="square" tIns="91425">
-            <a:noAutofit/>
-          </a:bodyPr>
-          <a:lstStyle/>
-          <a:p>
-            <a:pPr indent="0" lvl="0" marL="0" rtl="0" algn="l">
-              <a:spcBef>
-                <a:spcPts val="0"/>
-              </a:spcBef>
-              <a:spcAft>
-                <a:spcPts val="0"/>
-              </a:spcAft>
-              <a:buNone/>
-            </a:pPr>
-            <a:r>
-              <a:t/>
-            </a:r>
-            <a:endParaRPr/>
-          </a:p>
-        </p:txBody>
-      </p:sp>
       <p:pic>
         <p:nvPicPr>
           <p:cNvPr id="415" name="Google Shape;415;p51"/>
@@ -19682,8 +19518,8 @@
         </p:blipFill>
         <p:spPr>
           <a:xfrm>
-            <a:off x="327994" y="2060425"/>
-            <a:ext cx="8345054" cy="349275"/>
+            <a:off x="997418" y="3304775"/>
+            <a:ext cx="214300" cy="180025"/>
           </a:xfrm>
           <a:prstGeom prst="rect">
             <a:avLst/>
@@ -19861,13 +19697,13 @@
           <p:cNvPr id="420" name="Google Shape;420;p52"/>
           <p:cNvSpPr txBox="1"/>
           <p:nvPr>
-            <p:ph type="title"/>
-          </p:nvPr>
-        </p:nvSpPr>
-        <p:spPr>
-          <a:xfrm>
-            <a:off x="311700" y="292625"/>
-            <a:ext cx="8520600" cy="572700"/>
+            <p:ph idx="1" type="body"/>
+          </p:nvPr>
+        </p:nvSpPr>
+        <p:spPr>
+          <a:xfrm>
+            <a:off x="311700" y="923875"/>
+            <a:ext cx="8520600" cy="531000"/>
           </a:xfrm>
           <a:prstGeom prst="rect">
             <a:avLst/>
@@ -19884,15 +19720,23 @@
                 <a:spcPts val="0"/>
               </a:spcBef>
               <a:spcAft>
-                <a:spcPts val="0"/>
-              </a:spcAft>
-              <a:buNone/>
-            </a:pPr>
-            <a:r>
-              <a:rPr lang="en"/>
-              <a:t>Dynamics of hidden states</a:t>
-            </a:r>
-            <a:endParaRPr/>
+                <a:spcPts val="1600"/>
+              </a:spcAft>
+              <a:buNone/>
+            </a:pPr>
+            <a:r>
+              <a:rPr lang="en" sz="2000">
+                <a:solidFill>
+                  <a:srgbClr val="000000"/>
+                </a:solidFill>
+              </a:rPr>
+              <a:t>Since we have the evolution of the state, a linear layers gives the output</a:t>
+            </a:r>
+            <a:endParaRPr sz="2000">
+              <a:solidFill>
+                <a:srgbClr val="000000"/>
+              </a:solidFill>
+            </a:endParaRPr>
           </a:p>
         </p:txBody>
       </p:sp>
@@ -19901,12 +19745,12 @@
           <p:cNvPr id="421" name="Google Shape;421;p52"/>
           <p:cNvSpPr txBox="1"/>
           <p:nvPr>
-            <p:ph idx="1" type="body"/>
-          </p:nvPr>
-        </p:nvSpPr>
-        <p:spPr>
-          <a:xfrm>
-            <a:off x="311700" y="1152475"/>
+            <p:ph type="title"/>
+          </p:nvPr>
+        </p:nvSpPr>
+        <p:spPr>
+          <a:xfrm>
+            <a:off x="311700" y="216425"/>
             <a:ext cx="8520600" cy="572700"/>
           </a:xfrm>
           <a:prstGeom prst="rect">
@@ -19924,6 +19768,46 @@
                 <a:spcPts val="0"/>
               </a:spcBef>
               <a:spcAft>
+                <a:spcPts val="0"/>
+              </a:spcAft>
+              <a:buNone/>
+            </a:pPr>
+            <a:r>
+              <a:rPr lang="en"/>
+              <a:t>Training</a:t>
+            </a:r>
+            <a:endParaRPr/>
+          </a:p>
+        </p:txBody>
+      </p:sp>
+      <p:sp>
+        <p:nvSpPr>
+          <p:cNvPr id="422" name="Google Shape;422;p52"/>
+          <p:cNvSpPr txBox="1"/>
+          <p:nvPr>
+            <p:ph idx="1" type="body"/>
+          </p:nvPr>
+        </p:nvSpPr>
+        <p:spPr>
+          <a:xfrm>
+            <a:off x="311700" y="2219275"/>
+            <a:ext cx="8520600" cy="531000"/>
+          </a:xfrm>
+          <a:prstGeom prst="rect">
+            <a:avLst/>
+          </a:prstGeom>
+        </p:spPr>
+        <p:txBody>
+          <a:bodyPr anchorCtr="0" anchor="t" bIns="91425" lIns="91425" spcFirstLastPara="1" rIns="91425" wrap="square" tIns="91425">
+            <a:noAutofit/>
+          </a:bodyPr>
+          <a:lstStyle/>
+          <a:p>
+            <a:pPr indent="0" lvl="0" marL="0" rtl="0" algn="l">
+              <a:spcBef>
+                <a:spcPts val="0"/>
+              </a:spcBef>
+              <a:spcAft>
                 <a:spcPts val="1600"/>
               </a:spcAft>
               <a:buNone/>
@@ -19934,7 +19818,7 @@
                   <a:srgbClr val="000000"/>
                 </a:solidFill>
               </a:rPr>
-              <a:t>The hidden states evolve dynamically in time as:</a:t>
+              <a:t>Determine the weights and bias by minimizing the MSE loss</a:t>
             </a:r>
             <a:endParaRPr sz="2000">
               <a:solidFill>
@@ -19946,7 +19830,7 @@
       </p:sp>
       <p:pic>
         <p:nvPicPr>
-          <p:cNvPr id="422" name="Google Shape;422;p52"/>
+          <p:cNvPr id="423" name="Google Shape;423;p52"/>
           <p:cNvPicPr preferRelativeResize="0"/>
           <p:nvPr/>
         </p:nvPicPr>
@@ -19960,8 +19844,8 @@
         </p:blipFill>
         <p:spPr>
           <a:xfrm>
-            <a:off x="327994" y="2060425"/>
-            <a:ext cx="8345054" cy="349275"/>
+            <a:off x="3173900" y="1581400"/>
+            <a:ext cx="2642961" cy="305950"/>
           </a:xfrm>
           <a:prstGeom prst="rect">
             <a:avLst/>
@@ -19972,92 +19856,6 @@
           </a:ln>
         </p:spPr>
       </p:pic>
-      <p:sp>
-        <p:nvSpPr>
-          <p:cNvPr id="423" name="Google Shape;423;p52"/>
-          <p:cNvSpPr txBox="1"/>
-          <p:nvPr>
-            <p:ph idx="1" type="body"/>
-          </p:nvPr>
-        </p:nvSpPr>
-        <p:spPr>
-          <a:xfrm>
-            <a:off x="311700" y="3133675"/>
-            <a:ext cx="8520600" cy="572700"/>
-          </a:xfrm>
-          <a:prstGeom prst="rect">
-            <a:avLst/>
-          </a:prstGeom>
-        </p:spPr>
-        <p:txBody>
-          <a:bodyPr anchorCtr="0" anchor="t" bIns="91425" lIns="91425" spcFirstLastPara="1" rIns="91425" wrap="square" tIns="91425">
-            <a:noAutofit/>
-          </a:bodyPr>
-          <a:lstStyle/>
-          <a:p>
-            <a:pPr indent="-355600" lvl="0" marL="457200" rtl="0" algn="l">
-              <a:lnSpc>
-                <a:spcPct val="150000"/>
-              </a:lnSpc>
-              <a:spcBef>
-                <a:spcPts val="0"/>
-              </a:spcBef>
-              <a:spcAft>
-                <a:spcPts val="0"/>
-              </a:spcAft>
-              <a:buClr>
-                <a:srgbClr val="000000"/>
-              </a:buClr>
-              <a:buSzPts val="2000"/>
-              <a:buChar char="●"/>
-            </a:pPr>
-            <a:r>
-              <a:rPr lang="en" sz="2000">
-                <a:solidFill>
-                  <a:srgbClr val="000000"/>
-                </a:solidFill>
-              </a:rPr>
-              <a:t>         the leakage rate, controls the speed of evolution (leaky unit)</a:t>
-            </a:r>
-            <a:endParaRPr sz="2000">
-              <a:solidFill>
-                <a:srgbClr val="000000"/>
-              </a:solidFill>
-            </a:endParaRPr>
-          </a:p>
-          <a:p>
-            <a:pPr indent="-355600" lvl="0" marL="457200" rtl="0" algn="l">
-              <a:lnSpc>
-                <a:spcPct val="150000"/>
-              </a:lnSpc>
-              <a:spcBef>
-                <a:spcPts val="0"/>
-              </a:spcBef>
-              <a:spcAft>
-                <a:spcPts val="0"/>
-              </a:spcAft>
-              <a:buClr>
-                <a:srgbClr val="000000"/>
-              </a:buClr>
-              <a:buSzPts val="2000"/>
-              <a:buChar char="●"/>
-            </a:pPr>
-            <a:r>
-              <a:rPr lang="en" sz="2000">
-                <a:solidFill>
-                  <a:schemeClr val="dk1"/>
-                </a:solidFill>
-              </a:rPr>
-              <a:t>          the activation function (usually tanh() and sigmoid)</a:t>
-            </a:r>
-            <a:endParaRPr sz="2000">
-              <a:solidFill>
-                <a:srgbClr val="000000"/>
-              </a:solidFill>
-            </a:endParaRPr>
-          </a:p>
-        </p:txBody>
-      </p:sp>
       <p:pic>
         <p:nvPicPr>
           <p:cNvPr id="424" name="Google Shape;424;p52"/>
@@ -20074,8 +19872,8 @@
         </p:blipFill>
         <p:spPr>
           <a:xfrm>
-            <a:off x="851300" y="3705515"/>
-            <a:ext cx="464025" cy="308125"/>
+            <a:off x="1581275" y="2679625"/>
+            <a:ext cx="5981450" cy="789675"/>
           </a:xfrm>
           <a:prstGeom prst="rect">
             <a:avLst/>
@@ -20086,9 +19884,95 @@
           </a:ln>
         </p:spPr>
       </p:pic>
+      <p:sp>
+        <p:nvSpPr>
+          <p:cNvPr id="425" name="Google Shape;425;p52"/>
+          <p:cNvSpPr txBox="1"/>
+          <p:nvPr>
+            <p:ph idx="1" type="body"/>
+          </p:nvPr>
+        </p:nvSpPr>
+        <p:spPr>
+          <a:xfrm>
+            <a:off x="311700" y="3667075"/>
+            <a:ext cx="8520600" cy="531000"/>
+          </a:xfrm>
+          <a:prstGeom prst="rect">
+            <a:avLst/>
+          </a:prstGeom>
+        </p:spPr>
+        <p:txBody>
+          <a:bodyPr anchorCtr="0" anchor="t" bIns="91425" lIns="91425" spcFirstLastPara="1" rIns="91425" wrap="square" tIns="91425">
+            <a:noAutofit/>
+          </a:bodyPr>
+          <a:lstStyle/>
+          <a:p>
+            <a:pPr indent="-355600" lvl="0" marL="457200" rtl="0" algn="l">
+              <a:lnSpc>
+                <a:spcPct val="150000"/>
+              </a:lnSpc>
+              <a:spcBef>
+                <a:spcPts val="0"/>
+              </a:spcBef>
+              <a:spcAft>
+                <a:spcPts val="0"/>
+              </a:spcAft>
+              <a:buClr>
+                <a:srgbClr val="000000"/>
+              </a:buClr>
+              <a:buSzPts val="2000"/>
+              <a:buChar char="●"/>
+            </a:pPr>
+            <a:r>
+              <a:rPr lang="en" sz="2000">
+                <a:solidFill>
+                  <a:srgbClr val="000000"/>
+                </a:solidFill>
+              </a:rPr>
+              <a:t>Linear Regression (simple!)</a:t>
+            </a:r>
+            <a:endParaRPr sz="2000">
+              <a:solidFill>
+                <a:srgbClr val="000000"/>
+              </a:solidFill>
+            </a:endParaRPr>
+          </a:p>
+          <a:p>
+            <a:pPr indent="-355600" lvl="0" marL="457200" rtl="0" algn="l">
+              <a:lnSpc>
+                <a:spcPct val="150000"/>
+              </a:lnSpc>
+              <a:spcBef>
+                <a:spcPts val="0"/>
+              </a:spcBef>
+              <a:spcAft>
+                <a:spcPts val="0"/>
+              </a:spcAft>
+              <a:buClr>
+                <a:srgbClr val="000000"/>
+              </a:buClr>
+              <a:buSzPts val="2000"/>
+              <a:buChar char="●"/>
+            </a:pPr>
+            <a:r>
+              <a:rPr lang="en" sz="2000">
+                <a:solidFill>
+                  <a:srgbClr val="000000"/>
+                </a:solidFill>
+              </a:rPr>
+              <a:t>    is a ridge regression parameter (the last is a regularization term)</a:t>
+            </a:r>
+            <a:endParaRPr sz="2000">
+              <a:solidFill>
+                <a:srgbClr val="000000"/>
+              </a:solidFill>
+            </a:endParaRPr>
+          </a:p>
+        </p:txBody>
+      </p:sp>
       <p:pic>
         <p:nvPicPr>
-          <p:cNvPr id="425" name="Google Shape;425;p52"/>
+          <p:cNvPr id="426" name="Google Shape;426;p52"/>
           <p:cNvPicPr preferRelativeResize="0"/>
           <p:nvPr/>
         </p:nvPicPr>
@@ -20102,8 +19986,8 @@
         </p:blipFill>
         <p:spPr>
           <a:xfrm>
-            <a:off x="997418" y="3304775"/>
-            <a:ext cx="214300" cy="180025"/>
+            <a:off x="823805" y="4256625"/>
+            <a:ext cx="175300" cy="262950"/>
           </a:xfrm>
           <a:prstGeom prst="rect">
             <a:avLst/>
@@ -20127,7 +20011,7 @@
   <p:cSld>
     <p:spTree>
       <p:nvGrpSpPr>
-        <p:cNvPr id="429" name="Shape 429"/>
+        <p:cNvPr id="430" name="Shape 430"/>
         <p:cNvGrpSpPr/>
         <p:nvPr/>
       </p:nvGrpSpPr>
@@ -20141,16 +20025,16 @@
       </p:grpSpPr>
       <p:sp>
         <p:nvSpPr>
-          <p:cNvPr id="430" name="Google Shape;430;p53"/>
+          <p:cNvPr id="431" name="Google Shape;431;p53"/>
           <p:cNvSpPr txBox="1"/>
           <p:nvPr>
-            <p:ph idx="1" type="body"/>
-          </p:nvPr>
-        </p:nvSpPr>
-        <p:spPr>
-          <a:xfrm>
-            <a:off x="311700" y="923875"/>
-            <a:ext cx="8520600" cy="531000"/>
+            <p:ph type="title"/>
+          </p:nvPr>
+        </p:nvSpPr>
+        <p:spPr>
+          <a:xfrm>
+            <a:off x="311700" y="140225"/>
+            <a:ext cx="8520600" cy="572700"/>
           </a:xfrm>
           <a:prstGeom prst="rect">
             <a:avLst/>
@@ -20167,7 +20051,47 @@
                 <a:spcPts val="0"/>
               </a:spcBef>
               <a:spcAft>
-                <a:spcPts val="1600"/>
+                <a:spcPts val="0"/>
+              </a:spcAft>
+              <a:buNone/>
+            </a:pPr>
+            <a:r>
+              <a:rPr lang="en"/>
+              <a:t>No free lunch...</a:t>
+            </a:r>
+            <a:endParaRPr/>
+          </a:p>
+        </p:txBody>
+      </p:sp>
+      <p:sp>
+        <p:nvSpPr>
+          <p:cNvPr id="432" name="Google Shape;432;p53"/>
+          <p:cNvSpPr txBox="1"/>
+          <p:nvPr>
+            <p:ph idx="1" type="body"/>
+          </p:nvPr>
+        </p:nvSpPr>
+        <p:spPr>
+          <a:xfrm>
+            <a:off x="311700" y="771475"/>
+            <a:ext cx="8520600" cy="4136100"/>
+          </a:xfrm>
+          <a:prstGeom prst="rect">
+            <a:avLst/>
+          </a:prstGeom>
+        </p:spPr>
+        <p:txBody>
+          <a:bodyPr anchorCtr="0" anchor="t" bIns="91425" lIns="91425" spcFirstLastPara="1" rIns="91425" wrap="square" tIns="91425">
+            <a:noAutofit/>
+          </a:bodyPr>
+          <a:lstStyle/>
+          <a:p>
+            <a:pPr indent="0" lvl="0" marL="0" rtl="0" algn="l">
+              <a:spcBef>
+                <a:spcPts val="0"/>
+              </a:spcBef>
+              <a:spcAft>
+                <a:spcPts val="0"/>
               </a:spcAft>
               <a:buNone/>
             </a:pPr>
@@ -20177,7 +20101,7 @@
                   <a:srgbClr val="000000"/>
                 </a:solidFill>
               </a:rPr>
-              <a:t>Since we have the evolution of the state, a linear layers gives the output</a:t>
+              <a:t>The training is very easy and fast but there are hyper-parameters</a:t>
             </a:r>
             <a:endParaRPr sz="2000">
               <a:solidFill>
@@ -20185,79 +20109,22 @@
               </a:solidFill>
             </a:endParaRPr>
           </a:p>
-        </p:txBody>
-      </p:sp>
-      <p:sp>
-        <p:nvSpPr>
-          <p:cNvPr id="431" name="Google Shape;431;p53"/>
-          <p:cNvSpPr txBox="1"/>
-          <p:nvPr>
-            <p:ph type="title"/>
-          </p:nvPr>
-        </p:nvSpPr>
-        <p:spPr>
-          <a:xfrm>
-            <a:off x="311700" y="216425"/>
-            <a:ext cx="8520600" cy="572700"/>
-          </a:xfrm>
-          <a:prstGeom prst="rect">
-            <a:avLst/>
-          </a:prstGeom>
-        </p:spPr>
-        <p:txBody>
-          <a:bodyPr anchorCtr="0" anchor="t" bIns="91425" lIns="91425" spcFirstLastPara="1" rIns="91425" wrap="square" tIns="91425">
-            <a:noAutofit/>
-          </a:bodyPr>
-          <a:lstStyle/>
-          <a:p>
-            <a:pPr indent="0" lvl="0" marL="0" rtl="0" algn="l">
-              <a:spcBef>
-                <a:spcPts val="0"/>
-              </a:spcBef>
-              <a:spcAft>
-                <a:spcPts val="0"/>
-              </a:spcAft>
-              <a:buNone/>
-            </a:pPr>
-            <a:r>
-              <a:rPr lang="en"/>
-              <a:t>Training</a:t>
-            </a:r>
-            <a:endParaRPr/>
-          </a:p>
-        </p:txBody>
-      </p:sp>
-      <p:sp>
-        <p:nvSpPr>
-          <p:cNvPr id="432" name="Google Shape;432;p53"/>
-          <p:cNvSpPr txBox="1"/>
-          <p:nvPr>
-            <p:ph idx="1" type="body"/>
-          </p:nvPr>
-        </p:nvSpPr>
-        <p:spPr>
-          <a:xfrm>
-            <a:off x="311700" y="2219275"/>
-            <a:ext cx="8520600" cy="531000"/>
-          </a:xfrm>
-          <a:prstGeom prst="rect">
-            <a:avLst/>
-          </a:prstGeom>
-        </p:spPr>
-        <p:txBody>
-          <a:bodyPr anchorCtr="0" anchor="t" bIns="91425" lIns="91425" spcFirstLastPara="1" rIns="91425" wrap="square" tIns="91425">
-            <a:noAutofit/>
-          </a:bodyPr>
-          <a:lstStyle/>
-          <a:p>
-            <a:pPr indent="0" lvl="0" marL="0" rtl="0" algn="l">
-              <a:spcBef>
-                <a:spcPts val="0"/>
-              </a:spcBef>
-              <a:spcAft>
+          <a:p>
+            <a:pPr indent="-355600" lvl="0" marL="457200" rtl="0" algn="l">
+              <a:lnSpc>
+                <a:spcPct val="150000"/>
+              </a:lnSpc>
+              <a:spcBef>
                 <a:spcPts val="1600"/>
-              </a:spcAft>
-              <a:buNone/>
+              </a:spcBef>
+              <a:spcAft>
+                <a:spcPts val="0"/>
+              </a:spcAft>
+              <a:buClr>
+                <a:srgbClr val="000000"/>
+              </a:buClr>
+              <a:buSzPts val="2000"/>
+              <a:buChar char="●"/>
             </a:pPr>
             <a:r>
               <a:rPr lang="en" sz="2000">
@@ -20265,11 +20132,217 @@
                   <a:srgbClr val="000000"/>
                 </a:solidFill>
               </a:rPr>
-              <a:t>Determine the weights and bias by minimizing the MSE loss</a:t>
+              <a:t>Optimize for </a:t>
             </a:r>
             <a:endParaRPr sz="2000">
               <a:solidFill>
                 <a:srgbClr val="000000"/>
+              </a:solidFill>
+            </a:endParaRPr>
+          </a:p>
+          <a:p>
+            <a:pPr indent="-355600" lvl="0" marL="457200" rtl="0" algn="l">
+              <a:spcBef>
+                <a:spcPts val="0"/>
+              </a:spcBef>
+              <a:spcAft>
+                <a:spcPts val="0"/>
+              </a:spcAft>
+              <a:buClr>
+                <a:srgbClr val="000000"/>
+              </a:buClr>
+              <a:buSzPts val="2000"/>
+              <a:buChar char="●"/>
+            </a:pPr>
+            <a:r>
+              <a:rPr lang="en" sz="2000">
+                <a:solidFill>
+                  <a:srgbClr val="000000"/>
+                </a:solidFill>
+              </a:rPr>
+              <a:t>Hyper-parameters that govern the random generation of the weights</a:t>
+            </a:r>
+            <a:endParaRPr sz="2000">
+              <a:solidFill>
+                <a:srgbClr val="000000"/>
+              </a:solidFill>
+            </a:endParaRPr>
+          </a:p>
+          <a:p>
+            <a:pPr indent="-355600" lvl="1" marL="914400" rtl="0" algn="l">
+              <a:spcBef>
+                <a:spcPts val="0"/>
+              </a:spcBef>
+              <a:spcAft>
+                <a:spcPts val="0"/>
+              </a:spcAft>
+              <a:buClr>
+                <a:srgbClr val="000000"/>
+              </a:buClr>
+              <a:buSzPts val="2000"/>
+              <a:buChar char="○"/>
+            </a:pPr>
+            <a:r>
+              <a:rPr lang="en" sz="2000">
+                <a:solidFill>
+                  <a:srgbClr val="000000"/>
+                </a:solidFill>
+              </a:rPr>
+              <a:t>The degree of a reservoir nodes D:</a:t>
+            </a:r>
+            <a:endParaRPr sz="2000">
+              <a:solidFill>
+                <a:srgbClr val="000000"/>
+              </a:solidFill>
+            </a:endParaRPr>
+          </a:p>
+          <a:p>
+            <a:pPr indent="-355600" lvl="2" marL="1371600" rtl="0" algn="l">
+              <a:lnSpc>
+                <a:spcPct val="150000"/>
+              </a:lnSpc>
+              <a:spcBef>
+                <a:spcPts val="0"/>
+              </a:spcBef>
+              <a:spcAft>
+                <a:spcPts val="0"/>
+              </a:spcAft>
+              <a:buClr>
+                <a:srgbClr val="000000"/>
+              </a:buClr>
+              <a:buSzPts val="2000"/>
+              <a:buChar char="➢"/>
+            </a:pPr>
+            <a:r>
+              <a:rPr lang="en" sz="2000">
+                <a:solidFill>
+                  <a:schemeClr val="dk1"/>
+                </a:solidFill>
+              </a:rPr>
+              <a:t>        is sparse with D/N non-zero elements</a:t>
+            </a:r>
+            <a:endParaRPr sz="2000">
+              <a:solidFill>
+                <a:srgbClr val="000000"/>
+              </a:solidFill>
+            </a:endParaRPr>
+          </a:p>
+          <a:p>
+            <a:pPr indent="-355600" lvl="1" marL="914400" rtl="0" algn="l">
+              <a:spcBef>
+                <a:spcPts val="0"/>
+              </a:spcBef>
+              <a:spcAft>
+                <a:spcPts val="0"/>
+              </a:spcAft>
+              <a:buClr>
+                <a:srgbClr val="000000"/>
+              </a:buClr>
+              <a:buSzPts val="2000"/>
+              <a:buChar char="○"/>
+            </a:pPr>
+            <a:r>
+              <a:rPr lang="en" sz="2000">
+                <a:solidFill>
+                  <a:srgbClr val="000000"/>
+                </a:solidFill>
+              </a:rPr>
+              <a:t>The spectral radius ρ:</a:t>
+            </a:r>
+            <a:endParaRPr sz="2000">
+              <a:solidFill>
+                <a:srgbClr val="000000"/>
+              </a:solidFill>
+            </a:endParaRPr>
+          </a:p>
+          <a:p>
+            <a:pPr indent="-355600" lvl="2" marL="1371600" rtl="0" algn="l">
+              <a:spcBef>
+                <a:spcPts val="0"/>
+              </a:spcBef>
+              <a:spcAft>
+                <a:spcPts val="0"/>
+              </a:spcAft>
+              <a:buClr>
+                <a:srgbClr val="000000"/>
+              </a:buClr>
+              <a:buSzPts val="2000"/>
+              <a:buChar char="➢"/>
+            </a:pPr>
+            <a:r>
+              <a:rPr lang="en" sz="2000">
+                <a:solidFill>
+                  <a:schemeClr val="dk1"/>
+                </a:solidFill>
+              </a:rPr>
+              <a:t>The largest eigenvalue of           is ρ</a:t>
+            </a:r>
+            <a:endParaRPr sz="2000">
+              <a:solidFill>
+                <a:schemeClr val="dk1"/>
+              </a:solidFill>
+            </a:endParaRPr>
+          </a:p>
+          <a:p>
+            <a:pPr indent="-355600" lvl="1" marL="914400" rtl="0" algn="l">
+              <a:spcBef>
+                <a:spcPts val="0"/>
+              </a:spcBef>
+              <a:spcAft>
+                <a:spcPts val="0"/>
+              </a:spcAft>
+              <a:buClr>
+                <a:schemeClr val="dk1"/>
+              </a:buClr>
+              <a:buSzPts val="2000"/>
+              <a:buChar char="○"/>
+            </a:pPr>
+            <a:r>
+              <a:rPr lang="en" sz="2000">
+                <a:solidFill>
+                  <a:schemeClr val="dk1"/>
+                </a:solidFill>
+              </a:rPr>
+              <a:t>      : initialized by a uniform distribution in the [-σ,σ]</a:t>
+            </a:r>
+            <a:br>
+              <a:rPr lang="en" sz="2000">
+                <a:solidFill>
+                  <a:schemeClr val="dk1"/>
+                </a:solidFill>
+              </a:rPr>
+            </a:br>
+            <a:endParaRPr sz="2000">
+              <a:solidFill>
+                <a:schemeClr val="dk1"/>
+              </a:solidFill>
+            </a:endParaRPr>
+          </a:p>
+          <a:p>
+            <a:pPr indent="-355600" lvl="0" marL="457200" rtl="0" algn="l">
+              <a:spcBef>
+                <a:spcPts val="0"/>
+              </a:spcBef>
+              <a:spcAft>
+                <a:spcPts val="0"/>
+              </a:spcAft>
+              <a:buClr>
+                <a:schemeClr val="dk1"/>
+              </a:buClr>
+              <a:buSzPts val="2000"/>
+              <a:buChar char="●"/>
+            </a:pPr>
+            <a:r>
+              <a:rPr lang="en" sz="2000">
+                <a:solidFill>
+                  <a:schemeClr val="dk1"/>
+                </a:solidFill>
+              </a:rPr>
+              <a:t>No systematic method to optimize the hyper-parameters</a:t>
+            </a:r>
+            <a:endParaRPr sz="2000">
+              <a:solidFill>
+                <a:schemeClr val="dk1"/>
               </a:solidFill>
             </a:endParaRPr>
           </a:p>
@@ -20291,8 +20364,8 @@
         </p:blipFill>
         <p:spPr>
           <a:xfrm>
-            <a:off x="3173900" y="1581400"/>
-            <a:ext cx="2642961" cy="305950"/>
+            <a:off x="2429250" y="1472008"/>
+            <a:ext cx="545325" cy="244900"/>
           </a:xfrm>
           <a:prstGeom prst="rect">
             <a:avLst/>
@@ -20319,8 +20392,8 @@
         </p:blipFill>
         <p:spPr>
           <a:xfrm>
-            <a:off x="1581275" y="2679625"/>
-            <a:ext cx="5981450" cy="789675"/>
+            <a:off x="1697642" y="2603867"/>
+            <a:ext cx="515875" cy="244894"/>
           </a:xfrm>
           <a:prstGeom prst="rect">
             <a:avLst/>
@@ -20331,92 +20404,34 @@
           </a:ln>
         </p:spPr>
       </p:pic>
-      <p:sp>
-        <p:nvSpPr>
+      <p:pic>
+        <p:nvPicPr>
           <p:cNvPr id="435" name="Google Shape;435;p53"/>
-          <p:cNvSpPr txBox="1"/>
-          <p:nvPr>
-            <p:ph idx="1" type="body"/>
-          </p:nvPr>
-        </p:nvSpPr>
-        <p:spPr>
-          <a:xfrm>
-            <a:off x="311700" y="3667075"/>
-            <a:ext cx="8520600" cy="531000"/>
-          </a:xfrm>
-          <a:prstGeom prst="rect">
-            <a:avLst/>
-          </a:prstGeom>
-        </p:spPr>
-        <p:txBody>
-          <a:bodyPr anchorCtr="0" anchor="t" bIns="91425" lIns="91425" spcFirstLastPara="1" rIns="91425" wrap="square" tIns="91425">
-            <a:noAutofit/>
-          </a:bodyPr>
-          <a:lstStyle/>
-          <a:p>
-            <a:pPr indent="-355600" lvl="0" marL="457200" rtl="0" algn="l">
-              <a:lnSpc>
-                <a:spcPct val="150000"/>
-              </a:lnSpc>
-              <a:spcBef>
-                <a:spcPts val="0"/>
-              </a:spcBef>
-              <a:spcAft>
-                <a:spcPts val="0"/>
-              </a:spcAft>
-              <a:buClr>
-                <a:srgbClr val="000000"/>
-              </a:buClr>
-              <a:buSzPts val="2000"/>
-              <a:buChar char="●"/>
-            </a:pPr>
-            <a:r>
-              <a:rPr lang="en" sz="2000">
-                <a:solidFill>
-                  <a:srgbClr val="000000"/>
-                </a:solidFill>
-              </a:rPr>
-              <a:t>Linear Regression (simple!)</a:t>
-            </a:r>
-            <a:endParaRPr sz="2000">
-              <a:solidFill>
-                <a:srgbClr val="000000"/>
-              </a:solidFill>
-            </a:endParaRPr>
-          </a:p>
-          <a:p>
-            <a:pPr indent="-355600" lvl="0" marL="457200" rtl="0" algn="l">
-              <a:lnSpc>
-                <a:spcPct val="150000"/>
-              </a:lnSpc>
-              <a:spcBef>
-                <a:spcPts val="0"/>
-              </a:spcBef>
-              <a:spcAft>
-                <a:spcPts val="0"/>
-              </a:spcAft>
-              <a:buClr>
-                <a:srgbClr val="000000"/>
-              </a:buClr>
-              <a:buSzPts val="2000"/>
-              <a:buChar char="●"/>
-            </a:pPr>
-            <a:r>
-              <a:rPr lang="en" sz="2000">
-                <a:solidFill>
-                  <a:srgbClr val="000000"/>
-                </a:solidFill>
-              </a:rPr>
-              <a:t>    is a ridge regression parameter (the last is a regularization term)</a:t>
-            </a:r>
-            <a:endParaRPr sz="2000">
-              <a:solidFill>
-                <a:srgbClr val="000000"/>
-              </a:solidFill>
-            </a:endParaRPr>
-          </a:p>
-        </p:txBody>
-      </p:sp>
+          <p:cNvPicPr preferRelativeResize="0"/>
+          <p:nvPr/>
+        </p:nvPicPr>
+        <p:blipFill>
+          <a:blip r:embed="rId4">
+            <a:alphaModFix/>
+          </a:blip>
+          <a:stretch>
+            <a:fillRect/>
+          </a:stretch>
+        </p:blipFill>
+        <p:spPr>
+          <a:xfrm>
+            <a:off x="4774267" y="3429617"/>
+            <a:ext cx="515875" cy="244894"/>
+          </a:xfrm>
+          <a:prstGeom prst="rect">
+            <a:avLst/>
+          </a:prstGeom>
+          <a:noFill/>
+          <a:ln>
+            <a:noFill/>
+          </a:ln>
+        </p:spPr>
+      </p:pic>
       <p:pic>
         <p:nvPicPr>
           <p:cNvPr id="436" name="Google Shape;436;p53"/>
@@ -20433,8 +20448,8 @@
         </p:blipFill>
         <p:spPr>
           <a:xfrm>
-            <a:off x="823805" y="4256625"/>
-            <a:ext cx="175300" cy="262950"/>
+            <a:off x="1227574" y="3747594"/>
+            <a:ext cx="515875" cy="290906"/>
           </a:xfrm>
           <a:prstGeom prst="rect">
             <a:avLst/>
@@ -20445,6 +20460,49 @@
           </a:ln>
         </p:spPr>
       </p:pic>
+      <p:sp>
+        <p:nvSpPr>
+          <p:cNvPr id="437" name="Google Shape;437;p53"/>
+          <p:cNvSpPr/>
+          <p:nvPr/>
+        </p:nvSpPr>
+        <p:spPr>
+          <a:xfrm>
+            <a:off x="362700" y="1429675"/>
+            <a:ext cx="8469600" cy="3581400"/>
+          </a:xfrm>
+          <a:prstGeom prst="rect">
+            <a:avLst/>
+          </a:prstGeom>
+          <a:solidFill>
+            <a:srgbClr val="FFFFFF"/>
+          </a:solidFill>
+          <a:ln>
+            <a:noFill/>
+          </a:ln>
+        </p:spPr>
+        <p:txBody>
+          <a:bodyPr anchorCtr="0" anchor="ctr" bIns="91425" lIns="91425" spcFirstLastPara="1" rIns="91425" wrap="square" tIns="91425">
+            <a:noAutofit/>
+          </a:bodyPr>
+          <a:lstStyle/>
+          <a:p>
+            <a:pPr indent="0" lvl="0" marL="0" rtl="0" algn="l">
+              <a:spcBef>
+                <a:spcPts val="0"/>
+              </a:spcBef>
+              <a:spcAft>
+                <a:spcPts val="0"/>
+              </a:spcAft>
+              <a:buNone/>
+            </a:pPr>
+            <a:r>
+              <a:t/>
+            </a:r>
+            <a:endParaRPr/>
+          </a:p>
+        </p:txBody>
+      </p:sp>
     </p:spTree>
   </p:cSld>
   <p:clrMapOvr>
@@ -20458,7 +20516,7 @@
   <p:cSld>
     <p:spTree>
       <p:nvGrpSpPr>
-        <p:cNvPr id="440" name="Shape 440"/>
+        <p:cNvPr id="441" name="Shape 441"/>
         <p:cNvGrpSpPr/>
         <p:nvPr/>
       </p:nvGrpSpPr>
@@ -20472,7 +20530,7 @@
       </p:grpSpPr>
       <p:sp>
         <p:nvSpPr>
-          <p:cNvPr id="441" name="Google Shape;441;p54"/>
+          <p:cNvPr id="442" name="Google Shape;442;p54"/>
           <p:cNvSpPr txBox="1"/>
           <p:nvPr>
             <p:ph type="title"/>
@@ -20512,7 +20570,7 @@
       </p:sp>
       <p:sp>
         <p:nvSpPr>
-          <p:cNvPr id="442" name="Google Shape;442;p54"/>
+          <p:cNvPr id="443" name="Google Shape;443;p54"/>
           <p:cNvSpPr txBox="1"/>
           <p:nvPr>
             <p:ph idx="1" type="body"/>
@@ -20797,7 +20855,7 @@
       </p:sp>
       <p:pic>
         <p:nvPicPr>
-          <p:cNvPr id="443" name="Google Shape;443;p54"/>
+          <p:cNvPr id="444" name="Google Shape;444;p54"/>
           <p:cNvPicPr preferRelativeResize="0"/>
           <p:nvPr/>
         </p:nvPicPr>
@@ -20813,34 +20871,6 @@
           <a:xfrm>
             <a:off x="2429250" y="1472008"/>
             <a:ext cx="545325" cy="244900"/>
-          </a:xfrm>
-          <a:prstGeom prst="rect">
-            <a:avLst/>
-          </a:prstGeom>
-          <a:noFill/>
-          <a:ln>
-            <a:noFill/>
-          </a:ln>
-        </p:spPr>
-      </p:pic>
-      <p:pic>
-        <p:nvPicPr>
-          <p:cNvPr id="444" name="Google Shape;444;p54"/>
-          <p:cNvPicPr preferRelativeResize="0"/>
-          <p:nvPr/>
-        </p:nvPicPr>
-        <p:blipFill>
-          <a:blip r:embed="rId4">
-            <a:alphaModFix/>
-          </a:blip>
-          <a:stretch>
-            <a:fillRect/>
-          </a:stretch>
-        </p:blipFill>
-        <p:spPr>
-          <a:xfrm>
-            <a:off x="1697642" y="2603867"/>
-            <a:ext cx="515875" cy="244894"/>
           </a:xfrm>
           <a:prstGeom prst="rect">
             <a:avLst/>
@@ -20867,7 +20897,7 @@
         </p:blipFill>
         <p:spPr>
           <a:xfrm>
-            <a:off x="4774267" y="3429617"/>
+            <a:off x="1697642" y="2603867"/>
             <a:ext cx="515875" cy="244894"/>
           </a:xfrm>
           <a:prstGeom prst="rect">
@@ -20882,6 +20912,34 @@
       <p:pic>
         <p:nvPicPr>
           <p:cNvPr id="446" name="Google Shape;446;p54"/>
+          <p:cNvPicPr preferRelativeResize="0"/>
+          <p:nvPr/>
+        </p:nvPicPr>
+        <p:blipFill>
+          <a:blip r:embed="rId4">
+            <a:alphaModFix/>
+          </a:blip>
+          <a:stretch>
+            <a:fillRect/>
+          </a:stretch>
+        </p:blipFill>
+        <p:spPr>
+          <a:xfrm>
+            <a:off x="4774267" y="3429617"/>
+            <a:ext cx="515875" cy="244894"/>
+          </a:xfrm>
+          <a:prstGeom prst="rect">
+            <a:avLst/>
+          </a:prstGeom>
+          <a:noFill/>
+          <a:ln>
+            <a:noFill/>
+          </a:ln>
+        </p:spPr>
+      </p:pic>
+      <p:pic>
+        <p:nvPicPr>
+          <p:cNvPr id="447" name="Google Shape;447;p54"/>
           <p:cNvPicPr preferRelativeResize="0"/>
           <p:nvPr/>
         </p:nvPicPr>
@@ -20909,14 +20967,14 @@
       </p:pic>
       <p:sp>
         <p:nvSpPr>
-          <p:cNvPr id="447" name="Google Shape;447;p54"/>
+          <p:cNvPr id="448" name="Google Shape;448;p54"/>
           <p:cNvSpPr/>
           <p:nvPr/>
         </p:nvSpPr>
         <p:spPr>
           <a:xfrm>
-            <a:off x="362700" y="1429675"/>
-            <a:ext cx="8469600" cy="3581400"/>
+            <a:off x="362700" y="1820025"/>
+            <a:ext cx="8469600" cy="3191100"/>
           </a:xfrm>
           <a:prstGeom prst="rect">
             <a:avLst/>
@@ -20963,7 +21021,7 @@
   <p:cSld>
     <p:spTree>
       <p:nvGrpSpPr>
-        <p:cNvPr id="451" name="Shape 451"/>
+        <p:cNvPr id="452" name="Shape 452"/>
         <p:cNvGrpSpPr/>
         <p:nvPr/>
       </p:nvGrpSpPr>
@@ -20977,7 +21035,7 @@
       </p:grpSpPr>
       <p:sp>
         <p:nvSpPr>
-          <p:cNvPr id="452" name="Google Shape;452;p55"/>
+          <p:cNvPr id="453" name="Google Shape;453;p55"/>
           <p:cNvSpPr txBox="1"/>
           <p:nvPr>
             <p:ph type="title"/>
@@ -21017,7 +21075,7 @@
       </p:sp>
       <p:sp>
         <p:nvSpPr>
-          <p:cNvPr id="453" name="Google Shape;453;p55"/>
+          <p:cNvPr id="454" name="Google Shape;454;p55"/>
           <p:cNvSpPr txBox="1"/>
           <p:nvPr>
             <p:ph idx="1" type="body"/>
@@ -21302,7 +21360,7 @@
       </p:sp>
       <p:pic>
         <p:nvPicPr>
-          <p:cNvPr id="454" name="Google Shape;454;p55"/>
+          <p:cNvPr id="455" name="Google Shape;455;p55"/>
           <p:cNvPicPr preferRelativeResize="0"/>
           <p:nvPr/>
         </p:nvPicPr>
@@ -21318,34 +21376,6 @@
           <a:xfrm>
             <a:off x="2429250" y="1472008"/>
             <a:ext cx="545325" cy="244900"/>
-          </a:xfrm>
-          <a:prstGeom prst="rect">
-            <a:avLst/>
-          </a:prstGeom>
-          <a:noFill/>
-          <a:ln>
-            <a:noFill/>
-          </a:ln>
-        </p:spPr>
-      </p:pic>
-      <p:pic>
-        <p:nvPicPr>
-          <p:cNvPr id="455" name="Google Shape;455;p55"/>
-          <p:cNvPicPr preferRelativeResize="0"/>
-          <p:nvPr/>
-        </p:nvPicPr>
-        <p:blipFill>
-          <a:blip r:embed="rId4">
-            <a:alphaModFix/>
-          </a:blip>
-          <a:stretch>
-            <a:fillRect/>
-          </a:stretch>
-        </p:blipFill>
-        <p:spPr>
-          <a:xfrm>
-            <a:off x="1697642" y="2603867"/>
-            <a:ext cx="515875" cy="244894"/>
           </a:xfrm>
           <a:prstGeom prst="rect">
             <a:avLst/>
@@ -21372,7 +21402,7 @@
         </p:blipFill>
         <p:spPr>
           <a:xfrm>
-            <a:off x="4774267" y="3429617"/>
+            <a:off x="1697642" y="2603867"/>
             <a:ext cx="515875" cy="244894"/>
           </a:xfrm>
           <a:prstGeom prst="rect">
@@ -21387,6 +21417,34 @@
       <p:pic>
         <p:nvPicPr>
           <p:cNvPr id="457" name="Google Shape;457;p55"/>
+          <p:cNvPicPr preferRelativeResize="0"/>
+          <p:nvPr/>
+        </p:nvPicPr>
+        <p:blipFill>
+          <a:blip r:embed="rId4">
+            <a:alphaModFix/>
+          </a:blip>
+          <a:stretch>
+            <a:fillRect/>
+          </a:stretch>
+        </p:blipFill>
+        <p:spPr>
+          <a:xfrm>
+            <a:off x="4774267" y="3429617"/>
+            <a:ext cx="515875" cy="244894"/>
+          </a:xfrm>
+          <a:prstGeom prst="rect">
+            <a:avLst/>
+          </a:prstGeom>
+          <a:noFill/>
+          <a:ln>
+            <a:noFill/>
+          </a:ln>
+        </p:spPr>
+      </p:pic>
+      <p:pic>
+        <p:nvPicPr>
+          <p:cNvPr id="458" name="Google Shape;458;p55"/>
           <p:cNvPicPr preferRelativeResize="0"/>
           <p:nvPr/>
         </p:nvPicPr>
@@ -21414,14 +21472,14 @@
       </p:pic>
       <p:sp>
         <p:nvSpPr>
-          <p:cNvPr id="458" name="Google Shape;458;p55"/>
+          <p:cNvPr id="459" name="Google Shape;459;p55"/>
           <p:cNvSpPr/>
           <p:nvPr/>
         </p:nvSpPr>
         <p:spPr>
           <a:xfrm>
-            <a:off x="362700" y="1820025"/>
-            <a:ext cx="8469600" cy="3191100"/>
+            <a:off x="362700" y="2952050"/>
+            <a:ext cx="8469600" cy="2059200"/>
           </a:xfrm>
           <a:prstGeom prst="rect">
             <a:avLst/>
@@ -21468,7 +21526,7 @@
   <p:cSld>
     <p:spTree>
       <p:nvGrpSpPr>
-        <p:cNvPr id="462" name="Shape 462"/>
+        <p:cNvPr id="463" name="Shape 463"/>
         <p:cNvGrpSpPr/>
         <p:nvPr/>
       </p:nvGrpSpPr>
@@ -21482,7 +21540,7 @@
       </p:grpSpPr>
       <p:sp>
         <p:nvSpPr>
-          <p:cNvPr id="463" name="Google Shape;463;p56"/>
+          <p:cNvPr id="464" name="Google Shape;464;p56"/>
           <p:cNvSpPr txBox="1"/>
           <p:nvPr>
             <p:ph type="title"/>
@@ -21522,7 +21580,7 @@
       </p:sp>
       <p:sp>
         <p:nvSpPr>
-          <p:cNvPr id="464" name="Google Shape;464;p56"/>
+          <p:cNvPr id="465" name="Google Shape;465;p56"/>
           <p:cNvSpPr txBox="1"/>
           <p:nvPr>
             <p:ph idx="1" type="body"/>
@@ -21807,7 +21865,7 @@
       </p:sp>
       <p:pic>
         <p:nvPicPr>
-          <p:cNvPr id="465" name="Google Shape;465;p56"/>
+          <p:cNvPr id="466" name="Google Shape;466;p56"/>
           <p:cNvPicPr preferRelativeResize="0"/>
           <p:nvPr/>
         </p:nvPicPr>
@@ -21823,34 +21881,6 @@
           <a:xfrm>
             <a:off x="2429250" y="1472008"/>
             <a:ext cx="545325" cy="244900"/>
-          </a:xfrm>
-          <a:prstGeom prst="rect">
-            <a:avLst/>
-          </a:prstGeom>
-          <a:noFill/>
-          <a:ln>
-            <a:noFill/>
-          </a:ln>
-        </p:spPr>
-      </p:pic>
-      <p:pic>
-        <p:nvPicPr>
-          <p:cNvPr id="466" name="Google Shape;466;p56"/>
-          <p:cNvPicPr preferRelativeResize="0"/>
-          <p:nvPr/>
-        </p:nvPicPr>
-        <p:blipFill>
-          <a:blip r:embed="rId4">
-            <a:alphaModFix/>
-          </a:blip>
-          <a:stretch>
-            <a:fillRect/>
-          </a:stretch>
-        </p:blipFill>
-        <p:spPr>
-          <a:xfrm>
-            <a:off x="1697642" y="2603867"/>
-            <a:ext cx="515875" cy="244894"/>
           </a:xfrm>
           <a:prstGeom prst="rect">
             <a:avLst/>
@@ -21877,7 +21907,7 @@
         </p:blipFill>
         <p:spPr>
           <a:xfrm>
-            <a:off x="4774267" y="3429617"/>
+            <a:off x="1697642" y="2603867"/>
             <a:ext cx="515875" cy="244894"/>
           </a:xfrm>
           <a:prstGeom prst="rect">
@@ -21892,6 +21922,34 @@
       <p:pic>
         <p:nvPicPr>
           <p:cNvPr id="468" name="Google Shape;468;p56"/>
+          <p:cNvPicPr preferRelativeResize="0"/>
+          <p:nvPr/>
+        </p:nvPicPr>
+        <p:blipFill>
+          <a:blip r:embed="rId4">
+            <a:alphaModFix/>
+          </a:blip>
+          <a:stretch>
+            <a:fillRect/>
+          </a:stretch>
+        </p:blipFill>
+        <p:spPr>
+          <a:xfrm>
+            <a:off x="4774267" y="3429617"/>
+            <a:ext cx="515875" cy="244894"/>
+          </a:xfrm>
+          <a:prstGeom prst="rect">
+            <a:avLst/>
+          </a:prstGeom>
+          <a:noFill/>
+          <a:ln>
+            <a:noFill/>
+          </a:ln>
+        </p:spPr>
+      </p:pic>
+      <p:pic>
+        <p:nvPicPr>
+          <p:cNvPr id="469" name="Google Shape;469;p56"/>
           <p:cNvPicPr preferRelativeResize="0"/>
           <p:nvPr/>
         </p:nvPicPr>
@@ -21919,14 +21977,14 @@
       </p:pic>
       <p:sp>
         <p:nvSpPr>
-          <p:cNvPr id="469" name="Google Shape;469;p56"/>
+          <p:cNvPr id="470" name="Google Shape;470;p56"/>
           <p:cNvSpPr/>
           <p:nvPr/>
         </p:nvSpPr>
         <p:spPr>
           <a:xfrm>
-            <a:off x="362700" y="2952050"/>
-            <a:ext cx="8469600" cy="2059200"/>
+            <a:off x="362700" y="3747600"/>
+            <a:ext cx="8469600" cy="1263600"/>
           </a:xfrm>
           <a:prstGeom prst="rect">
             <a:avLst/>
@@ -21973,7 +22031,7 @@
   <p:cSld>
     <p:spTree>
       <p:nvGrpSpPr>
-        <p:cNvPr id="473" name="Shape 473"/>
+        <p:cNvPr id="474" name="Shape 474"/>
         <p:cNvGrpSpPr/>
         <p:nvPr/>
       </p:nvGrpSpPr>
@@ -21987,7 +22045,7 @@
       </p:grpSpPr>
       <p:sp>
         <p:nvSpPr>
-          <p:cNvPr id="474" name="Google Shape;474;p57"/>
+          <p:cNvPr id="475" name="Google Shape;475;p57"/>
           <p:cNvSpPr txBox="1"/>
           <p:nvPr>
             <p:ph type="title"/>
@@ -22027,7 +22085,7 @@
       </p:sp>
       <p:sp>
         <p:nvSpPr>
-          <p:cNvPr id="475" name="Google Shape;475;p57"/>
+          <p:cNvPr id="476" name="Google Shape;476;p57"/>
           <p:cNvSpPr txBox="1"/>
           <p:nvPr>
             <p:ph idx="1" type="body"/>
@@ -22312,7 +22370,7 @@
       </p:sp>
       <p:pic>
         <p:nvPicPr>
-          <p:cNvPr id="476" name="Google Shape;476;p57"/>
+          <p:cNvPr id="477" name="Google Shape;477;p57"/>
           <p:cNvPicPr preferRelativeResize="0"/>
           <p:nvPr/>
         </p:nvPicPr>
@@ -22328,34 +22386,6 @@
           <a:xfrm>
             <a:off x="2429250" y="1472008"/>
             <a:ext cx="545325" cy="244900"/>
-          </a:xfrm>
-          <a:prstGeom prst="rect">
-            <a:avLst/>
-          </a:prstGeom>
-          <a:noFill/>
-          <a:ln>
-            <a:noFill/>
-          </a:ln>
-        </p:spPr>
-      </p:pic>
-      <p:pic>
-        <p:nvPicPr>
-          <p:cNvPr id="477" name="Google Shape;477;p57"/>
-          <p:cNvPicPr preferRelativeResize="0"/>
-          <p:nvPr/>
-        </p:nvPicPr>
-        <p:blipFill>
-          <a:blip r:embed="rId4">
-            <a:alphaModFix/>
-          </a:blip>
-          <a:stretch>
-            <a:fillRect/>
-          </a:stretch>
-        </p:blipFill>
-        <p:spPr>
-          <a:xfrm>
-            <a:off x="1697642" y="2603867"/>
-            <a:ext cx="515875" cy="244894"/>
           </a:xfrm>
           <a:prstGeom prst="rect">
             <a:avLst/>
@@ -22382,7 +22412,7 @@
         </p:blipFill>
         <p:spPr>
           <a:xfrm>
-            <a:off x="4774267" y="3429617"/>
+            <a:off x="1697642" y="2603867"/>
             <a:ext cx="515875" cy="244894"/>
           </a:xfrm>
           <a:prstGeom prst="rect">
@@ -22397,6 +22427,34 @@
       <p:pic>
         <p:nvPicPr>
           <p:cNvPr id="479" name="Google Shape;479;p57"/>
+          <p:cNvPicPr preferRelativeResize="0"/>
+          <p:nvPr/>
+        </p:nvPicPr>
+        <p:blipFill>
+          <a:blip r:embed="rId4">
+            <a:alphaModFix/>
+          </a:blip>
+          <a:stretch>
+            <a:fillRect/>
+          </a:stretch>
+        </p:blipFill>
+        <p:spPr>
+          <a:xfrm>
+            <a:off x="4774267" y="3429617"/>
+            <a:ext cx="515875" cy="244894"/>
+          </a:xfrm>
+          <a:prstGeom prst="rect">
+            <a:avLst/>
+          </a:prstGeom>
+          <a:noFill/>
+          <a:ln>
+            <a:noFill/>
+          </a:ln>
+        </p:spPr>
+      </p:pic>
+      <p:pic>
+        <p:nvPicPr>
+          <p:cNvPr id="480" name="Google Shape;480;p57"/>
           <p:cNvPicPr preferRelativeResize="0"/>
           <p:nvPr/>
         </p:nvPicPr>
@@ -22424,14 +22482,14 @@
       </p:pic>
       <p:sp>
         <p:nvSpPr>
-          <p:cNvPr id="480" name="Google Shape;480;p57"/>
+          <p:cNvPr id="481" name="Google Shape;481;p57"/>
           <p:cNvSpPr/>
           <p:nvPr/>
         </p:nvSpPr>
         <p:spPr>
           <a:xfrm>
-            <a:off x="362700" y="3747600"/>
-            <a:ext cx="8469600" cy="1263600"/>
+            <a:off x="362700" y="4191400"/>
+            <a:ext cx="8469600" cy="819900"/>
           </a:xfrm>
           <a:prstGeom prst="rect">
             <a:avLst/>
@@ -22478,7 +22536,7 @@
   <p:cSld>
     <p:spTree>
       <p:nvGrpSpPr>
-        <p:cNvPr id="484" name="Shape 484"/>
+        <p:cNvPr id="485" name="Shape 485"/>
         <p:cNvGrpSpPr/>
         <p:nvPr/>
       </p:nvGrpSpPr>
@@ -22492,7 +22550,7 @@
       </p:grpSpPr>
       <p:sp>
         <p:nvSpPr>
-          <p:cNvPr id="485" name="Google Shape;485;p58"/>
+          <p:cNvPr id="486" name="Google Shape;486;p58"/>
           <p:cNvSpPr txBox="1"/>
           <p:nvPr>
             <p:ph type="title"/>
@@ -22532,7 +22590,7 @@
       </p:sp>
       <p:sp>
         <p:nvSpPr>
-          <p:cNvPr id="486" name="Google Shape;486;p58"/>
+          <p:cNvPr id="487" name="Google Shape;487;p58"/>
           <p:cNvSpPr txBox="1"/>
           <p:nvPr>
             <p:ph idx="1" type="body"/>
@@ -22817,7 +22875,7 @@
       </p:sp>
       <p:pic>
         <p:nvPicPr>
-          <p:cNvPr id="487" name="Google Shape;487;p58"/>
+          <p:cNvPr id="488" name="Google Shape;488;p58"/>
           <p:cNvPicPr preferRelativeResize="0"/>
           <p:nvPr/>
         </p:nvPicPr>
@@ -22833,34 +22891,6 @@
           <a:xfrm>
             <a:off x="2429250" y="1472008"/>
             <a:ext cx="545325" cy="244900"/>
-          </a:xfrm>
-          <a:prstGeom prst="rect">
-            <a:avLst/>
-          </a:prstGeom>
-          <a:noFill/>
-          <a:ln>
-            <a:noFill/>
-          </a:ln>
-        </p:spPr>
-      </p:pic>
-      <p:pic>
-        <p:nvPicPr>
-          <p:cNvPr id="488" name="Google Shape;488;p58"/>
-          <p:cNvPicPr preferRelativeResize="0"/>
-          <p:nvPr/>
-        </p:nvPicPr>
-        <p:blipFill>
-          <a:blip r:embed="rId4">
-            <a:alphaModFix/>
-          </a:blip>
-          <a:stretch>
-            <a:fillRect/>
-          </a:stretch>
-        </p:blipFill>
-        <p:spPr>
-          <a:xfrm>
-            <a:off x="1697642" y="2603867"/>
-            <a:ext cx="515875" cy="244894"/>
           </a:xfrm>
           <a:prstGeom prst="rect">
             <a:avLst/>
@@ -22887,7 +22917,7 @@
         </p:blipFill>
         <p:spPr>
           <a:xfrm>
-            <a:off x="4774267" y="3429617"/>
+            <a:off x="1697642" y="2603867"/>
             <a:ext cx="515875" cy="244894"/>
           </a:xfrm>
           <a:prstGeom prst="rect">
@@ -22902,6 +22932,34 @@
       <p:pic>
         <p:nvPicPr>
           <p:cNvPr id="490" name="Google Shape;490;p58"/>
+          <p:cNvPicPr preferRelativeResize="0"/>
+          <p:nvPr/>
+        </p:nvPicPr>
+        <p:blipFill>
+          <a:blip r:embed="rId4">
+            <a:alphaModFix/>
+          </a:blip>
+          <a:stretch>
+            <a:fillRect/>
+          </a:stretch>
+        </p:blipFill>
+        <p:spPr>
+          <a:xfrm>
+            <a:off x="4774267" y="3429617"/>
+            <a:ext cx="515875" cy="244894"/>
+          </a:xfrm>
+          <a:prstGeom prst="rect">
+            <a:avLst/>
+          </a:prstGeom>
+          <a:noFill/>
+          <a:ln>
+            <a:noFill/>
+          </a:ln>
+        </p:spPr>
+      </p:pic>
+      <p:pic>
+        <p:nvPicPr>
+          <p:cNvPr id="491" name="Google Shape;491;p58"/>
           <p:cNvPicPr preferRelativeResize="0"/>
           <p:nvPr/>
         </p:nvPicPr>
@@ -22927,49 +22985,6 @@
           </a:ln>
         </p:spPr>
       </p:pic>
-      <p:sp>
-        <p:nvSpPr>
-          <p:cNvPr id="491" name="Google Shape;491;p58"/>
-          <p:cNvSpPr/>
-          <p:nvPr/>
-        </p:nvSpPr>
-        <p:spPr>
-          <a:xfrm>
-            <a:off x="362700" y="4191400"/>
-            <a:ext cx="8469600" cy="819900"/>
-          </a:xfrm>
-          <a:prstGeom prst="rect">
-            <a:avLst/>
-          </a:prstGeom>
-          <a:solidFill>
-            <a:srgbClr val="FFFFFF"/>
-          </a:solidFill>
-          <a:ln>
-            <a:noFill/>
-          </a:ln>
-        </p:spPr>
-        <p:txBody>
-          <a:bodyPr anchorCtr="0" anchor="ctr" bIns="91425" lIns="91425" spcFirstLastPara="1" rIns="91425" wrap="square" tIns="91425">
-            <a:noAutofit/>
-          </a:bodyPr>
-          <a:lstStyle/>
-          <a:p>
-            <a:pPr indent="0" lvl="0" marL="0" rtl="0" algn="l">
-              <a:spcBef>
-                <a:spcPts val="0"/>
-              </a:spcBef>
-              <a:spcAft>
-                <a:spcPts val="0"/>
-              </a:spcAft>
-              <a:buNone/>
-            </a:pPr>
-            <a:r>
-              <a:t/>
-            </a:r>
-            <a:endParaRPr/>
-          </a:p>
-        </p:txBody>
-      </p:sp>
     </p:spTree>
   </p:cSld>
   <p:clrMapOvr>
@@ -23029,7 +23044,7 @@
             </a:pPr>
             <a:r>
               <a:rPr lang="en"/>
-              <a:t>No free lunch...</a:t>
+              <a:t>Recap</a:t>
             </a:r>
             <a:endParaRPr/>
           </a:p>
@@ -23045,8 +23060,8 @@
         </p:nvSpPr>
         <p:spPr>
           <a:xfrm>
-            <a:off x="311700" y="771475"/>
-            <a:ext cx="8520600" cy="4136100"/>
+            <a:off x="311700" y="1334500"/>
+            <a:ext cx="8520600" cy="2540400"/>
           </a:xfrm>
           <a:prstGeom prst="rect">
             <a:avLst/>
@@ -23058,14 +23073,21 @@
           </a:bodyPr>
           <a:lstStyle/>
           <a:p>
-            <a:pPr indent="0" lvl="0" marL="0" rtl="0" algn="l">
-              <a:spcBef>
-                <a:spcPts val="0"/>
-              </a:spcBef>
-              <a:spcAft>
-                <a:spcPts val="0"/>
-              </a:spcAft>
-              <a:buNone/>
+            <a:pPr indent="-355600" lvl="0" marL="457200" marR="0" rtl="0" algn="l">
+              <a:lnSpc>
+                <a:spcPct val="150000"/>
+              </a:lnSpc>
+              <a:spcBef>
+                <a:spcPts val="0"/>
+              </a:spcBef>
+              <a:spcAft>
+                <a:spcPts val="0"/>
+              </a:spcAft>
+              <a:buClr>
+                <a:srgbClr val="000000"/>
+              </a:buClr>
+              <a:buSzPts val="2000"/>
+              <a:buChar char="●"/>
             </a:pPr>
             <a:r>
               <a:rPr lang="en" sz="2000">
@@ -23073,7 +23095,7 @@
                   <a:srgbClr val="000000"/>
                 </a:solidFill>
               </a:rPr>
-              <a:t>The training is very easy and fast but there are hyper-parameters</a:t>
+              <a:t>The network nodes each have distinct dynamical behavior</a:t>
             </a:r>
             <a:endParaRPr sz="2000">
               <a:solidFill>
@@ -23082,12 +23104,12 @@
             </a:endParaRPr>
           </a:p>
           <a:p>
-            <a:pPr indent="-355600" lvl="0" marL="457200" rtl="0" algn="l">
+            <a:pPr indent="-355600" lvl="0" marL="457200" marR="0" rtl="0" algn="l">
               <a:lnSpc>
                 <a:spcPct val="150000"/>
               </a:lnSpc>
               <a:spcBef>
-                <a:spcPts val="1600"/>
+                <a:spcPts val="0"/>
               </a:spcBef>
               <a:spcAft>
                 <a:spcPts val="0"/>
@@ -23104,7 +23126,7 @@
                   <a:srgbClr val="000000"/>
                 </a:solidFill>
               </a:rPr>
-              <a:t>Optimize for </a:t>
+              <a:t>Time delays of signal may occur along the network links</a:t>
             </a:r>
             <a:endParaRPr sz="2000">
               <a:solidFill>
@@ -23113,7 +23135,10 @@
             </a:endParaRPr>
           </a:p>
           <a:p>
-            <a:pPr indent="-355600" lvl="0" marL="457200" rtl="0" algn="l">
+            <a:pPr indent="-355600" lvl="0" marL="457200" marR="0" rtl="0" algn="l">
+              <a:lnSpc>
+                <a:spcPct val="150000"/>
+              </a:lnSpc>
               <a:spcBef>
                 <a:spcPts val="0"/>
               </a:spcBef>
@@ -23132,7 +23157,7 @@
                   <a:srgbClr val="000000"/>
                 </a:solidFill>
               </a:rPr>
-              <a:t>Hyper-parameters that govern the random generation of the weights</a:t>
+              <a:t>The network hidden part has recurrent connections</a:t>
             </a:r>
             <a:endParaRPr sz="2000">
               <a:solidFill>
@@ -23141,7 +23166,10 @@
             </a:endParaRPr>
           </a:p>
           <a:p>
-            <a:pPr indent="-355600" lvl="1" marL="914400" rtl="0" algn="l">
+            <a:pPr indent="-355600" lvl="0" marL="457200" marR="0" rtl="0" algn="l">
+              <a:lnSpc>
+                <a:spcPct val="150000"/>
+              </a:lnSpc>
               <a:spcBef>
                 <a:spcPts val="0"/>
               </a:spcBef>
@@ -23152,7 +23180,7 @@
                 <a:srgbClr val="000000"/>
               </a:buClr>
               <a:buSzPts val="2000"/>
-              <a:buChar char="○"/>
+              <a:buChar char="●"/>
             </a:pPr>
             <a:r>
               <a:rPr lang="en" sz="2000">
@@ -23160,7 +23188,7 @@
                   <a:srgbClr val="000000"/>
                 </a:solidFill>
               </a:rPr>
-              <a:t>The degree of a reservoir nodes D:</a:t>
+              <a:t>The input and internal weights are fixed and randomly chosen</a:t>
             </a:r>
             <a:endParaRPr sz="2000">
               <a:solidFill>
@@ -23169,7 +23197,7 @@
             </a:endParaRPr>
           </a:p>
           <a:p>
-            <a:pPr indent="-355600" lvl="2" marL="1371600" rtl="0" algn="l">
+            <a:pPr indent="-355600" lvl="0" marL="457200" marR="0" rtl="0" algn="l">
               <a:lnSpc>
                 <a:spcPct val="150000"/>
               </a:lnSpc>
@@ -23183,15 +23211,16 @@
                 <a:srgbClr val="000000"/>
               </a:buClr>
               <a:buSzPts val="2000"/>
-              <a:buChar char="➢"/>
+              <a:buFont typeface="Arial"/>
+              <a:buChar char="●"/>
             </a:pPr>
             <a:r>
               <a:rPr lang="en" sz="2000">
                 <a:solidFill>
-                  <a:schemeClr val="dk1"/>
+                  <a:srgbClr val="000000"/>
                 </a:solidFill>
               </a:rPr>
-              <a:t>        is sparse with D/N non-zero elements</a:t>
+              <a:t>Only the output weight are adjusted during the training.</a:t>
             </a:r>
             <a:endParaRPr sz="2000">
               <a:solidFill>
@@ -23199,239 +23228,8 @@
               </a:solidFill>
             </a:endParaRPr>
           </a:p>
-          <a:p>
-            <a:pPr indent="-355600" lvl="1" marL="914400" rtl="0" algn="l">
-              <a:spcBef>
-                <a:spcPts val="0"/>
-              </a:spcBef>
-              <a:spcAft>
-                <a:spcPts val="0"/>
-              </a:spcAft>
-              <a:buClr>
-                <a:srgbClr val="000000"/>
-              </a:buClr>
-              <a:buSzPts val="2000"/>
-              <a:buChar char="○"/>
-            </a:pPr>
-            <a:r>
-              <a:rPr lang="en" sz="2000">
-                <a:solidFill>
-                  <a:srgbClr val="000000"/>
-                </a:solidFill>
-              </a:rPr>
-              <a:t>The spectral radius ρ:</a:t>
-            </a:r>
-            <a:endParaRPr sz="2000">
-              <a:solidFill>
-                <a:srgbClr val="000000"/>
-              </a:solidFill>
-            </a:endParaRPr>
-          </a:p>
-          <a:p>
-            <a:pPr indent="-355600" lvl="2" marL="1371600" rtl="0" algn="l">
-              <a:spcBef>
-                <a:spcPts val="0"/>
-              </a:spcBef>
-              <a:spcAft>
-                <a:spcPts val="0"/>
-              </a:spcAft>
-              <a:buClr>
-                <a:srgbClr val="000000"/>
-              </a:buClr>
-              <a:buSzPts val="2000"/>
-              <a:buChar char="➢"/>
-            </a:pPr>
-            <a:r>
-              <a:rPr lang="en" sz="2000">
-                <a:solidFill>
-                  <a:schemeClr val="dk1"/>
-                </a:solidFill>
-              </a:rPr>
-              <a:t>The largest eigenvalue of           is ρ</a:t>
-            </a:r>
-            <a:endParaRPr sz="2000">
-              <a:solidFill>
-                <a:schemeClr val="dk1"/>
-              </a:solidFill>
-            </a:endParaRPr>
-          </a:p>
-          <a:p>
-            <a:pPr indent="-355600" lvl="1" marL="914400" rtl="0" algn="l">
-              <a:spcBef>
-                <a:spcPts val="0"/>
-              </a:spcBef>
-              <a:spcAft>
-                <a:spcPts val="0"/>
-              </a:spcAft>
-              <a:buClr>
-                <a:schemeClr val="dk1"/>
-              </a:buClr>
-              <a:buSzPts val="2000"/>
-              <a:buChar char="○"/>
-            </a:pPr>
-            <a:r>
-              <a:rPr lang="en" sz="2000">
-                <a:solidFill>
-                  <a:schemeClr val="dk1"/>
-                </a:solidFill>
-              </a:rPr>
-              <a:t>      : initialized by a uniform distribution in the [-σ,σ]</a:t>
-            </a:r>
-            <a:br>
-              <a:rPr lang="en" sz="2000">
-                <a:solidFill>
-                  <a:schemeClr val="dk1"/>
-                </a:solidFill>
-              </a:rPr>
-            </a:br>
-            <a:endParaRPr sz="2000">
-              <a:solidFill>
-                <a:schemeClr val="dk1"/>
-              </a:solidFill>
-            </a:endParaRPr>
-          </a:p>
-          <a:p>
-            <a:pPr indent="-355600" lvl="0" marL="457200" rtl="0" algn="l">
-              <a:spcBef>
-                <a:spcPts val="0"/>
-              </a:spcBef>
-              <a:spcAft>
-                <a:spcPts val="0"/>
-              </a:spcAft>
-              <a:buClr>
-                <a:schemeClr val="dk1"/>
-              </a:buClr>
-              <a:buSzPts val="2000"/>
-              <a:buChar char="●"/>
-            </a:pPr>
-            <a:r>
-              <a:rPr lang="en" sz="2000">
-                <a:solidFill>
-                  <a:schemeClr val="dk1"/>
-                </a:solidFill>
-              </a:rPr>
-              <a:t>No systematic method to optimize the hyper-parameters</a:t>
-            </a:r>
-            <a:endParaRPr sz="2000">
-              <a:solidFill>
-                <a:schemeClr val="dk1"/>
-              </a:solidFill>
-            </a:endParaRPr>
-          </a:p>
         </p:txBody>
       </p:sp>
-      <p:pic>
-        <p:nvPicPr>
-          <p:cNvPr id="498" name="Google Shape;498;p59"/>
-          <p:cNvPicPr preferRelativeResize="0"/>
-          <p:nvPr/>
-        </p:nvPicPr>
-        <p:blipFill>
-          <a:blip r:embed="rId3">
-            <a:alphaModFix/>
-          </a:blip>
-          <a:stretch>
-            <a:fillRect/>
-          </a:stretch>
-        </p:blipFill>
-        <p:spPr>
-          <a:xfrm>
-            <a:off x="2429250" y="1472008"/>
-            <a:ext cx="545325" cy="244900"/>
-          </a:xfrm>
-          <a:prstGeom prst="rect">
-            <a:avLst/>
-          </a:prstGeom>
-          <a:noFill/>
-          <a:ln>
-            <a:noFill/>
-          </a:ln>
-        </p:spPr>
-      </p:pic>
-      <p:pic>
-        <p:nvPicPr>
-          <p:cNvPr id="499" name="Google Shape;499;p59"/>
-          <p:cNvPicPr preferRelativeResize="0"/>
-          <p:nvPr/>
-        </p:nvPicPr>
-        <p:blipFill>
-          <a:blip r:embed="rId4">
-            <a:alphaModFix/>
-          </a:blip>
-          <a:stretch>
-            <a:fillRect/>
-          </a:stretch>
-        </p:blipFill>
-        <p:spPr>
-          <a:xfrm>
-            <a:off x="1697642" y="2603867"/>
-            <a:ext cx="515875" cy="244894"/>
-          </a:xfrm>
-          <a:prstGeom prst="rect">
-            <a:avLst/>
-          </a:prstGeom>
-          <a:noFill/>
-          <a:ln>
-            <a:noFill/>
-          </a:ln>
-        </p:spPr>
-      </p:pic>
-      <p:pic>
-        <p:nvPicPr>
-          <p:cNvPr id="500" name="Google Shape;500;p59"/>
-          <p:cNvPicPr preferRelativeResize="0"/>
-          <p:nvPr/>
-        </p:nvPicPr>
-        <p:blipFill>
-          <a:blip r:embed="rId4">
-            <a:alphaModFix/>
-          </a:blip>
-          <a:stretch>
-            <a:fillRect/>
-          </a:stretch>
-        </p:blipFill>
-        <p:spPr>
-          <a:xfrm>
-            <a:off x="4774267" y="3429617"/>
-            <a:ext cx="515875" cy="244894"/>
-          </a:xfrm>
-          <a:prstGeom prst="rect">
-            <a:avLst/>
-          </a:prstGeom>
-          <a:noFill/>
-          <a:ln>
-            <a:noFill/>
-          </a:ln>
-        </p:spPr>
-      </p:pic>
-      <p:pic>
-        <p:nvPicPr>
-          <p:cNvPr id="501" name="Google Shape;501;p59"/>
-          <p:cNvPicPr preferRelativeResize="0"/>
-          <p:nvPr/>
-        </p:nvPicPr>
-        <p:blipFill>
-          <a:blip r:embed="rId5">
-            <a:alphaModFix/>
-          </a:blip>
-          <a:stretch>
-            <a:fillRect/>
-          </a:stretch>
-        </p:blipFill>
-        <p:spPr>
-          <a:xfrm>
-            <a:off x="1227574" y="3747594"/>
-            <a:ext cx="515875" cy="290906"/>
-          </a:xfrm>
-          <a:prstGeom prst="rect">
-            <a:avLst/>
-          </a:prstGeom>
-          <a:noFill/>
-          <a:ln>
-            <a:noFill/>
-          </a:ln>
-        </p:spPr>
-      </p:pic>
     </p:spTree>
   </p:cSld>
   <p:clrMapOvr>
@@ -23445,7 +23243,7 @@
   <p:cSld>
     <p:spTree>
       <p:nvGrpSpPr>
-        <p:cNvPr id="505" name="Shape 505"/>
+        <p:cNvPr id="501" name="Shape 501"/>
         <p:cNvGrpSpPr/>
         <p:nvPr/>
       </p:nvGrpSpPr>
@@ -23459,7 +23257,7 @@
       </p:grpSpPr>
       <p:sp>
         <p:nvSpPr>
-          <p:cNvPr id="506" name="Google Shape;506;p60"/>
+          <p:cNvPr id="502" name="Google Shape;502;p60"/>
           <p:cNvSpPr txBox="1"/>
           <p:nvPr>
             <p:ph type="title"/>
@@ -23491,7 +23289,7 @@
             </a:pPr>
             <a:r>
               <a:rPr lang="en"/>
-              <a:t>Recap</a:t>
+              <a:t>Example: Chaotic time series prediction</a:t>
             </a:r>
             <a:endParaRPr/>
           </a:p>
@@ -23499,7 +23297,7 @@
       </p:sp>
       <p:sp>
         <p:nvSpPr>
-          <p:cNvPr id="507" name="Google Shape;507;p60"/>
+          <p:cNvPr id="503" name="Google Shape;503;p60"/>
           <p:cNvSpPr txBox="1"/>
           <p:nvPr>
             <p:ph idx="1" type="body"/>
@@ -23507,8 +23305,8 @@
         </p:nvSpPr>
         <p:spPr>
           <a:xfrm>
-            <a:off x="311700" y="1334500"/>
-            <a:ext cx="8520600" cy="2540400"/>
+            <a:off x="311700" y="771475"/>
+            <a:ext cx="8520600" cy="384600"/>
           </a:xfrm>
           <a:prstGeom prst="rect">
             <a:avLst/>
@@ -23520,21 +23318,14 @@
           </a:bodyPr>
           <a:lstStyle/>
           <a:p>
-            <a:pPr indent="-355600" lvl="0" marL="457200" marR="0" rtl="0" algn="l">
-              <a:lnSpc>
-                <a:spcPct val="150000"/>
-              </a:lnSpc>
-              <a:spcBef>
-                <a:spcPts val="0"/>
-              </a:spcBef>
-              <a:spcAft>
-                <a:spcPts val="0"/>
-              </a:spcAft>
-              <a:buClr>
-                <a:srgbClr val="000000"/>
-              </a:buClr>
-              <a:buSzPts val="2000"/>
-              <a:buChar char="●"/>
+            <a:pPr indent="0" lvl="0" marL="0" rtl="0" algn="l">
+              <a:spcBef>
+                <a:spcPts val="0"/>
+              </a:spcBef>
+              <a:spcAft>
+                <a:spcPts val="1600"/>
+              </a:spcAft>
+              <a:buNone/>
             </a:pPr>
             <a:r>
               <a:rPr lang="en" sz="2000">
@@ -23542,7 +23333,7 @@
                   <a:srgbClr val="000000"/>
                 </a:solidFill>
               </a:rPr>
-              <a:t>The network nodes each have distinct dynamical behavior</a:t>
+              <a:t>Data</a:t>
             </a:r>
             <a:endParaRPr sz="2000">
               <a:solidFill>
@@ -23550,22 +23341,95 @@
               </a:solidFill>
             </a:endParaRPr>
           </a:p>
-          <a:p>
-            <a:pPr indent="-355600" lvl="0" marL="457200" marR="0" rtl="0" algn="l">
-              <a:lnSpc>
-                <a:spcPct val="150000"/>
-              </a:lnSpc>
-              <a:spcBef>
-                <a:spcPts val="0"/>
-              </a:spcBef>
-              <a:spcAft>
-                <a:spcPts val="0"/>
-              </a:spcAft>
-              <a:buClr>
-                <a:srgbClr val="000000"/>
-              </a:buClr>
-              <a:buSzPts val="2000"/>
-              <a:buChar char="●"/>
+        </p:txBody>
+      </p:sp>
+      <p:pic>
+        <p:nvPicPr>
+          <p:cNvPr id="504" name="Google Shape;504;p60"/>
+          <p:cNvPicPr preferRelativeResize="0"/>
+          <p:nvPr/>
+        </p:nvPicPr>
+        <p:blipFill>
+          <a:blip r:embed="rId3">
+            <a:alphaModFix/>
+          </a:blip>
+          <a:stretch>
+            <a:fillRect/>
+          </a:stretch>
+        </p:blipFill>
+        <p:spPr>
+          <a:xfrm>
+            <a:off x="152400" y="1308475"/>
+            <a:ext cx="8839207" cy="1205346"/>
+          </a:xfrm>
+          <a:prstGeom prst="rect">
+            <a:avLst/>
+          </a:prstGeom>
+          <a:noFill/>
+          <a:ln>
+            <a:noFill/>
+          </a:ln>
+        </p:spPr>
+      </p:pic>
+      <p:pic>
+        <p:nvPicPr>
+          <p:cNvPr id="505" name="Google Shape;505;p60"/>
+          <p:cNvPicPr preferRelativeResize="0"/>
+          <p:nvPr/>
+        </p:nvPicPr>
+        <p:blipFill>
+          <a:blip r:embed="rId4">
+            <a:alphaModFix/>
+          </a:blip>
+          <a:stretch>
+            <a:fillRect/>
+          </a:stretch>
+        </p:blipFill>
+        <p:spPr>
+          <a:xfrm>
+            <a:off x="152400" y="3047221"/>
+            <a:ext cx="8553065" cy="1943878"/>
+          </a:xfrm>
+          <a:prstGeom prst="rect">
+            <a:avLst/>
+          </a:prstGeom>
+          <a:noFill/>
+          <a:ln>
+            <a:noFill/>
+          </a:ln>
+        </p:spPr>
+      </p:pic>
+      <p:sp>
+        <p:nvSpPr>
+          <p:cNvPr id="506" name="Google Shape;506;p60"/>
+          <p:cNvSpPr txBox="1"/>
+          <p:nvPr>
+            <p:ph idx="1" type="body"/>
+          </p:nvPr>
+        </p:nvSpPr>
+        <p:spPr>
+          <a:xfrm>
+            <a:off x="311700" y="2676475"/>
+            <a:ext cx="8520600" cy="384600"/>
+          </a:xfrm>
+          <a:prstGeom prst="rect">
+            <a:avLst/>
+          </a:prstGeom>
+        </p:spPr>
+        <p:txBody>
+          <a:bodyPr anchorCtr="0" anchor="t" bIns="91425" lIns="91425" spcFirstLastPara="1" rIns="91425" wrap="square" tIns="91425">
+            <a:noAutofit/>
+          </a:bodyPr>
+          <a:lstStyle/>
+          <a:p>
+            <a:pPr indent="0" lvl="0" marL="0" rtl="0" algn="l">
+              <a:spcBef>
+                <a:spcPts val="0"/>
+              </a:spcBef>
+              <a:spcAft>
+                <a:spcPts val="1600"/>
+              </a:spcAft>
+              <a:buNone/>
             </a:pPr>
             <a:r>
               <a:rPr lang="en" sz="2000">
@@ -23573,101 +23437,7 @@
                   <a:srgbClr val="000000"/>
                 </a:solidFill>
               </a:rPr>
-              <a:t>Time delays of signal may occur along the network links</a:t>
-            </a:r>
-            <a:endParaRPr sz="2000">
-              <a:solidFill>
-                <a:srgbClr val="000000"/>
-              </a:solidFill>
-            </a:endParaRPr>
-          </a:p>
-          <a:p>
-            <a:pPr indent="-355600" lvl="0" marL="457200" marR="0" rtl="0" algn="l">
-              <a:lnSpc>
-                <a:spcPct val="150000"/>
-              </a:lnSpc>
-              <a:spcBef>
-                <a:spcPts val="0"/>
-              </a:spcBef>
-              <a:spcAft>
-                <a:spcPts val="0"/>
-              </a:spcAft>
-              <a:buClr>
-                <a:srgbClr val="000000"/>
-              </a:buClr>
-              <a:buSzPts val="2000"/>
-              <a:buChar char="●"/>
-            </a:pPr>
-            <a:r>
-              <a:rPr lang="en" sz="2000">
-                <a:solidFill>
-                  <a:srgbClr val="000000"/>
-                </a:solidFill>
-              </a:rPr>
-              <a:t>The network hidden part has recurrent connections</a:t>
-            </a:r>
-            <a:endParaRPr sz="2000">
-              <a:solidFill>
-                <a:srgbClr val="000000"/>
-              </a:solidFill>
-            </a:endParaRPr>
-          </a:p>
-          <a:p>
-            <a:pPr indent="-355600" lvl="0" marL="457200" marR="0" rtl="0" algn="l">
-              <a:lnSpc>
-                <a:spcPct val="150000"/>
-              </a:lnSpc>
-              <a:spcBef>
-                <a:spcPts val="0"/>
-              </a:spcBef>
-              <a:spcAft>
-                <a:spcPts val="0"/>
-              </a:spcAft>
-              <a:buClr>
-                <a:srgbClr val="000000"/>
-              </a:buClr>
-              <a:buSzPts val="2000"/>
-              <a:buChar char="●"/>
-            </a:pPr>
-            <a:r>
-              <a:rPr lang="en" sz="2000">
-                <a:solidFill>
-                  <a:srgbClr val="000000"/>
-                </a:solidFill>
-              </a:rPr>
-              <a:t>The input and internal weights are fixed and randomly chosen</a:t>
-            </a:r>
-            <a:endParaRPr sz="2000">
-              <a:solidFill>
-                <a:srgbClr val="000000"/>
-              </a:solidFill>
-            </a:endParaRPr>
-          </a:p>
-          <a:p>
-            <a:pPr indent="-355600" lvl="0" marL="457200" marR="0" rtl="0" algn="l">
-              <a:lnSpc>
-                <a:spcPct val="150000"/>
-              </a:lnSpc>
-              <a:spcBef>
-                <a:spcPts val="0"/>
-              </a:spcBef>
-              <a:spcAft>
-                <a:spcPts val="0"/>
-              </a:spcAft>
-              <a:buClr>
-                <a:srgbClr val="000000"/>
-              </a:buClr>
-              <a:buSzPts val="2000"/>
-              <a:buFont typeface="Arial"/>
-              <a:buChar char="●"/>
-            </a:pPr>
-            <a:r>
-              <a:rPr lang="en" sz="2000">
-                <a:solidFill>
-                  <a:srgbClr val="000000"/>
-                </a:solidFill>
-              </a:rPr>
-              <a:t>Only the output weight are adjusted during the training.</a:t>
+              <a:t>RC implementation</a:t>
             </a:r>
             <a:endParaRPr sz="2000">
               <a:solidFill>
@@ -23690,7 +23460,7 @@
   <p:cSld>
     <p:spTree>
       <p:nvGrpSpPr>
-        <p:cNvPr id="511" name="Shape 511"/>
+        <p:cNvPr id="510" name="Shape 510"/>
         <p:cNvGrpSpPr/>
         <p:nvPr/>
       </p:nvGrpSpPr>
@@ -23702,97 +23472,9 @@
           <a:chExt cx="0" cy="0"/>
         </a:xfrm>
       </p:grpSpPr>
-      <p:sp>
-        <p:nvSpPr>
-          <p:cNvPr id="512" name="Google Shape;512;p61"/>
-          <p:cNvSpPr txBox="1"/>
-          <p:nvPr>
-            <p:ph type="title"/>
-          </p:nvPr>
-        </p:nvSpPr>
-        <p:spPr>
-          <a:xfrm>
-            <a:off x="311700" y="140225"/>
-            <a:ext cx="8520600" cy="572700"/>
-          </a:xfrm>
-          <a:prstGeom prst="rect">
-            <a:avLst/>
-          </a:prstGeom>
-        </p:spPr>
-        <p:txBody>
-          <a:bodyPr anchorCtr="0" anchor="t" bIns="91425" lIns="91425" spcFirstLastPara="1" rIns="91425" wrap="square" tIns="91425">
-            <a:noAutofit/>
-          </a:bodyPr>
-          <a:lstStyle/>
-          <a:p>
-            <a:pPr indent="0" lvl="0" marL="0" rtl="0" algn="l">
-              <a:spcBef>
-                <a:spcPts val="0"/>
-              </a:spcBef>
-              <a:spcAft>
-                <a:spcPts val="0"/>
-              </a:spcAft>
-              <a:buNone/>
-            </a:pPr>
-            <a:r>
-              <a:rPr lang="en"/>
-              <a:t>Example: Chaotic time series prediction</a:t>
-            </a:r>
-            <a:endParaRPr/>
-          </a:p>
-        </p:txBody>
-      </p:sp>
-      <p:sp>
-        <p:nvSpPr>
-          <p:cNvPr id="513" name="Google Shape;513;p61"/>
-          <p:cNvSpPr txBox="1"/>
-          <p:nvPr>
-            <p:ph idx="1" type="body"/>
-          </p:nvPr>
-        </p:nvSpPr>
-        <p:spPr>
-          <a:xfrm>
-            <a:off x="311700" y="771475"/>
-            <a:ext cx="8520600" cy="384600"/>
-          </a:xfrm>
-          <a:prstGeom prst="rect">
-            <a:avLst/>
-          </a:prstGeom>
-        </p:spPr>
-        <p:txBody>
-          <a:bodyPr anchorCtr="0" anchor="t" bIns="91425" lIns="91425" spcFirstLastPara="1" rIns="91425" wrap="square" tIns="91425">
-            <a:noAutofit/>
-          </a:bodyPr>
-          <a:lstStyle/>
-          <a:p>
-            <a:pPr indent="0" lvl="0" marL="0" rtl="0" algn="l">
-              <a:spcBef>
-                <a:spcPts val="0"/>
-              </a:spcBef>
-              <a:spcAft>
-                <a:spcPts val="1600"/>
-              </a:spcAft>
-              <a:buNone/>
-            </a:pPr>
-            <a:r>
-              <a:rPr lang="en" sz="2000">
-                <a:solidFill>
-                  <a:srgbClr val="000000"/>
-                </a:solidFill>
-              </a:rPr>
-              <a:t>Data</a:t>
-            </a:r>
-            <a:endParaRPr sz="2000">
-              <a:solidFill>
-                <a:srgbClr val="000000"/>
-              </a:solidFill>
-            </a:endParaRPr>
-          </a:p>
-        </p:txBody>
-      </p:sp>
       <p:pic>
         <p:nvPicPr>
-          <p:cNvPr id="514" name="Google Shape;514;p61"/>
+          <p:cNvPr id="511" name="Google Shape;511;p61"/>
           <p:cNvPicPr preferRelativeResize="0"/>
           <p:nvPr/>
         </p:nvPicPr>
@@ -23806,8 +23488,8 @@
         </p:blipFill>
         <p:spPr>
           <a:xfrm>
-            <a:off x="152400" y="1308475"/>
-            <a:ext cx="8839207" cy="1205346"/>
+            <a:off x="445150" y="771150"/>
+            <a:ext cx="8115525" cy="2768275"/>
           </a:xfrm>
           <a:prstGeom prst="rect">
             <a:avLst/>
@@ -23818,9 +23500,49 @@
           </a:ln>
         </p:spPr>
       </p:pic>
+      <p:sp>
+        <p:nvSpPr>
+          <p:cNvPr id="512" name="Google Shape;512;p61"/>
+          <p:cNvSpPr txBox="1"/>
+          <p:nvPr>
+            <p:ph type="title"/>
+          </p:nvPr>
+        </p:nvSpPr>
+        <p:spPr>
+          <a:xfrm>
+            <a:off x="311700" y="140225"/>
+            <a:ext cx="8520600" cy="572700"/>
+          </a:xfrm>
+          <a:prstGeom prst="rect">
+            <a:avLst/>
+          </a:prstGeom>
+        </p:spPr>
+        <p:txBody>
+          <a:bodyPr anchorCtr="0" anchor="t" bIns="91425" lIns="91425" spcFirstLastPara="1" rIns="91425" wrap="square" tIns="91425">
+            <a:noAutofit/>
+          </a:bodyPr>
+          <a:lstStyle/>
+          <a:p>
+            <a:pPr indent="0" lvl="0" marL="0" rtl="0" algn="l">
+              <a:spcBef>
+                <a:spcPts val="0"/>
+              </a:spcBef>
+              <a:spcAft>
+                <a:spcPts val="0"/>
+              </a:spcAft>
+              <a:buNone/>
+            </a:pPr>
+            <a:r>
+              <a:rPr lang="en"/>
+              <a:t>Example: Chaotic time series prediction</a:t>
+            </a:r>
+            <a:endParaRPr/>
+          </a:p>
+        </p:txBody>
+      </p:sp>
       <p:pic>
         <p:nvPicPr>
-          <p:cNvPr id="515" name="Google Shape;515;p61"/>
+          <p:cNvPr id="513" name="Google Shape;513;p61"/>
           <p:cNvPicPr preferRelativeResize="0"/>
           <p:nvPr/>
         </p:nvPicPr>
@@ -23834,8 +23556,8 @@
         </p:blipFill>
         <p:spPr>
           <a:xfrm>
-            <a:off x="152400" y="3047221"/>
-            <a:ext cx="8553065" cy="1943878"/>
+            <a:off x="152400" y="3691825"/>
+            <a:ext cx="8839207" cy="1205346"/>
           </a:xfrm>
           <a:prstGeom prst="rect">
             <a:avLst/>
@@ -23846,54 +23568,6 @@
           </a:ln>
         </p:spPr>
       </p:pic>
-      <p:sp>
-        <p:nvSpPr>
-          <p:cNvPr id="516" name="Google Shape;516;p61"/>
-          <p:cNvSpPr txBox="1"/>
-          <p:nvPr>
-            <p:ph idx="1" type="body"/>
-          </p:nvPr>
-        </p:nvSpPr>
-        <p:spPr>
-          <a:xfrm>
-            <a:off x="311700" y="2676475"/>
-            <a:ext cx="8520600" cy="384600"/>
-          </a:xfrm>
-          <a:prstGeom prst="rect">
-            <a:avLst/>
-          </a:prstGeom>
-        </p:spPr>
-        <p:txBody>
-          <a:bodyPr anchorCtr="0" anchor="t" bIns="91425" lIns="91425" spcFirstLastPara="1" rIns="91425" wrap="square" tIns="91425">
-            <a:noAutofit/>
-          </a:bodyPr>
-          <a:lstStyle/>
-          <a:p>
-            <a:pPr indent="0" lvl="0" marL="0" rtl="0" algn="l">
-              <a:spcBef>
-                <a:spcPts val="0"/>
-              </a:spcBef>
-              <a:spcAft>
-                <a:spcPts val="1600"/>
-              </a:spcAft>
-              <a:buNone/>
-            </a:pPr>
-            <a:r>
-              <a:rPr lang="en" sz="2000">
-                <a:solidFill>
-                  <a:srgbClr val="000000"/>
-                </a:solidFill>
-              </a:rPr>
-              <a:t>RC implementation</a:t>
-            </a:r>
-            <a:endParaRPr sz="2000">
-              <a:solidFill>
-                <a:srgbClr val="000000"/>
-              </a:solidFill>
-            </a:endParaRPr>
-          </a:p>
-        </p:txBody>
-      </p:sp>
     </p:spTree>
   </p:cSld>
   <p:clrMapOvr>
@@ -24078,7 +23752,7 @@
   <p:cSld>
     <p:spTree>
       <p:nvGrpSpPr>
-        <p:cNvPr id="520" name="Shape 520"/>
+        <p:cNvPr id="517" name="Shape 517"/>
         <p:cNvGrpSpPr/>
         <p:nvPr/>
       </p:nvGrpSpPr>
@@ -24090,9 +23764,223 @@
           <a:chExt cx="0" cy="0"/>
         </a:xfrm>
       </p:grpSpPr>
+      <p:sp>
+        <p:nvSpPr>
+          <p:cNvPr id="518" name="Google Shape;518;p62"/>
+          <p:cNvSpPr txBox="1"/>
+          <p:nvPr>
+            <p:ph type="title"/>
+          </p:nvPr>
+        </p:nvSpPr>
+        <p:spPr>
+          <a:xfrm>
+            <a:off x="311700" y="140225"/>
+            <a:ext cx="8520600" cy="572700"/>
+          </a:xfrm>
+          <a:prstGeom prst="rect">
+            <a:avLst/>
+          </a:prstGeom>
+        </p:spPr>
+        <p:txBody>
+          <a:bodyPr anchorCtr="0" anchor="t" bIns="91425" lIns="91425" spcFirstLastPara="1" rIns="91425" wrap="square" tIns="91425">
+            <a:noAutofit/>
+          </a:bodyPr>
+          <a:lstStyle/>
+          <a:p>
+            <a:pPr indent="0" lvl="0" marL="0" rtl="0" algn="l">
+              <a:spcBef>
+                <a:spcPts val="0"/>
+              </a:spcBef>
+              <a:spcAft>
+                <a:spcPts val="0"/>
+              </a:spcAft>
+              <a:buNone/>
+            </a:pPr>
+            <a:r>
+              <a:rPr lang="en"/>
+              <a:t>Reservoir Computing</a:t>
+            </a:r>
+            <a:endParaRPr/>
+          </a:p>
+        </p:txBody>
+      </p:sp>
+      <p:sp>
+        <p:nvSpPr>
+          <p:cNvPr id="519" name="Google Shape;519;p62"/>
+          <p:cNvSpPr txBox="1"/>
+          <p:nvPr>
+            <p:ph idx="1" type="body"/>
+          </p:nvPr>
+        </p:nvSpPr>
+        <p:spPr>
+          <a:xfrm>
+            <a:off x="311700" y="2858500"/>
+            <a:ext cx="8520600" cy="1881000"/>
+          </a:xfrm>
+          <a:prstGeom prst="rect">
+            <a:avLst/>
+          </a:prstGeom>
+        </p:spPr>
+        <p:txBody>
+          <a:bodyPr anchorCtr="0" anchor="t" bIns="91425" lIns="91425" spcFirstLastPara="1" rIns="91425" wrap="square" tIns="91425">
+            <a:noAutofit/>
+          </a:bodyPr>
+          <a:lstStyle/>
+          <a:p>
+            <a:pPr indent="-355600" lvl="0" marL="457200" marR="0" rtl="0" algn="l">
+              <a:lnSpc>
+                <a:spcPct val="115000"/>
+              </a:lnSpc>
+              <a:spcBef>
+                <a:spcPts val="0"/>
+              </a:spcBef>
+              <a:spcAft>
+                <a:spcPts val="0"/>
+              </a:spcAft>
+              <a:buClr>
+                <a:srgbClr val="000000"/>
+              </a:buClr>
+              <a:buSzPts val="2000"/>
+              <a:buFont typeface="Arial"/>
+              <a:buChar char="●"/>
+            </a:pPr>
+            <a:r>
+              <a:rPr lang="en" sz="2000">
+                <a:solidFill>
+                  <a:srgbClr val="000000"/>
+                </a:solidFill>
+              </a:rPr>
+              <a:t>Forecasting the weather</a:t>
+            </a:r>
+            <a:endParaRPr sz="2000">
+              <a:solidFill>
+                <a:srgbClr val="000000"/>
+              </a:solidFill>
+            </a:endParaRPr>
+          </a:p>
+          <a:p>
+            <a:pPr indent="-355600" lvl="0" marL="457200" rtl="0" algn="l">
+              <a:lnSpc>
+                <a:spcPct val="115000"/>
+              </a:lnSpc>
+              <a:spcBef>
+                <a:spcPts val="0"/>
+              </a:spcBef>
+              <a:spcAft>
+                <a:spcPts val="0"/>
+              </a:spcAft>
+              <a:buClr>
+                <a:srgbClr val="000000"/>
+              </a:buClr>
+              <a:buSzPts val="2000"/>
+              <a:buChar char="●"/>
+            </a:pPr>
+            <a:r>
+              <a:rPr lang="en" sz="2000">
+                <a:solidFill>
+                  <a:srgbClr val="000000"/>
+                </a:solidFill>
+              </a:rPr>
+              <a:t>Controlling complex dynamical systems</a:t>
+            </a:r>
+            <a:endParaRPr sz="2000">
+              <a:solidFill>
+                <a:srgbClr val="000000"/>
+              </a:solidFill>
+            </a:endParaRPr>
+          </a:p>
+          <a:p>
+            <a:pPr indent="-355600" lvl="0" marL="457200" rtl="0" algn="l">
+              <a:lnSpc>
+                <a:spcPct val="115000"/>
+              </a:lnSpc>
+              <a:spcBef>
+                <a:spcPts val="0"/>
+              </a:spcBef>
+              <a:spcAft>
+                <a:spcPts val="0"/>
+              </a:spcAft>
+              <a:buClr>
+                <a:srgbClr val="000000"/>
+              </a:buClr>
+              <a:buSzPts val="2000"/>
+              <a:buChar char="●"/>
+            </a:pPr>
+            <a:r>
+              <a:rPr lang="en" sz="2000">
+                <a:solidFill>
+                  <a:srgbClr val="000000"/>
+                </a:solidFill>
+              </a:rPr>
+              <a:t>Predicting and analyzing time series</a:t>
+            </a:r>
+            <a:endParaRPr sz="2000">
+              <a:solidFill>
+                <a:srgbClr val="000000"/>
+              </a:solidFill>
+            </a:endParaRPr>
+          </a:p>
+          <a:p>
+            <a:pPr indent="-355600" lvl="0" marL="457200" rtl="0" algn="l">
+              <a:spcBef>
+                <a:spcPts val="0"/>
+              </a:spcBef>
+              <a:spcAft>
+                <a:spcPts val="0"/>
+              </a:spcAft>
+              <a:buClr>
+                <a:srgbClr val="000000"/>
+              </a:buClr>
+              <a:buSzPts val="2000"/>
+              <a:buChar char="●"/>
+            </a:pPr>
+            <a:r>
+              <a:rPr lang="en" sz="2000">
+                <a:solidFill>
+                  <a:schemeClr val="dk1"/>
+                </a:solidFill>
+              </a:rPr>
+              <a:t>Pattern recognition</a:t>
+            </a:r>
+            <a:endParaRPr sz="2000">
+              <a:solidFill>
+                <a:schemeClr val="dk1"/>
+              </a:solidFill>
+            </a:endParaRPr>
+          </a:p>
+          <a:p>
+            <a:pPr indent="-355600" lvl="1" marL="914400" rtl="0" algn="l">
+              <a:spcBef>
+                <a:spcPts val="0"/>
+              </a:spcBef>
+              <a:spcAft>
+                <a:spcPts val="0"/>
+              </a:spcAft>
+              <a:buClr>
+                <a:schemeClr val="dk1"/>
+              </a:buClr>
+              <a:buSzPts val="2000"/>
+              <a:buChar char="○"/>
+            </a:pPr>
+            <a:r>
+              <a:rPr lang="en" sz="2000">
+                <a:solidFill>
+                  <a:schemeClr val="dk1"/>
+                </a:solidFill>
+              </a:rPr>
+              <a:t>more...</a:t>
+            </a:r>
+            <a:endParaRPr sz="2000">
+              <a:solidFill>
+                <a:schemeClr val="dk1"/>
+              </a:solidFill>
+            </a:endParaRPr>
+          </a:p>
+        </p:txBody>
+      </p:sp>
       <p:pic>
         <p:nvPicPr>
-          <p:cNvPr id="521" name="Google Shape;521;p62"/>
+          <p:cNvPr id="520" name="Google Shape;520;p62"/>
           <p:cNvPicPr preferRelativeResize="0"/>
           <p:nvPr/>
         </p:nvPicPr>
@@ -24106,76 +23994,8 @@
         </p:blipFill>
         <p:spPr>
           <a:xfrm>
-            <a:off x="445150" y="771150"/>
-            <a:ext cx="8115525" cy="2768275"/>
-          </a:xfrm>
-          <a:prstGeom prst="rect">
-            <a:avLst/>
-          </a:prstGeom>
-          <a:noFill/>
-          <a:ln>
-            <a:noFill/>
-          </a:ln>
-        </p:spPr>
-      </p:pic>
-      <p:sp>
-        <p:nvSpPr>
-          <p:cNvPr id="522" name="Google Shape;522;p62"/>
-          <p:cNvSpPr txBox="1"/>
-          <p:nvPr>
-            <p:ph type="title"/>
-          </p:nvPr>
-        </p:nvSpPr>
-        <p:spPr>
-          <a:xfrm>
-            <a:off x="311700" y="140225"/>
-            <a:ext cx="8520600" cy="572700"/>
-          </a:xfrm>
-          <a:prstGeom prst="rect">
-            <a:avLst/>
-          </a:prstGeom>
-        </p:spPr>
-        <p:txBody>
-          <a:bodyPr anchorCtr="0" anchor="t" bIns="91425" lIns="91425" spcFirstLastPara="1" rIns="91425" wrap="square" tIns="91425">
-            <a:noAutofit/>
-          </a:bodyPr>
-          <a:lstStyle/>
-          <a:p>
-            <a:pPr indent="0" lvl="0" marL="0" rtl="0" algn="l">
-              <a:spcBef>
-                <a:spcPts val="0"/>
-              </a:spcBef>
-              <a:spcAft>
-                <a:spcPts val="0"/>
-              </a:spcAft>
-              <a:buNone/>
-            </a:pPr>
-            <a:r>
-              <a:rPr lang="en"/>
-              <a:t>Example: Chaotic time series prediction</a:t>
-            </a:r>
-            <a:endParaRPr/>
-          </a:p>
-        </p:txBody>
-      </p:sp>
-      <p:pic>
-        <p:nvPicPr>
-          <p:cNvPr id="523" name="Google Shape;523;p62"/>
-          <p:cNvPicPr preferRelativeResize="0"/>
-          <p:nvPr/>
-        </p:nvPicPr>
-        <p:blipFill>
-          <a:blip r:embed="rId4">
-            <a:alphaModFix/>
-          </a:blip>
-          <a:stretch>
-            <a:fillRect/>
-          </a:stretch>
-        </p:blipFill>
-        <p:spPr>
-          <a:xfrm>
-            <a:off x="152400" y="3691825"/>
-            <a:ext cx="8839207" cy="1205346"/>
+            <a:off x="2088612" y="789125"/>
+            <a:ext cx="4668237" cy="1881000"/>
           </a:xfrm>
           <a:prstGeom prst="rect">
             <a:avLst/>
@@ -24199,7 +24019,7 @@
   <p:cSld>
     <p:spTree>
       <p:nvGrpSpPr>
-        <p:cNvPr id="527" name="Shape 527"/>
+        <p:cNvPr id="524" name="Shape 524"/>
         <p:cNvGrpSpPr/>
         <p:nvPr/>
       </p:nvGrpSpPr>
@@ -24213,7 +24033,7 @@
       </p:grpSpPr>
       <p:sp>
         <p:nvSpPr>
-          <p:cNvPr id="528" name="Google Shape;528;p63"/>
+          <p:cNvPr id="525" name="Google Shape;525;p63"/>
           <p:cNvSpPr txBox="1"/>
           <p:nvPr>
             <p:ph type="title"/>
@@ -24221,7 +24041,7 @@
         </p:nvSpPr>
         <p:spPr>
           <a:xfrm>
-            <a:off x="311700" y="140225"/>
+            <a:off x="311700" y="445025"/>
             <a:ext cx="8520600" cy="572700"/>
           </a:xfrm>
           <a:prstGeom prst="rect">
@@ -24244,8 +24064,7 @@
               <a:buNone/>
             </a:pPr>
             <a:r>
-              <a:rPr lang="en"/>
-              <a:t>Reservoir Computing</a:t>
+              <a:t/>
             </a:r>
             <a:endParaRPr/>
           </a:p>
@@ -24253,273 +24072,7 @@
       </p:sp>
       <p:sp>
         <p:nvSpPr>
-          <p:cNvPr id="529" name="Google Shape;529;p63"/>
-          <p:cNvSpPr txBox="1"/>
-          <p:nvPr>
-            <p:ph idx="1" type="body"/>
-          </p:nvPr>
-        </p:nvSpPr>
-        <p:spPr>
-          <a:xfrm>
-            <a:off x="311700" y="2858500"/>
-            <a:ext cx="8520600" cy="1881000"/>
-          </a:xfrm>
-          <a:prstGeom prst="rect">
-            <a:avLst/>
-          </a:prstGeom>
-        </p:spPr>
-        <p:txBody>
-          <a:bodyPr anchorCtr="0" anchor="t" bIns="91425" lIns="91425" spcFirstLastPara="1" rIns="91425" wrap="square" tIns="91425">
-            <a:noAutofit/>
-          </a:bodyPr>
-          <a:lstStyle/>
-          <a:p>
-            <a:pPr indent="-355600" lvl="0" marL="457200" marR="0" rtl="0" algn="l">
-              <a:lnSpc>
-                <a:spcPct val="115000"/>
-              </a:lnSpc>
-              <a:spcBef>
-                <a:spcPts val="0"/>
-              </a:spcBef>
-              <a:spcAft>
-                <a:spcPts val="0"/>
-              </a:spcAft>
-              <a:buClr>
-                <a:srgbClr val="000000"/>
-              </a:buClr>
-              <a:buSzPts val="2000"/>
-              <a:buFont typeface="Arial"/>
-              <a:buChar char="●"/>
-            </a:pPr>
-            <a:r>
-              <a:rPr lang="en" sz="2000">
-                <a:solidFill>
-                  <a:srgbClr val="000000"/>
-                </a:solidFill>
-              </a:rPr>
-              <a:t>Forecasting the weather</a:t>
-            </a:r>
-            <a:endParaRPr sz="2000">
-              <a:solidFill>
-                <a:srgbClr val="000000"/>
-              </a:solidFill>
-            </a:endParaRPr>
-          </a:p>
-          <a:p>
-            <a:pPr indent="-355600" lvl="0" marL="457200" rtl="0" algn="l">
-              <a:lnSpc>
-                <a:spcPct val="115000"/>
-              </a:lnSpc>
-              <a:spcBef>
-                <a:spcPts val="0"/>
-              </a:spcBef>
-              <a:spcAft>
-                <a:spcPts val="0"/>
-              </a:spcAft>
-              <a:buClr>
-                <a:srgbClr val="000000"/>
-              </a:buClr>
-              <a:buSzPts val="2000"/>
-              <a:buChar char="●"/>
-            </a:pPr>
-            <a:r>
-              <a:rPr lang="en" sz="2000">
-                <a:solidFill>
-                  <a:srgbClr val="000000"/>
-                </a:solidFill>
-              </a:rPr>
-              <a:t>Controlling complex dynamical systems</a:t>
-            </a:r>
-            <a:endParaRPr sz="2000">
-              <a:solidFill>
-                <a:srgbClr val="000000"/>
-              </a:solidFill>
-            </a:endParaRPr>
-          </a:p>
-          <a:p>
-            <a:pPr indent="-355600" lvl="0" marL="457200" rtl="0" algn="l">
-              <a:lnSpc>
-                <a:spcPct val="115000"/>
-              </a:lnSpc>
-              <a:spcBef>
-                <a:spcPts val="0"/>
-              </a:spcBef>
-              <a:spcAft>
-                <a:spcPts val="0"/>
-              </a:spcAft>
-              <a:buClr>
-                <a:srgbClr val="000000"/>
-              </a:buClr>
-              <a:buSzPts val="2000"/>
-              <a:buChar char="●"/>
-            </a:pPr>
-            <a:r>
-              <a:rPr lang="en" sz="2000">
-                <a:solidFill>
-                  <a:srgbClr val="000000"/>
-                </a:solidFill>
-              </a:rPr>
-              <a:t>Predicting and analyzing time series</a:t>
-            </a:r>
-            <a:endParaRPr sz="2000">
-              <a:solidFill>
-                <a:srgbClr val="000000"/>
-              </a:solidFill>
-            </a:endParaRPr>
-          </a:p>
-          <a:p>
-            <a:pPr indent="-355600" lvl="0" marL="457200" rtl="0" algn="l">
-              <a:spcBef>
-                <a:spcPts val="0"/>
-              </a:spcBef>
-              <a:spcAft>
-                <a:spcPts val="0"/>
-              </a:spcAft>
-              <a:buClr>
-                <a:srgbClr val="000000"/>
-              </a:buClr>
-              <a:buSzPts val="2000"/>
-              <a:buChar char="●"/>
-            </a:pPr>
-            <a:r>
-              <a:rPr lang="en" sz="2000">
-                <a:solidFill>
-                  <a:schemeClr val="dk1"/>
-                </a:solidFill>
-              </a:rPr>
-              <a:t>Pattern recognition</a:t>
-            </a:r>
-            <a:endParaRPr sz="2000">
-              <a:solidFill>
-                <a:schemeClr val="dk1"/>
-              </a:solidFill>
-            </a:endParaRPr>
-          </a:p>
-          <a:p>
-            <a:pPr indent="-355600" lvl="1" marL="914400" rtl="0" algn="l">
-              <a:spcBef>
-                <a:spcPts val="0"/>
-              </a:spcBef>
-              <a:spcAft>
-                <a:spcPts val="0"/>
-              </a:spcAft>
-              <a:buClr>
-                <a:schemeClr val="dk1"/>
-              </a:buClr>
-              <a:buSzPts val="2000"/>
-              <a:buChar char="○"/>
-            </a:pPr>
-            <a:r>
-              <a:rPr lang="en" sz="2000">
-                <a:solidFill>
-                  <a:schemeClr val="dk1"/>
-                </a:solidFill>
-              </a:rPr>
-              <a:t>more...</a:t>
-            </a:r>
-            <a:endParaRPr sz="2000">
-              <a:solidFill>
-                <a:schemeClr val="dk1"/>
-              </a:solidFill>
-            </a:endParaRPr>
-          </a:p>
-        </p:txBody>
-      </p:sp>
-      <p:pic>
-        <p:nvPicPr>
-          <p:cNvPr id="530" name="Google Shape;530;p63"/>
-          <p:cNvPicPr preferRelativeResize="0"/>
-          <p:nvPr/>
-        </p:nvPicPr>
-        <p:blipFill>
-          <a:blip r:embed="rId3">
-            <a:alphaModFix/>
-          </a:blip>
-          <a:stretch>
-            <a:fillRect/>
-          </a:stretch>
-        </p:blipFill>
-        <p:spPr>
-          <a:xfrm>
-            <a:off x="2088612" y="789125"/>
-            <a:ext cx="4668237" cy="1881000"/>
-          </a:xfrm>
-          <a:prstGeom prst="rect">
-            <a:avLst/>
-          </a:prstGeom>
-          <a:noFill/>
-          <a:ln>
-            <a:noFill/>
-          </a:ln>
-        </p:spPr>
-      </p:pic>
-    </p:spTree>
-  </p:cSld>
-  <p:clrMapOvr>
-    <a:masterClrMapping/>
-  </p:clrMapOvr>
-</p:sld>
-</file>
-
-<file path=ppt/slides/slide52.xml><?xml version="1.0" encoding="utf-8"?>
-<p:sld xmlns:a="http://schemas.openxmlformats.org/drawingml/2006/main" xmlns:r="http://schemas.openxmlformats.org/officeDocument/2006/relationships" xmlns:mc="http://schemas.openxmlformats.org/markup-compatibility/2006" xmlns:mv="urn:schemas-microsoft-com:mac:vml" xmlns:p="http://schemas.openxmlformats.org/presentationml/2006/main" xmlns:c="http://schemas.openxmlformats.org/drawingml/2006/chart" xmlns:dgm="http://schemas.openxmlformats.org/drawingml/2006/diagram" xmlns:o="urn:schemas-microsoft-com:office:office" xmlns:v="urn:schemas-microsoft-com:vml" xmlns:pvml="urn:schemas-microsoft-com:office:powerpoint" xmlns:com="http://schemas.openxmlformats.org/drawingml/2006/compatibility" xmlns:p14="http://schemas.microsoft.com/office/powerpoint/2010/main" xmlns:p15="http://schemas.microsoft.com/office/powerpoint/2012/main">
-  <p:cSld>
-    <p:spTree>
-      <p:nvGrpSpPr>
-        <p:cNvPr id="534" name="Shape 534"/>
-        <p:cNvGrpSpPr/>
-        <p:nvPr/>
-      </p:nvGrpSpPr>
-      <p:grpSpPr>
-        <a:xfrm>
-          <a:off x="0" y="0"/>
-          <a:ext cx="0" cy="0"/>
-          <a:chOff x="0" y="0"/>
-          <a:chExt cx="0" cy="0"/>
-        </a:xfrm>
-      </p:grpSpPr>
-      <p:sp>
-        <p:nvSpPr>
-          <p:cNvPr id="535" name="Google Shape;535;p64"/>
-          <p:cNvSpPr txBox="1"/>
-          <p:nvPr>
-            <p:ph type="title"/>
-          </p:nvPr>
-        </p:nvSpPr>
-        <p:spPr>
-          <a:xfrm>
-            <a:off x="311700" y="445025"/>
-            <a:ext cx="8520600" cy="572700"/>
-          </a:xfrm>
-          <a:prstGeom prst="rect">
-            <a:avLst/>
-          </a:prstGeom>
-        </p:spPr>
-        <p:txBody>
-          <a:bodyPr anchorCtr="0" anchor="t" bIns="91425" lIns="91425" spcFirstLastPara="1" rIns="91425" wrap="square" tIns="91425">
-            <a:noAutofit/>
-          </a:bodyPr>
-          <a:lstStyle/>
-          <a:p>
-            <a:pPr indent="0" lvl="0" marL="0" rtl="0" algn="l">
-              <a:spcBef>
-                <a:spcPts val="0"/>
-              </a:spcBef>
-              <a:spcAft>
-                <a:spcPts val="0"/>
-              </a:spcAft>
-              <a:buNone/>
-            </a:pPr>
-            <a:r>
-              <a:t/>
-            </a:r>
-            <a:endParaRPr/>
-          </a:p>
-        </p:txBody>
-      </p:sp>
-      <p:sp>
-        <p:nvSpPr>
-          <p:cNvPr id="536" name="Google Shape;536;p64"/>
+          <p:cNvPr id="526" name="Google Shape;526;p63"/>
           <p:cNvSpPr txBox="1"/>
           <p:nvPr>
             <p:ph idx="1" type="body"/>
@@ -25586,6 +25139,285 @@
 </file>
 
 <file path=ppt/theme/theme1.xml><?xml version="1.0" encoding="utf-8"?>
+<a:theme xmlns:a="http://schemas.openxmlformats.org/drawingml/2006/main" xmlns:r="http://schemas.openxmlformats.org/officeDocument/2006/relationships">
+  <a:themeElements>
+    <a:clrScheme name="Default">
+      <a:dk1>
+        <a:srgbClr val="000000"/>
+      </a:dk1>
+      <a:lt1>
+        <a:srgbClr val="FFFFFF"/>
+      </a:lt1>
+      <a:dk2>
+        <a:srgbClr val="158158"/>
+      </a:dk2>
+      <a:lt2>
+        <a:srgbClr val="F3F3F3"/>
+      </a:lt2>
+      <a:accent1>
+        <a:srgbClr val="058DC7"/>
+      </a:accent1>
+      <a:accent2>
+        <a:srgbClr val="50B432"/>
+      </a:accent2>
+      <a:accent3>
+        <a:srgbClr val="ED561B"/>
+      </a:accent3>
+      <a:accent4>
+        <a:srgbClr val="EDEF00"/>
+      </a:accent4>
+      <a:accent5>
+        <a:srgbClr val="24CBE5"/>
+      </a:accent5>
+      <a:accent6>
+        <a:srgbClr val="64E572"/>
+      </a:accent6>
+      <a:hlink>
+        <a:srgbClr val="2200CC"/>
+      </a:hlink>
+      <a:folHlink>
+        <a:srgbClr val="551A8B"/>
+      </a:folHlink>
+    </a:clrScheme>
+    <a:fontScheme name="Office">
+      <a:majorFont>
+        <a:latin typeface="Arial"/>
+        <a:ea typeface=""/>
+        <a:cs typeface=""/>
+        <a:font script="Jpan" typeface="ＭＳ Ｐゴシック"/>
+        <a:font script="Hang" typeface="맑은 고딕"/>
+        <a:font script="Hans" typeface="宋体"/>
+        <a:font script="Hant" typeface="新細明體"/>
+        <a:font script="Arab" typeface="Times New Roman"/>
+        <a:font script="Hebr" typeface="Times New Roman"/>
+        <a:font script="Thai" typeface="Angsana New"/>
+        <a:font script="Ethi" typeface="Nyala"/>
+        <a:font script="Beng" typeface="Vrinda"/>
+        <a:font script="Gujr" typeface="Shruti"/>
+        <a:font script="Khmr" typeface="MoolBoran"/>
+        <a:font script="Knda" typeface="Tunga"/>
+        <a:font script="Guru" typeface="Raavi"/>
+        <a:font script="Cans" typeface="Euphemia"/>
+        <a:font script="Cher" typeface="Plantagenet Cherokee"/>
+        <a:font script="Yiii" typeface="Microsoft Yi Baiti"/>
+        <a:font script="Tibt" typeface="Microsoft Himalaya"/>
+        <a:font script="Thaa" typeface="MV Boli"/>
+        <a:font script="Deva" typeface="Mangal"/>
+        <a:font script="Telu" typeface="Gautami"/>
+        <a:font script="Taml" typeface="Latha"/>
+        <a:font script="Syrc" typeface="Estrangelo Edessa"/>
+        <a:font script="Orya" typeface="Kalinga"/>
+        <a:font script="Mlym" typeface="Kartika"/>
+        <a:font script="Laoo" typeface="DokChampa"/>
+        <a:font script="Sinh" typeface="Iskoola Pota"/>
+        <a:font script="Mong" typeface="Mongolian Baiti"/>
+        <a:font script="Viet" typeface="Times New Roman"/>
+        <a:font script="Uigh" typeface="Microsoft Uighur"/>
+        <a:font script="Geor" typeface="Sylfaen"/>
+      </a:majorFont>
+      <a:minorFont>
+        <a:latin typeface="Arial"/>
+        <a:ea typeface=""/>
+        <a:cs typeface=""/>
+        <a:font script="Jpan" typeface="ＭＳ Ｐゴシック"/>
+        <a:font script="Hang" typeface="맑은 고딕"/>
+        <a:font script="Hans" typeface="宋体"/>
+        <a:font script="Hant" typeface="新細明體"/>
+        <a:font script="Arab" typeface="Arial"/>
+        <a:font script="Hebr" typeface="Arial"/>
+        <a:font script="Thai" typeface="Cordia New"/>
+        <a:font script="Ethi" typeface="Nyala"/>
+        <a:font script="Beng" typeface="Vrinda"/>
+        <a:font script="Gujr" typeface="Shruti"/>
+        <a:font script="Khmr" typeface="DaunPenh"/>
+        <a:font script="Knda" typeface="Tunga"/>
+        <a:font script="Guru" typeface="Raavi"/>
+        <a:font script="Cans" typeface="Euphemia"/>
+        <a:font script="Cher" typeface="Plantagenet Cherokee"/>
+        <a:font script="Yiii" typeface="Microsoft Yi Baiti"/>
+        <a:font script="Tibt" typeface="Microsoft Himalaya"/>
+        <a:font script="Thaa" typeface="MV Boli"/>
+        <a:font script="Deva" typeface="Mangal"/>
+        <a:font script="Telu" typeface="Gautami"/>
+        <a:font script="Taml" typeface="Latha"/>
+        <a:font script="Syrc" typeface="Estrangelo Edessa"/>
+        <a:font script="Orya" typeface="Kalinga"/>
+        <a:font script="Mlym" typeface="Kartika"/>
+        <a:font script="Laoo" typeface="DokChampa"/>
+        <a:font script="Sinh" typeface="Iskoola Pota"/>
+        <a:font script="Mong" typeface="Mongolian Baiti"/>
+        <a:font script="Viet" typeface="Arial"/>
+        <a:font script="Uigh" typeface="Microsoft Uighur"/>
+        <a:font script="Geor" typeface="Sylfaen"/>
+      </a:minorFont>
+    </a:fontScheme>
+    <a:fmtScheme name="Office">
+      <a:fillStyleLst>
+        <a:solidFill>
+          <a:schemeClr val="phClr"/>
+        </a:solidFill>
+        <a:gradFill rotWithShape="1">
+          <a:gsLst>
+            <a:gs pos="0">
+              <a:schemeClr val="phClr">
+                <a:tint val="50000"/>
+                <a:satMod val="300000"/>
+              </a:schemeClr>
+            </a:gs>
+            <a:gs pos="35000">
+              <a:schemeClr val="phClr">
+                <a:tint val="37000"/>
+                <a:satMod val="300000"/>
+              </a:schemeClr>
+            </a:gs>
+            <a:gs pos="100000">
+              <a:schemeClr val="phClr">
+                <a:tint val="15000"/>
+                <a:satMod val="350000"/>
+              </a:schemeClr>
+            </a:gs>
+          </a:gsLst>
+          <a:lin ang="16200000" scaled="1"/>
+        </a:gradFill>
+        <a:gradFill rotWithShape="1">
+          <a:gsLst>
+            <a:gs pos="0">
+              <a:schemeClr val="phClr">
+                <a:tint val="100000"/>
+                <a:shade val="100000"/>
+                <a:satMod val="130000"/>
+              </a:schemeClr>
+            </a:gs>
+            <a:gs pos="100000">
+              <a:schemeClr val="phClr">
+                <a:tint val="50000"/>
+                <a:shade val="100000"/>
+                <a:satMod val="350000"/>
+              </a:schemeClr>
+            </a:gs>
+          </a:gsLst>
+          <a:lin ang="16200000" scaled="0"/>
+        </a:gradFill>
+      </a:fillStyleLst>
+      <a:lnStyleLst>
+        <a:ln w="9525" cap="flat" cmpd="sng" algn="ctr">
+          <a:solidFill>
+            <a:schemeClr val="phClr">
+              <a:shade val="95000"/>
+              <a:satMod val="105000"/>
+            </a:schemeClr>
+          </a:solidFill>
+          <a:prstDash val="solid"/>
+        </a:ln>
+        <a:ln w="25400" cap="flat" cmpd="sng" algn="ctr">
+          <a:solidFill>
+            <a:schemeClr val="phClr"/>
+          </a:solidFill>
+          <a:prstDash val="solid"/>
+        </a:ln>
+        <a:ln w="38100" cap="flat" cmpd="sng" algn="ctr">
+          <a:solidFill>
+            <a:schemeClr val="phClr"/>
+          </a:solidFill>
+          <a:prstDash val="solid"/>
+        </a:ln>
+      </a:lnStyleLst>
+      <a:effectStyleLst>
+        <a:effectStyle>
+          <a:effectLst>
+            <a:outerShdw blurRad="40000" dist="20000" dir="5400000" rotWithShape="0">
+              <a:srgbClr val="000000">
+                <a:alpha val="38000"/>
+              </a:srgbClr>
+            </a:outerShdw>
+          </a:effectLst>
+        </a:effectStyle>
+        <a:effectStyle>
+          <a:effectLst>
+            <a:outerShdw blurRad="40000" dist="23000" dir="5400000" rotWithShape="0">
+              <a:srgbClr val="000000">
+                <a:alpha val="35000"/>
+              </a:srgbClr>
+            </a:outerShdw>
+          </a:effectLst>
+        </a:effectStyle>
+        <a:effectStyle>
+          <a:effectLst>
+            <a:outerShdw blurRad="40000" dist="23000" dir="5400000" rotWithShape="0">
+              <a:srgbClr val="000000">
+                <a:alpha val="35000"/>
+              </a:srgbClr>
+            </a:outerShdw>
+          </a:effectLst>
+          <a:scene3d>
+            <a:camera prst="orthographicFront">
+              <a:rot lat="0" lon="0" rev="0"/>
+            </a:camera>
+            <a:lightRig rig="threePt" dir="t">
+              <a:rot lat="0" lon="0" rev="1200000"/>
+            </a:lightRig>
+          </a:scene3d>
+          <a:sp3d>
+            <a:bevelT w="63500" h="25400"/>
+          </a:sp3d>
+        </a:effectStyle>
+      </a:effectStyleLst>
+      <a:bgFillStyleLst>
+        <a:solidFill>
+          <a:schemeClr val="phClr"/>
+        </a:solidFill>
+        <a:gradFill rotWithShape="1">
+          <a:gsLst>
+            <a:gs pos="0">
+              <a:schemeClr val="phClr">
+                <a:tint val="40000"/>
+                <a:satMod val="350000"/>
+              </a:schemeClr>
+            </a:gs>
+            <a:gs pos="40000">
+              <a:schemeClr val="phClr">
+                <a:tint val="45000"/>
+                <a:shade val="99000"/>
+                <a:satMod val="350000"/>
+              </a:schemeClr>
+            </a:gs>
+            <a:gs pos="100000">
+              <a:schemeClr val="phClr">
+                <a:shade val="20000"/>
+                <a:satMod val="255000"/>
+              </a:schemeClr>
+            </a:gs>
+          </a:gsLst>
+          <a:path path="circle">
+            <a:fillToRect l="50000" t="-80000" r="50000" b="180000"/>
+          </a:path>
+        </a:gradFill>
+        <a:gradFill rotWithShape="1">
+          <a:gsLst>
+            <a:gs pos="0">
+              <a:schemeClr val="phClr">
+                <a:tint val="80000"/>
+                <a:satMod val="300000"/>
+              </a:schemeClr>
+            </a:gs>
+            <a:gs pos="100000">
+              <a:schemeClr val="phClr">
+                <a:shade val="30000"/>
+                <a:satMod val="200000"/>
+              </a:schemeClr>
+            </a:gs>
+          </a:gsLst>
+          <a:path path="circle">
+            <a:fillToRect l="50000" t="50000" r="50000" b="50000"/>
+          </a:path>
+        </a:gradFill>
+      </a:bgFillStyleLst>
+    </a:fmtScheme>
+  </a:themeElements>
+</a:theme>
+</file>
+
+<file path=ppt/theme/theme2.xml><?xml version="1.0" encoding="utf-8"?>
 <a:theme xmlns:a="http://schemas.openxmlformats.org/drawingml/2006/main" xmlns:r="http://schemas.openxmlformats.org/officeDocument/2006/relationships" name="Simple Light">
   <a:themeElements>
     <a:clrScheme name="Simple Light">
@@ -25862,283 +25694,4 @@
     </a:fmtScheme>
   </a:themeElements>
 </a:theme>
-</file>
-
-<file path=ppt/theme/theme2.xml><?xml version="1.0" encoding="utf-8"?>
-<a:theme xmlns:a="http://schemas.openxmlformats.org/drawingml/2006/main" xmlns:r="http://schemas.openxmlformats.org/officeDocument/2006/relationships">
-  <a:themeElements>
-    <a:clrScheme name="Default">
-      <a:dk1>
-        <a:srgbClr val="000000"/>
-      </a:dk1>
-      <a:lt1>
-        <a:srgbClr val="FFFFFF"/>
-      </a:lt1>
-      <a:dk2>
-        <a:srgbClr val="158158"/>
-      </a:dk2>
-      <a:lt2>
-        <a:srgbClr val="F3F3F3"/>
-      </a:lt2>
-      <a:accent1>
-        <a:srgbClr val="058DC7"/>
-      </a:accent1>
-      <a:accent2>
-        <a:srgbClr val="50B432"/>
-      </a:accent2>
-      <a:accent3>
-        <a:srgbClr val="ED561B"/>
-      </a:accent3>
-      <a:accent4>
-        <a:srgbClr val="EDEF00"/>
-      </a:accent4>
-      <a:accent5>
-        <a:srgbClr val="24CBE5"/>
-      </a:accent5>
-      <a:accent6>
-        <a:srgbClr val="64E572"/>
-      </a:accent6>
-      <a:hlink>
-        <a:srgbClr val="2200CC"/>
-      </a:hlink>
-      <a:folHlink>
-        <a:srgbClr val="551A8B"/>
-      </a:folHlink>
-    </a:clrScheme>
-    <a:fontScheme name="Office">
-      <a:majorFont>
-        <a:latin typeface="Arial"/>
-        <a:ea typeface=""/>
-        <a:cs typeface=""/>
-        <a:font script="Jpan" typeface="ＭＳ Ｐゴシック"/>
-        <a:font script="Hang" typeface="맑은 고딕"/>
-        <a:font script="Hans" typeface="宋体"/>
-        <a:font script="Hant" typeface="新細明體"/>
-        <a:font script="Arab" typeface="Times New Roman"/>
-        <a:font script="Hebr" typeface="Times New Roman"/>
-        <a:font script="Thai" typeface="Angsana New"/>
-        <a:font script="Ethi" typeface="Nyala"/>
-        <a:font script="Beng" typeface="Vrinda"/>
-        <a:font script="Gujr" typeface="Shruti"/>
-        <a:font script="Khmr" typeface="MoolBoran"/>
-        <a:font script="Knda" typeface="Tunga"/>
-        <a:font script="Guru" typeface="Raavi"/>
-        <a:font script="Cans" typeface="Euphemia"/>
-        <a:font script="Cher" typeface="Plantagenet Cherokee"/>
-        <a:font script="Yiii" typeface="Microsoft Yi Baiti"/>
-        <a:font script="Tibt" typeface="Microsoft Himalaya"/>
-        <a:font script="Thaa" typeface="MV Boli"/>
-        <a:font script="Deva" typeface="Mangal"/>
-        <a:font script="Telu" typeface="Gautami"/>
-        <a:font script="Taml" typeface="Latha"/>
-        <a:font script="Syrc" typeface="Estrangelo Edessa"/>
-        <a:font script="Orya" typeface="Kalinga"/>
-        <a:font script="Mlym" typeface="Kartika"/>
-        <a:font script="Laoo" typeface="DokChampa"/>
-        <a:font script="Sinh" typeface="Iskoola Pota"/>
-        <a:font script="Mong" typeface="Mongolian Baiti"/>
-        <a:font script="Viet" typeface="Times New Roman"/>
-        <a:font script="Uigh" typeface="Microsoft Uighur"/>
-        <a:font script="Geor" typeface="Sylfaen"/>
-      </a:majorFont>
-      <a:minorFont>
-        <a:latin typeface="Arial"/>
-        <a:ea typeface=""/>
-        <a:cs typeface=""/>
-        <a:font script="Jpan" typeface="ＭＳ Ｐゴシック"/>
-        <a:font script="Hang" typeface="맑은 고딕"/>
-        <a:font script="Hans" typeface="宋体"/>
-        <a:font script="Hant" typeface="新細明體"/>
-        <a:font script="Arab" typeface="Arial"/>
-        <a:font script="Hebr" typeface="Arial"/>
-        <a:font script="Thai" typeface="Cordia New"/>
-        <a:font script="Ethi" typeface="Nyala"/>
-        <a:font script="Beng" typeface="Vrinda"/>
-        <a:font script="Gujr" typeface="Shruti"/>
-        <a:font script="Khmr" typeface="DaunPenh"/>
-        <a:font script="Knda" typeface="Tunga"/>
-        <a:font script="Guru" typeface="Raavi"/>
-        <a:font script="Cans" typeface="Euphemia"/>
-        <a:font script="Cher" typeface="Plantagenet Cherokee"/>
-        <a:font script="Yiii" typeface="Microsoft Yi Baiti"/>
-        <a:font script="Tibt" typeface="Microsoft Himalaya"/>
-        <a:font script="Thaa" typeface="MV Boli"/>
-        <a:font script="Deva" typeface="Mangal"/>
-        <a:font script="Telu" typeface="Gautami"/>
-        <a:font script="Taml" typeface="Latha"/>
-        <a:font script="Syrc" typeface="Estrangelo Edessa"/>
-        <a:font script="Orya" typeface="Kalinga"/>
-        <a:font script="Mlym" typeface="Kartika"/>
-        <a:font script="Laoo" typeface="DokChampa"/>
-        <a:font script="Sinh" typeface="Iskoola Pota"/>
-        <a:font script="Mong" typeface="Mongolian Baiti"/>
-        <a:font script="Viet" typeface="Arial"/>
-        <a:font script="Uigh" typeface="Microsoft Uighur"/>
-        <a:font script="Geor" typeface="Sylfaen"/>
-      </a:minorFont>
-    </a:fontScheme>
-    <a:fmtScheme name="Office">
-      <a:fillStyleLst>
-        <a:solidFill>
-          <a:schemeClr val="phClr"/>
-        </a:solidFill>
-        <a:gradFill rotWithShape="1">
-          <a:gsLst>
-            <a:gs pos="0">
-              <a:schemeClr val="phClr">
-                <a:tint val="50000"/>
-                <a:satMod val="300000"/>
-              </a:schemeClr>
-            </a:gs>
-            <a:gs pos="35000">
-              <a:schemeClr val="phClr">
-                <a:tint val="37000"/>
-                <a:satMod val="300000"/>
-              </a:schemeClr>
-            </a:gs>
-            <a:gs pos="100000">
-              <a:schemeClr val="phClr">
-                <a:tint val="15000"/>
-                <a:satMod val="350000"/>
-              </a:schemeClr>
-            </a:gs>
-          </a:gsLst>
-          <a:lin ang="16200000" scaled="1"/>
-        </a:gradFill>
-        <a:gradFill rotWithShape="1">
-          <a:gsLst>
-            <a:gs pos="0">
-              <a:schemeClr val="phClr">
-                <a:tint val="100000"/>
-                <a:shade val="100000"/>
-                <a:satMod val="130000"/>
-              </a:schemeClr>
-            </a:gs>
-            <a:gs pos="100000">
-              <a:schemeClr val="phClr">
-                <a:tint val="50000"/>
-                <a:shade val="100000"/>
-                <a:satMod val="350000"/>
-              </a:schemeClr>
-            </a:gs>
-          </a:gsLst>
-          <a:lin ang="16200000" scaled="0"/>
-        </a:gradFill>
-      </a:fillStyleLst>
-      <a:lnStyleLst>
-        <a:ln w="9525" cap="flat" cmpd="sng" algn="ctr">
-          <a:solidFill>
-            <a:schemeClr val="phClr">
-              <a:shade val="95000"/>
-              <a:satMod val="105000"/>
-            </a:schemeClr>
-          </a:solidFill>
-          <a:prstDash val="solid"/>
-        </a:ln>
-        <a:ln w="25400" cap="flat" cmpd="sng" algn="ctr">
-          <a:solidFill>
-            <a:schemeClr val="phClr"/>
-          </a:solidFill>
-          <a:prstDash val="solid"/>
-        </a:ln>
-        <a:ln w="38100" cap="flat" cmpd="sng" algn="ctr">
-          <a:solidFill>
-            <a:schemeClr val="phClr"/>
-          </a:solidFill>
-          <a:prstDash val="solid"/>
-        </a:ln>
-      </a:lnStyleLst>
-      <a:effectStyleLst>
-        <a:effectStyle>
-          <a:effectLst>
-            <a:outerShdw blurRad="40000" dist="20000" dir="5400000" rotWithShape="0">
-              <a:srgbClr val="000000">
-                <a:alpha val="38000"/>
-              </a:srgbClr>
-            </a:outerShdw>
-          </a:effectLst>
-        </a:effectStyle>
-        <a:effectStyle>
-          <a:effectLst>
-            <a:outerShdw blurRad="40000" dist="23000" dir="5400000" rotWithShape="0">
-              <a:srgbClr val="000000">
-                <a:alpha val="35000"/>
-              </a:srgbClr>
-            </a:outerShdw>
-          </a:effectLst>
-        </a:effectStyle>
-        <a:effectStyle>
-          <a:effectLst>
-            <a:outerShdw blurRad="40000" dist="23000" dir="5400000" rotWithShape="0">
-              <a:srgbClr val="000000">
-                <a:alpha val="35000"/>
-              </a:srgbClr>
-            </a:outerShdw>
-          </a:effectLst>
-          <a:scene3d>
-            <a:camera prst="orthographicFront">
-              <a:rot lat="0" lon="0" rev="0"/>
-            </a:camera>
-            <a:lightRig rig="threePt" dir="t">
-              <a:rot lat="0" lon="0" rev="1200000"/>
-            </a:lightRig>
-          </a:scene3d>
-          <a:sp3d>
-            <a:bevelT w="63500" h="25400"/>
-          </a:sp3d>
-        </a:effectStyle>
-      </a:effectStyleLst>
-      <a:bgFillStyleLst>
-        <a:solidFill>
-          <a:schemeClr val="phClr"/>
-        </a:solidFill>
-        <a:gradFill rotWithShape="1">
-          <a:gsLst>
-            <a:gs pos="0">
-              <a:schemeClr val="phClr">
-                <a:tint val="40000"/>
-                <a:satMod val="350000"/>
-              </a:schemeClr>
-            </a:gs>
-            <a:gs pos="40000">
-              <a:schemeClr val="phClr">
-                <a:tint val="45000"/>
-                <a:shade val="99000"/>
-                <a:satMod val="350000"/>
-              </a:schemeClr>
-            </a:gs>
-            <a:gs pos="100000">
-              <a:schemeClr val="phClr">
-                <a:shade val="20000"/>
-                <a:satMod val="255000"/>
-              </a:schemeClr>
-            </a:gs>
-          </a:gsLst>
-          <a:path path="circle">
-            <a:fillToRect l="50000" t="-80000" r="50000" b="180000"/>
-          </a:path>
-        </a:gradFill>
-        <a:gradFill rotWithShape="1">
-          <a:gsLst>
-            <a:gs pos="0">
-              <a:schemeClr val="phClr">
-                <a:tint val="80000"/>
-                <a:satMod val="300000"/>
-              </a:schemeClr>
-            </a:gs>
-            <a:gs pos="100000">
-              <a:schemeClr val="phClr">
-                <a:shade val="30000"/>
-                <a:satMod val="200000"/>
-              </a:schemeClr>
-            </a:gs>
-          </a:gsLst>
-          <a:path path="circle">
-            <a:fillToRect l="50000" t="50000" r="50000" b="50000"/>
-          </a:path>
-        </a:gradFill>
-      </a:bgFillStyleLst>
-    </a:fmtScheme>
-  </a:themeElements>
-</a:theme>
 </file>